--- a/AI_Agents_in_the_Data_Pipeline.pptx
+++ b/AI_Agents_in_the_Data_Pipeline.pptx
@@ -10,6 +10,16 @@
     <p:sldId id="261" r:id="rId4"/>
     <p:sldId id="260" r:id="rId5"/>
     <p:sldId id="262" r:id="rId6"/>
+    <p:sldId id="263" r:id="rId7"/>
+    <p:sldId id="264" r:id="rId8"/>
+    <p:sldId id="265" r:id="rId9"/>
+    <p:sldId id="271" r:id="rId10"/>
+    <p:sldId id="272" r:id="rId11"/>
+    <p:sldId id="266" r:id="rId12"/>
+    <p:sldId id="267" r:id="rId13"/>
+    <p:sldId id="268" r:id="rId14"/>
+    <p:sldId id="269" r:id="rId15"/>
+    <p:sldId id="270" r:id="rId16"/>
   </p:sldIdLst>
   <p:sldSz cx="12192000" cy="6858000"/>
   <p:notesSz cx="6858000" cy="9144000"/>
@@ -108,6 +118,11 @@
       </a:defRPr>
     </a:lvl9pPr>
   </p:defaultTextStyle>
+  <p:extLst>
+    <p:ext uri="{EFAFB233-063F-42B5-8137-9DF3F51BA10A}">
+      <p15:sldGuideLst xmlns:p15="http://schemas.microsoft.com/office/powerpoint/2012/main"/>
+    </p:ext>
+  </p:extLst>
 </p:presentation>
 </file>
 
@@ -260,7 +275,7 @@
           <a:p>
             <a:fld id="{87B02A21-FE86-45F5-9B8B-75D343822DB2}" type="datetimeFigureOut">
               <a:rPr lang="en-GB" smtClean="0"/>
-              <a:t>05/08/2025</a:t>
+              <a:t>10/08/2025</a:t>
             </a:fld>
             <a:endParaRPr lang="en-GB"/>
           </a:p>
@@ -460,7 +475,7 @@
           <a:p>
             <a:fld id="{87B02A21-FE86-45F5-9B8B-75D343822DB2}" type="datetimeFigureOut">
               <a:rPr lang="en-GB" smtClean="0"/>
-              <a:t>05/08/2025</a:t>
+              <a:t>10/08/2025</a:t>
             </a:fld>
             <a:endParaRPr lang="en-GB"/>
           </a:p>
@@ -670,7 +685,7 @@
           <a:p>
             <a:fld id="{87B02A21-FE86-45F5-9B8B-75D343822DB2}" type="datetimeFigureOut">
               <a:rPr lang="en-GB" smtClean="0"/>
-              <a:t>05/08/2025</a:t>
+              <a:t>10/08/2025</a:t>
             </a:fld>
             <a:endParaRPr lang="en-GB"/>
           </a:p>
@@ -870,7 +885,7 @@
           <a:p>
             <a:fld id="{87B02A21-FE86-45F5-9B8B-75D343822DB2}" type="datetimeFigureOut">
               <a:rPr lang="en-GB" smtClean="0"/>
-              <a:t>05/08/2025</a:t>
+              <a:t>10/08/2025</a:t>
             </a:fld>
             <a:endParaRPr lang="en-GB"/>
           </a:p>
@@ -1146,7 +1161,7 @@
           <a:p>
             <a:fld id="{87B02A21-FE86-45F5-9B8B-75D343822DB2}" type="datetimeFigureOut">
               <a:rPr lang="en-GB" smtClean="0"/>
-              <a:t>05/08/2025</a:t>
+              <a:t>10/08/2025</a:t>
             </a:fld>
             <a:endParaRPr lang="en-GB"/>
           </a:p>
@@ -1414,7 +1429,7 @@
           <a:p>
             <a:fld id="{87B02A21-FE86-45F5-9B8B-75D343822DB2}" type="datetimeFigureOut">
               <a:rPr lang="en-GB" smtClean="0"/>
-              <a:t>05/08/2025</a:t>
+              <a:t>10/08/2025</a:t>
             </a:fld>
             <a:endParaRPr lang="en-GB"/>
           </a:p>
@@ -1829,7 +1844,7 @@
           <a:p>
             <a:fld id="{87B02A21-FE86-45F5-9B8B-75D343822DB2}" type="datetimeFigureOut">
               <a:rPr lang="en-GB" smtClean="0"/>
-              <a:t>05/08/2025</a:t>
+              <a:t>10/08/2025</a:t>
             </a:fld>
             <a:endParaRPr lang="en-GB"/>
           </a:p>
@@ -1971,7 +1986,7 @@
           <a:p>
             <a:fld id="{87B02A21-FE86-45F5-9B8B-75D343822DB2}" type="datetimeFigureOut">
               <a:rPr lang="en-GB" smtClean="0"/>
-              <a:t>05/08/2025</a:t>
+              <a:t>10/08/2025</a:t>
             </a:fld>
             <a:endParaRPr lang="en-GB"/>
           </a:p>
@@ -2084,7 +2099,7 @@
           <a:p>
             <a:fld id="{87B02A21-FE86-45F5-9B8B-75D343822DB2}" type="datetimeFigureOut">
               <a:rPr lang="en-GB" smtClean="0"/>
-              <a:t>05/08/2025</a:t>
+              <a:t>10/08/2025</a:t>
             </a:fld>
             <a:endParaRPr lang="en-GB"/>
           </a:p>
@@ -2397,7 +2412,7 @@
           <a:p>
             <a:fld id="{87B02A21-FE86-45F5-9B8B-75D343822DB2}" type="datetimeFigureOut">
               <a:rPr lang="en-GB" smtClean="0"/>
-              <a:t>05/08/2025</a:t>
+              <a:t>10/08/2025</a:t>
             </a:fld>
             <a:endParaRPr lang="en-GB"/>
           </a:p>
@@ -2686,7 +2701,7 @@
           <a:p>
             <a:fld id="{87B02A21-FE86-45F5-9B8B-75D343822DB2}" type="datetimeFigureOut">
               <a:rPr lang="en-GB" smtClean="0"/>
-              <a:t>05/08/2025</a:t>
+              <a:t>10/08/2025</a:t>
             </a:fld>
             <a:endParaRPr lang="en-GB"/>
           </a:p>
@@ -2929,7 +2944,7 @@
           <a:p>
             <a:fld id="{87B02A21-FE86-45F5-9B8B-75D343822DB2}" type="datetimeFigureOut">
               <a:rPr lang="en-GB" smtClean="0"/>
-              <a:t>05/08/2025</a:t>
+              <a:t>10/08/2025</a:t>
             </a:fld>
             <a:endParaRPr lang="en-GB"/>
           </a:p>
@@ -3486,12 +3501,57 @@
               <a:buNone/>
             </a:pPr>
             <a:r>
-              <a:rPr lang="en-GB" dirty="0">
+              <a:rPr lang="en-GB" sz="2000" dirty="0">
+                <a:solidFill>
+                  <a:srgbClr val="3A3A3A"/>
+                </a:solidFill>
+                <a:hlinkClick r:id="rId2"/>
+              </a:rPr>
+              <a:t>https://github.com/Python-Test-Engineer/earl2025</a:t>
+            </a:r>
+            <a:endParaRPr lang="en-GB" sz="2000" dirty="0">
+              <a:solidFill>
+                <a:srgbClr val="3A3A3A"/>
+              </a:solidFill>
+            </a:endParaRPr>
+          </a:p>
+          <a:p>
+            <a:pPr marL="0" indent="0">
+              <a:buNone/>
+            </a:pPr>
+            <a:r>
+              <a:rPr lang="en-GB" sz="1800" dirty="0">
                 <a:solidFill>
                   <a:srgbClr val="3A3A3A"/>
                 </a:solidFill>
               </a:rPr>
-              <a:t>https://github.com/Python-Test-Engineer/earl2025</a:t>
+              <a:t>This also contains links to a video of the BrighonPy talk/workshop on </a:t>
+            </a:r>
+          </a:p>
+          <a:p>
+            <a:pPr marL="0" indent="0">
+              <a:buNone/>
+            </a:pPr>
+            <a:r>
+              <a:rPr lang="en-GB" sz="1800" dirty="0">
+                <a:solidFill>
+                  <a:srgbClr val="3A3A3A"/>
+                </a:solidFill>
+              </a:rPr>
+              <a:t>‘AI as API’ and the repo for the PyData Southampton Meetup ‘AI Agents in </a:t>
+            </a:r>
+          </a:p>
+          <a:p>
+            <a:pPr marL="0" indent="0">
+              <a:buNone/>
+            </a:pPr>
+            <a:r>
+              <a:rPr lang="en-GB" sz="1800" dirty="0">
+                <a:solidFill>
+                  <a:srgbClr val="3A3A3A"/>
+                </a:solidFill>
+              </a:rPr>
+              <a:t>The Data Pipeline’ as well as additional resources.</a:t>
             </a:r>
           </a:p>
           <a:p>
@@ -3514,7 +3574,7 @@
           <p:nvPr/>
         </p:nvPicPr>
         <p:blipFill>
-          <a:blip r:embed="rId2">
+          <a:blip r:embed="rId3">
             <a:extLst>
               <a:ext uri="{28A0092B-C50C-407E-A947-70E740481C1C}">
                 <a14:useLocalDpi xmlns:a14="http://schemas.microsoft.com/office/drawing/2010/main" val="0"/>
@@ -3550,7 +3610,7 @@
           <p:nvPr/>
         </p:nvPicPr>
         <p:blipFill>
-          <a:blip r:embed="rId3">
+          <a:blip r:embed="rId4">
             <a:extLst>
               <a:ext uri="{28A0092B-C50C-407E-A947-70E740481C1C}">
                 <a14:useLocalDpi xmlns:a14="http://schemas.microsoft.com/office/drawing/2010/main" val="0"/>
@@ -3575,6 +3635,800 @@
     <p:extLst>
       <p:ext uri="{BB962C8B-B14F-4D97-AF65-F5344CB8AC3E}">
         <p14:creationId xmlns:p14="http://schemas.microsoft.com/office/powerpoint/2010/main" val="364032949"/>
+      </p:ext>
+    </p:extLst>
+  </p:cSld>
+  <p:clrMapOvr>
+    <a:masterClrMapping/>
+  </p:clrMapOvr>
+</p:sld>
+</file>
+
+<file path=ppt/slides/slide10.xml><?xml version="1.0" encoding="utf-8"?>
+<p:sld xmlns:a="http://schemas.openxmlformats.org/drawingml/2006/main" xmlns:r="http://schemas.openxmlformats.org/officeDocument/2006/relationships" xmlns:p="http://schemas.openxmlformats.org/presentationml/2006/main">
+  <p:cSld>
+    <p:bg>
+      <p:bgPr>
+        <a:solidFill>
+          <a:srgbClr val="FAF0E6"/>
+        </a:solidFill>
+        <a:effectLst/>
+      </p:bgPr>
+    </p:bg>
+    <p:spTree>
+      <p:nvGrpSpPr>
+        <p:cNvPr id="1" name="">
+          <a:extLst>
+            <a:ext uri="{FF2B5EF4-FFF2-40B4-BE49-F238E27FC236}">
+              <a16:creationId xmlns:a16="http://schemas.microsoft.com/office/drawing/2014/main" id="{A9BC89B4-C6A1-AA4A-4E2A-549D68FAF01B}"/>
+            </a:ext>
+          </a:extLst>
+        </p:cNvPr>
+        <p:cNvGrpSpPr/>
+        <p:nvPr/>
+      </p:nvGrpSpPr>
+      <p:grpSpPr>
+        <a:xfrm>
+          <a:off x="0" y="0"/>
+          <a:ext cx="0" cy="0"/>
+          <a:chOff x="0" y="0"/>
+          <a:chExt cx="0" cy="0"/>
+        </a:xfrm>
+      </p:grpSpPr>
+      <p:sp>
+        <p:nvSpPr>
+          <p:cNvPr id="2" name="Title 1">
+            <a:extLst>
+              <a:ext uri="{FF2B5EF4-FFF2-40B4-BE49-F238E27FC236}">
+                <a16:creationId xmlns:a16="http://schemas.microsoft.com/office/drawing/2014/main" id="{8E2A0115-D35C-4044-C78F-3FECEDE45104}"/>
+              </a:ext>
+            </a:extLst>
+          </p:cNvPr>
+          <p:cNvSpPr>
+            <a:spLocks noGrp="1"/>
+          </p:cNvSpPr>
+          <p:nvPr>
+            <p:ph type="title"/>
+          </p:nvPr>
+        </p:nvSpPr>
+        <p:spPr>
+          <a:xfrm>
+            <a:off x="919314" y="190464"/>
+            <a:ext cx="10515600" cy="1325563"/>
+          </a:xfrm>
+        </p:spPr>
+        <p:txBody>
+          <a:bodyPr/>
+          <a:lstStyle/>
+          <a:p>
+            <a:r>
+              <a:rPr lang="en-GB" dirty="0">
+                <a:solidFill>
+                  <a:srgbClr val="676767"/>
+                </a:solidFill>
+              </a:rPr>
+              <a:t>Agentic Patterns (2)</a:t>
+            </a:r>
+          </a:p>
+        </p:txBody>
+      </p:sp>
+      <p:pic>
+        <p:nvPicPr>
+          <p:cNvPr id="6" name="Content Placeholder 5" descr="A diagram of a call center&#10;&#10;AI-generated content may be incorrect.">
+            <a:extLst>
+              <a:ext uri="{FF2B5EF4-FFF2-40B4-BE49-F238E27FC236}">
+                <a16:creationId xmlns:a16="http://schemas.microsoft.com/office/drawing/2014/main" id="{40876E72-6B84-D798-A97E-43514414F6A1}"/>
+              </a:ext>
+            </a:extLst>
+          </p:cNvPr>
+          <p:cNvPicPr>
+            <a:picLocks noGrp="1" noChangeAspect="1"/>
+          </p:cNvPicPr>
+          <p:nvPr>
+            <p:ph idx="1"/>
+          </p:nvPr>
+        </p:nvPicPr>
+        <p:blipFill>
+          <a:blip r:embed="rId2">
+            <a:extLst>
+              <a:ext uri="{28A0092B-C50C-407E-A947-70E740481C1C}">
+                <a14:useLocalDpi xmlns:a14="http://schemas.microsoft.com/office/drawing/2010/main" val="0"/>
+              </a:ext>
+            </a:extLst>
+          </a:blip>
+          <a:stretch>
+            <a:fillRect/>
+          </a:stretch>
+        </p:blipFill>
+        <p:spPr>
+          <a:xfrm>
+            <a:off x="6657654" y="2040763"/>
+            <a:ext cx="5106033" cy="2573088"/>
+          </a:xfrm>
+        </p:spPr>
+      </p:pic>
+      <p:pic>
+        <p:nvPicPr>
+          <p:cNvPr id="9" name="Picture 8" descr="A diagram of a flowchart&#10;&#10;AI-generated content may be incorrect.">
+            <a:extLst>
+              <a:ext uri="{FF2B5EF4-FFF2-40B4-BE49-F238E27FC236}">
+                <a16:creationId xmlns:a16="http://schemas.microsoft.com/office/drawing/2014/main" id="{5F084771-CD9C-05A7-DA66-86BFA2BF9B96}"/>
+              </a:ext>
+            </a:extLst>
+          </p:cNvPr>
+          <p:cNvPicPr>
+            <a:picLocks noChangeAspect="1"/>
+          </p:cNvPicPr>
+          <p:nvPr/>
+        </p:nvPicPr>
+        <p:blipFill>
+          <a:blip r:embed="rId3">
+            <a:extLst>
+              <a:ext uri="{28A0092B-C50C-407E-A947-70E740481C1C}">
+                <a14:useLocalDpi xmlns:a14="http://schemas.microsoft.com/office/drawing/2010/main" val="0"/>
+              </a:ext>
+            </a:extLst>
+          </a:blip>
+          <a:stretch>
+            <a:fillRect/>
+          </a:stretch>
+        </p:blipFill>
+        <p:spPr>
+          <a:xfrm>
+            <a:off x="328773" y="2040763"/>
+            <a:ext cx="6174769" cy="2571749"/>
+          </a:xfrm>
+          <a:prstGeom prst="rect">
+            <a:avLst/>
+          </a:prstGeom>
+        </p:spPr>
+      </p:pic>
+      <p:sp>
+        <p:nvSpPr>
+          <p:cNvPr id="10" name="TextBox 9">
+            <a:extLst>
+              <a:ext uri="{FF2B5EF4-FFF2-40B4-BE49-F238E27FC236}">
+                <a16:creationId xmlns:a16="http://schemas.microsoft.com/office/drawing/2014/main" id="{59A98EEC-4177-D5BB-1978-219FCEA5B31F}"/>
+              </a:ext>
+            </a:extLst>
+          </p:cNvPr>
+          <p:cNvSpPr txBox="1"/>
+          <p:nvPr/>
+        </p:nvSpPr>
+        <p:spPr>
+          <a:xfrm>
+            <a:off x="3277456" y="4767916"/>
+            <a:ext cx="6760396" cy="369332"/>
+          </a:xfrm>
+          <a:prstGeom prst="rect">
+            <a:avLst/>
+          </a:prstGeom>
+          <a:noFill/>
+        </p:spPr>
+        <p:txBody>
+          <a:bodyPr wrap="square" rtlCol="0">
+            <a:spAutoFit/>
+          </a:bodyPr>
+          <a:lstStyle/>
+          <a:p>
+            <a:r>
+              <a:rPr lang="en-GB" dirty="0"/>
+              <a:t>https://www.anthropic.com/engineering/building-effective-agents</a:t>
+            </a:r>
+          </a:p>
+        </p:txBody>
+      </p:sp>
+    </p:spTree>
+    <p:extLst>
+      <p:ext uri="{BB962C8B-B14F-4D97-AF65-F5344CB8AC3E}">
+        <p14:creationId xmlns:p14="http://schemas.microsoft.com/office/powerpoint/2010/main" val="1212136247"/>
+      </p:ext>
+    </p:extLst>
+  </p:cSld>
+  <p:clrMapOvr>
+    <a:masterClrMapping/>
+  </p:clrMapOvr>
+</p:sld>
+</file>
+
+<file path=ppt/slides/slide11.xml><?xml version="1.0" encoding="utf-8"?>
+<p:sld xmlns:a="http://schemas.openxmlformats.org/drawingml/2006/main" xmlns:r="http://schemas.openxmlformats.org/officeDocument/2006/relationships" xmlns:p="http://schemas.openxmlformats.org/presentationml/2006/main">
+  <p:cSld>
+    <p:bg>
+      <p:bgPr>
+        <a:solidFill>
+          <a:srgbClr val="FAF0E6"/>
+        </a:solidFill>
+        <a:effectLst/>
+      </p:bgPr>
+    </p:bg>
+    <p:spTree>
+      <p:nvGrpSpPr>
+        <p:cNvPr id="1" name="">
+          <a:extLst>
+            <a:ext uri="{FF2B5EF4-FFF2-40B4-BE49-F238E27FC236}">
+              <a16:creationId xmlns:a16="http://schemas.microsoft.com/office/drawing/2014/main" id="{4F03791B-8DEA-52AA-EE90-B39E7103FB3B}"/>
+            </a:ext>
+          </a:extLst>
+        </p:cNvPr>
+        <p:cNvGrpSpPr/>
+        <p:nvPr/>
+      </p:nvGrpSpPr>
+      <p:grpSpPr>
+        <a:xfrm>
+          <a:off x="0" y="0"/>
+          <a:ext cx="0" cy="0"/>
+          <a:chOff x="0" y="0"/>
+          <a:chExt cx="0" cy="0"/>
+        </a:xfrm>
+      </p:grpSpPr>
+      <p:sp>
+        <p:nvSpPr>
+          <p:cNvPr id="2" name="Title 1">
+            <a:extLst>
+              <a:ext uri="{FF2B5EF4-FFF2-40B4-BE49-F238E27FC236}">
+                <a16:creationId xmlns:a16="http://schemas.microsoft.com/office/drawing/2014/main" id="{0E3F80D4-47D2-5718-8DC0-05BF3D23C0CA}"/>
+              </a:ext>
+            </a:extLst>
+          </p:cNvPr>
+          <p:cNvSpPr>
+            <a:spLocks noGrp="1"/>
+          </p:cNvSpPr>
+          <p:nvPr>
+            <p:ph type="title"/>
+          </p:nvPr>
+        </p:nvSpPr>
+        <p:spPr>
+          <a:xfrm>
+            <a:off x="919314" y="190464"/>
+            <a:ext cx="10515600" cy="1325563"/>
+          </a:xfrm>
+        </p:spPr>
+        <p:txBody>
+          <a:bodyPr/>
+          <a:lstStyle/>
+          <a:p>
+            <a:r>
+              <a:rPr lang="en-GB" dirty="0">
+                <a:solidFill>
+                  <a:srgbClr val="676767"/>
+                </a:solidFill>
+              </a:rPr>
+              <a:t>Model costs</a:t>
+            </a:r>
+          </a:p>
+        </p:txBody>
+      </p:sp>
+      <p:pic>
+        <p:nvPicPr>
+          <p:cNvPr id="4" name="Content Placeholder 3" descr="A graph with colored lines and numbers&#10;&#10;AI-generated content may be incorrect.">
+            <a:extLst>
+              <a:ext uri="{FF2B5EF4-FFF2-40B4-BE49-F238E27FC236}">
+                <a16:creationId xmlns:a16="http://schemas.microsoft.com/office/drawing/2014/main" id="{C05A1683-F503-D79D-B919-D7BBD1D74C83}"/>
+              </a:ext>
+            </a:extLst>
+          </p:cNvPr>
+          <p:cNvPicPr>
+            <a:picLocks noGrp="1" noChangeAspect="1"/>
+          </p:cNvPicPr>
+          <p:nvPr>
+            <p:ph idx="1"/>
+          </p:nvPr>
+        </p:nvPicPr>
+        <p:blipFill>
+          <a:blip r:embed="rId2">
+            <a:extLst>
+              <a:ext uri="{28A0092B-C50C-407E-A947-70E740481C1C}">
+                <a14:useLocalDpi xmlns:a14="http://schemas.microsoft.com/office/drawing/2010/main" val="0"/>
+              </a:ext>
+            </a:extLst>
+          </a:blip>
+          <a:stretch>
+            <a:fillRect/>
+          </a:stretch>
+        </p:blipFill>
+        <p:spPr>
+          <a:xfrm>
+            <a:off x="1818280" y="1314038"/>
+            <a:ext cx="8717668" cy="5106918"/>
+          </a:xfrm>
+          <a:prstGeom prst="rect">
+            <a:avLst/>
+          </a:prstGeom>
+        </p:spPr>
+      </p:pic>
+    </p:spTree>
+    <p:extLst>
+      <p:ext uri="{BB962C8B-B14F-4D97-AF65-F5344CB8AC3E}">
+        <p14:creationId xmlns:p14="http://schemas.microsoft.com/office/powerpoint/2010/main" val="988705094"/>
+      </p:ext>
+    </p:extLst>
+  </p:cSld>
+  <p:clrMapOvr>
+    <a:masterClrMapping/>
+  </p:clrMapOvr>
+</p:sld>
+</file>
+
+<file path=ppt/slides/slide12.xml><?xml version="1.0" encoding="utf-8"?>
+<p:sld xmlns:a="http://schemas.openxmlformats.org/drawingml/2006/main" xmlns:r="http://schemas.openxmlformats.org/officeDocument/2006/relationships" xmlns:p="http://schemas.openxmlformats.org/presentationml/2006/main">
+  <p:cSld>
+    <p:bg>
+      <p:bgPr>
+        <a:solidFill>
+          <a:srgbClr val="FAF0E6"/>
+        </a:solidFill>
+        <a:effectLst/>
+      </p:bgPr>
+    </p:bg>
+    <p:spTree>
+      <p:nvGrpSpPr>
+        <p:cNvPr id="1" name="">
+          <a:extLst>
+            <a:ext uri="{FF2B5EF4-FFF2-40B4-BE49-F238E27FC236}">
+              <a16:creationId xmlns:a16="http://schemas.microsoft.com/office/drawing/2014/main" id="{7A6583BB-A0FB-CF49-992D-EACA12E9D3E3}"/>
+            </a:ext>
+          </a:extLst>
+        </p:cNvPr>
+        <p:cNvGrpSpPr/>
+        <p:nvPr/>
+      </p:nvGrpSpPr>
+      <p:grpSpPr>
+        <a:xfrm>
+          <a:off x="0" y="0"/>
+          <a:ext cx="0" cy="0"/>
+          <a:chOff x="0" y="0"/>
+          <a:chExt cx="0" cy="0"/>
+        </a:xfrm>
+      </p:grpSpPr>
+      <p:sp>
+        <p:nvSpPr>
+          <p:cNvPr id="2" name="Title 1">
+            <a:extLst>
+              <a:ext uri="{FF2B5EF4-FFF2-40B4-BE49-F238E27FC236}">
+                <a16:creationId xmlns:a16="http://schemas.microsoft.com/office/drawing/2014/main" id="{E603D57F-D071-1261-777E-70463D0AF6E2}"/>
+              </a:ext>
+            </a:extLst>
+          </p:cNvPr>
+          <p:cNvSpPr>
+            <a:spLocks noGrp="1"/>
+          </p:cNvSpPr>
+          <p:nvPr>
+            <p:ph type="title"/>
+          </p:nvPr>
+        </p:nvSpPr>
+        <p:spPr>
+          <a:xfrm>
+            <a:off x="919314" y="190464"/>
+            <a:ext cx="10515600" cy="1325563"/>
+          </a:xfrm>
+        </p:spPr>
+        <p:txBody>
+          <a:bodyPr/>
+          <a:lstStyle/>
+          <a:p>
+            <a:r>
+              <a:rPr lang="en-GB" dirty="0">
+                <a:solidFill>
+                  <a:srgbClr val="676767"/>
+                </a:solidFill>
+              </a:rPr>
+              <a:t>What is the Model Context Protocol (MCP)?</a:t>
+            </a:r>
+          </a:p>
+        </p:txBody>
+      </p:sp>
+      <p:sp>
+        <p:nvSpPr>
+          <p:cNvPr id="3" name="Content Placeholder 2">
+            <a:extLst>
+              <a:ext uri="{FF2B5EF4-FFF2-40B4-BE49-F238E27FC236}">
+                <a16:creationId xmlns:a16="http://schemas.microsoft.com/office/drawing/2014/main" id="{2875599F-F9E0-56D0-48D6-18BF3922D0CC}"/>
+              </a:ext>
+            </a:extLst>
+          </p:cNvPr>
+          <p:cNvSpPr>
+            <a:spLocks noGrp="1"/>
+          </p:cNvSpPr>
+          <p:nvPr>
+            <p:ph idx="1"/>
+          </p:nvPr>
+        </p:nvSpPr>
+        <p:spPr>
+          <a:xfrm>
+            <a:off x="838199" y="1413031"/>
+            <a:ext cx="10596715" cy="4906652"/>
+          </a:xfrm>
+          <a:solidFill>
+            <a:srgbClr val="FAF0E6"/>
+          </a:solidFill>
+        </p:spPr>
+        <p:txBody>
+          <a:bodyPr>
+            <a:normAutofit/>
+          </a:bodyPr>
+          <a:lstStyle/>
+          <a:p>
+            <a:pPr marL="0" indent="0">
+              <a:buNone/>
+            </a:pPr>
+            <a:r>
+              <a:rPr lang="en-GB" dirty="0"/>
+              <a:t>…</a:t>
+            </a:r>
+          </a:p>
+        </p:txBody>
+      </p:sp>
+    </p:spTree>
+    <p:extLst>
+      <p:ext uri="{BB962C8B-B14F-4D97-AF65-F5344CB8AC3E}">
+        <p14:creationId xmlns:p14="http://schemas.microsoft.com/office/powerpoint/2010/main" val="2352600679"/>
+      </p:ext>
+    </p:extLst>
+  </p:cSld>
+  <p:clrMapOvr>
+    <a:masterClrMapping/>
+  </p:clrMapOvr>
+</p:sld>
+</file>
+
+<file path=ppt/slides/slide13.xml><?xml version="1.0" encoding="utf-8"?>
+<p:sld xmlns:a="http://schemas.openxmlformats.org/drawingml/2006/main" xmlns:r="http://schemas.openxmlformats.org/officeDocument/2006/relationships" xmlns:p="http://schemas.openxmlformats.org/presentationml/2006/main">
+  <p:cSld>
+    <p:bg>
+      <p:bgPr>
+        <a:solidFill>
+          <a:srgbClr val="FAF0E6"/>
+        </a:solidFill>
+        <a:effectLst/>
+      </p:bgPr>
+    </p:bg>
+    <p:spTree>
+      <p:nvGrpSpPr>
+        <p:cNvPr id="1" name="">
+          <a:extLst>
+            <a:ext uri="{FF2B5EF4-FFF2-40B4-BE49-F238E27FC236}">
+              <a16:creationId xmlns:a16="http://schemas.microsoft.com/office/drawing/2014/main" id="{586C0DD9-54D0-8094-782E-FC61A05AFDE9}"/>
+            </a:ext>
+          </a:extLst>
+        </p:cNvPr>
+        <p:cNvGrpSpPr/>
+        <p:nvPr/>
+      </p:nvGrpSpPr>
+      <p:grpSpPr>
+        <a:xfrm>
+          <a:off x="0" y="0"/>
+          <a:ext cx="0" cy="0"/>
+          <a:chOff x="0" y="0"/>
+          <a:chExt cx="0" cy="0"/>
+        </a:xfrm>
+      </p:grpSpPr>
+      <p:sp>
+        <p:nvSpPr>
+          <p:cNvPr id="2" name="Title 1">
+            <a:extLst>
+              <a:ext uri="{FF2B5EF4-FFF2-40B4-BE49-F238E27FC236}">
+                <a16:creationId xmlns:a16="http://schemas.microsoft.com/office/drawing/2014/main" id="{8E79AD40-FA5F-10FF-8715-DCEC72D39FD8}"/>
+              </a:ext>
+            </a:extLst>
+          </p:cNvPr>
+          <p:cNvSpPr>
+            <a:spLocks noGrp="1"/>
+          </p:cNvSpPr>
+          <p:nvPr>
+            <p:ph type="title"/>
+          </p:nvPr>
+        </p:nvSpPr>
+        <p:spPr>
+          <a:xfrm>
+            <a:off x="919314" y="190464"/>
+            <a:ext cx="10515600" cy="1325563"/>
+          </a:xfrm>
+        </p:spPr>
+        <p:txBody>
+          <a:bodyPr/>
+          <a:lstStyle/>
+          <a:p>
+            <a:r>
+              <a:rPr lang="en-GB" dirty="0">
+                <a:solidFill>
+                  <a:srgbClr val="676767"/>
+                </a:solidFill>
+              </a:rPr>
+              <a:t>A complete demo</a:t>
+            </a:r>
+          </a:p>
+        </p:txBody>
+      </p:sp>
+      <p:sp>
+        <p:nvSpPr>
+          <p:cNvPr id="3" name="Content Placeholder 2">
+            <a:extLst>
+              <a:ext uri="{FF2B5EF4-FFF2-40B4-BE49-F238E27FC236}">
+                <a16:creationId xmlns:a16="http://schemas.microsoft.com/office/drawing/2014/main" id="{E4FAB0A6-D1CF-DAFA-F9DD-82A1E0998A46}"/>
+              </a:ext>
+            </a:extLst>
+          </p:cNvPr>
+          <p:cNvSpPr>
+            <a:spLocks noGrp="1"/>
+          </p:cNvSpPr>
+          <p:nvPr>
+            <p:ph idx="1"/>
+          </p:nvPr>
+        </p:nvSpPr>
+        <p:spPr>
+          <a:xfrm>
+            <a:off x="838199" y="1413031"/>
+            <a:ext cx="10596715" cy="4906652"/>
+          </a:xfrm>
+          <a:solidFill>
+            <a:srgbClr val="FAF0E6"/>
+          </a:solidFill>
+        </p:spPr>
+        <p:txBody>
+          <a:bodyPr>
+            <a:normAutofit/>
+          </a:bodyPr>
+          <a:lstStyle/>
+          <a:p>
+            <a:pPr marL="0" indent="0">
+              <a:buNone/>
+            </a:pPr>
+            <a:r>
+              <a:rPr lang="en-GB" dirty="0"/>
+              <a:t>Using Cline to create a complete pipeline…</a:t>
+            </a:r>
+          </a:p>
+        </p:txBody>
+      </p:sp>
+    </p:spTree>
+    <p:extLst>
+      <p:ext uri="{BB962C8B-B14F-4D97-AF65-F5344CB8AC3E}">
+        <p14:creationId xmlns:p14="http://schemas.microsoft.com/office/powerpoint/2010/main" val="3901758580"/>
+      </p:ext>
+    </p:extLst>
+  </p:cSld>
+  <p:clrMapOvr>
+    <a:masterClrMapping/>
+  </p:clrMapOvr>
+</p:sld>
+</file>
+
+<file path=ppt/slides/slide14.xml><?xml version="1.0" encoding="utf-8"?>
+<p:sld xmlns:a="http://schemas.openxmlformats.org/drawingml/2006/main" xmlns:r="http://schemas.openxmlformats.org/officeDocument/2006/relationships" xmlns:p="http://schemas.openxmlformats.org/presentationml/2006/main">
+  <p:cSld>
+    <p:bg>
+      <p:bgPr>
+        <a:solidFill>
+          <a:srgbClr val="FAF0E6"/>
+        </a:solidFill>
+        <a:effectLst/>
+      </p:bgPr>
+    </p:bg>
+    <p:spTree>
+      <p:nvGrpSpPr>
+        <p:cNvPr id="1" name="">
+          <a:extLst>
+            <a:ext uri="{FF2B5EF4-FFF2-40B4-BE49-F238E27FC236}">
+              <a16:creationId xmlns:a16="http://schemas.microsoft.com/office/drawing/2014/main" id="{B66DEFFD-A2FE-30E5-893E-3C204151759B}"/>
+            </a:ext>
+          </a:extLst>
+        </p:cNvPr>
+        <p:cNvGrpSpPr/>
+        <p:nvPr/>
+      </p:nvGrpSpPr>
+      <p:grpSpPr>
+        <a:xfrm>
+          <a:off x="0" y="0"/>
+          <a:ext cx="0" cy="0"/>
+          <a:chOff x="0" y="0"/>
+          <a:chExt cx="0" cy="0"/>
+        </a:xfrm>
+      </p:grpSpPr>
+      <p:sp>
+        <p:nvSpPr>
+          <p:cNvPr id="2" name="Title 1">
+            <a:extLst>
+              <a:ext uri="{FF2B5EF4-FFF2-40B4-BE49-F238E27FC236}">
+                <a16:creationId xmlns:a16="http://schemas.microsoft.com/office/drawing/2014/main" id="{96877CE8-D822-4E3C-B4E3-94D64D28452A}"/>
+              </a:ext>
+            </a:extLst>
+          </p:cNvPr>
+          <p:cNvSpPr>
+            <a:spLocks noGrp="1"/>
+          </p:cNvSpPr>
+          <p:nvPr>
+            <p:ph type="title"/>
+          </p:nvPr>
+        </p:nvSpPr>
+        <p:spPr>
+          <a:xfrm>
+            <a:off x="919314" y="190464"/>
+            <a:ext cx="10515600" cy="1325563"/>
+          </a:xfrm>
+        </p:spPr>
+        <p:txBody>
+          <a:bodyPr/>
+          <a:lstStyle/>
+          <a:p>
+            <a:r>
+              <a:rPr lang="en-GB" dirty="0">
+                <a:solidFill>
+                  <a:srgbClr val="676767"/>
+                </a:solidFill>
+              </a:rPr>
+              <a:t>What is the Agent2Agent Protocol (A2A)</a:t>
+            </a:r>
+          </a:p>
+        </p:txBody>
+      </p:sp>
+      <p:sp>
+        <p:nvSpPr>
+          <p:cNvPr id="3" name="Content Placeholder 2">
+            <a:extLst>
+              <a:ext uri="{FF2B5EF4-FFF2-40B4-BE49-F238E27FC236}">
+                <a16:creationId xmlns:a16="http://schemas.microsoft.com/office/drawing/2014/main" id="{76DA0CF9-F89F-23C8-1390-1C06752DC91D}"/>
+              </a:ext>
+            </a:extLst>
+          </p:cNvPr>
+          <p:cNvSpPr>
+            <a:spLocks noGrp="1"/>
+          </p:cNvSpPr>
+          <p:nvPr>
+            <p:ph idx="1"/>
+          </p:nvPr>
+        </p:nvSpPr>
+        <p:spPr>
+          <a:xfrm>
+            <a:off x="838199" y="1413031"/>
+            <a:ext cx="10596715" cy="4906652"/>
+          </a:xfrm>
+          <a:solidFill>
+            <a:srgbClr val="FAF0E6"/>
+          </a:solidFill>
+        </p:spPr>
+        <p:txBody>
+          <a:bodyPr>
+            <a:normAutofit/>
+          </a:bodyPr>
+          <a:lstStyle/>
+          <a:p>
+            <a:pPr marL="0" indent="0">
+              <a:buNone/>
+            </a:pPr>
+            <a:r>
+              <a:rPr lang="en-GB" dirty="0"/>
+              <a:t>…</a:t>
+            </a:r>
+          </a:p>
+        </p:txBody>
+      </p:sp>
+    </p:spTree>
+    <p:extLst>
+      <p:ext uri="{BB962C8B-B14F-4D97-AF65-F5344CB8AC3E}">
+        <p14:creationId xmlns:p14="http://schemas.microsoft.com/office/powerpoint/2010/main" val="2176883794"/>
+      </p:ext>
+    </p:extLst>
+  </p:cSld>
+  <p:clrMapOvr>
+    <a:masterClrMapping/>
+  </p:clrMapOvr>
+</p:sld>
+</file>
+
+<file path=ppt/slides/slide15.xml><?xml version="1.0" encoding="utf-8"?>
+<p:sld xmlns:a="http://schemas.openxmlformats.org/drawingml/2006/main" xmlns:r="http://schemas.openxmlformats.org/officeDocument/2006/relationships" xmlns:p="http://schemas.openxmlformats.org/presentationml/2006/main">
+  <p:cSld>
+    <p:bg>
+      <p:bgPr>
+        <a:solidFill>
+          <a:srgbClr val="FAF0E6"/>
+        </a:solidFill>
+        <a:effectLst/>
+      </p:bgPr>
+    </p:bg>
+    <p:spTree>
+      <p:nvGrpSpPr>
+        <p:cNvPr id="1" name="">
+          <a:extLst>
+            <a:ext uri="{FF2B5EF4-FFF2-40B4-BE49-F238E27FC236}">
+              <a16:creationId xmlns:a16="http://schemas.microsoft.com/office/drawing/2014/main" id="{B12C2438-6F39-1E74-B87F-C7E70AB4DA97}"/>
+            </a:ext>
+          </a:extLst>
+        </p:cNvPr>
+        <p:cNvGrpSpPr/>
+        <p:nvPr/>
+      </p:nvGrpSpPr>
+      <p:grpSpPr>
+        <a:xfrm>
+          <a:off x="0" y="0"/>
+          <a:ext cx="0" cy="0"/>
+          <a:chOff x="0" y="0"/>
+          <a:chExt cx="0" cy="0"/>
+        </a:xfrm>
+      </p:grpSpPr>
+      <p:sp>
+        <p:nvSpPr>
+          <p:cNvPr id="2" name="Title 1">
+            <a:extLst>
+              <a:ext uri="{FF2B5EF4-FFF2-40B4-BE49-F238E27FC236}">
+                <a16:creationId xmlns:a16="http://schemas.microsoft.com/office/drawing/2014/main" id="{9AE93777-B841-1FE9-B5E3-7E294CD7B927}"/>
+              </a:ext>
+            </a:extLst>
+          </p:cNvPr>
+          <p:cNvSpPr>
+            <a:spLocks noGrp="1"/>
+          </p:cNvSpPr>
+          <p:nvPr>
+            <p:ph type="title"/>
+          </p:nvPr>
+        </p:nvSpPr>
+        <p:spPr>
+          <a:xfrm>
+            <a:off x="919314" y="190464"/>
+            <a:ext cx="10515600" cy="1325563"/>
+          </a:xfrm>
+        </p:spPr>
+        <p:txBody>
+          <a:bodyPr/>
+          <a:lstStyle/>
+          <a:p>
+            <a:r>
+              <a:rPr lang="en-GB" dirty="0">
+                <a:solidFill>
+                  <a:srgbClr val="676767"/>
+                </a:solidFill>
+              </a:rPr>
+              <a:t>Summary</a:t>
+            </a:r>
+          </a:p>
+        </p:txBody>
+      </p:sp>
+      <p:sp>
+        <p:nvSpPr>
+          <p:cNvPr id="3" name="Content Placeholder 2">
+            <a:extLst>
+              <a:ext uri="{FF2B5EF4-FFF2-40B4-BE49-F238E27FC236}">
+                <a16:creationId xmlns:a16="http://schemas.microsoft.com/office/drawing/2014/main" id="{A81FB872-4B2A-7D41-78EA-741C258663A8}"/>
+              </a:ext>
+            </a:extLst>
+          </p:cNvPr>
+          <p:cNvSpPr>
+            <a:spLocks noGrp="1"/>
+          </p:cNvSpPr>
+          <p:nvPr>
+            <p:ph idx="1"/>
+          </p:nvPr>
+        </p:nvSpPr>
+        <p:spPr>
+          <a:xfrm>
+            <a:off x="838199" y="1413031"/>
+            <a:ext cx="10596715" cy="4906652"/>
+          </a:xfrm>
+          <a:solidFill>
+            <a:srgbClr val="FAF0E6"/>
+          </a:solidFill>
+        </p:spPr>
+        <p:txBody>
+          <a:bodyPr>
+            <a:normAutofit/>
+          </a:bodyPr>
+          <a:lstStyle/>
+          <a:p>
+            <a:pPr marL="0" indent="0">
+              <a:buNone/>
+            </a:pPr>
+            <a:r>
+              <a:rPr lang="en-GB" dirty="0"/>
+              <a:t>…</a:t>
+            </a:r>
+          </a:p>
+        </p:txBody>
+      </p:sp>
+    </p:spTree>
+    <p:extLst>
+      <p:ext uri="{BB962C8B-B14F-4D97-AF65-F5344CB8AC3E}">
+        <p14:creationId xmlns:p14="http://schemas.microsoft.com/office/powerpoint/2010/main" val="2854764619"/>
       </p:ext>
     </p:extLst>
   </p:cSld>
@@ -4334,6 +5188,490 @@
     <p:extLst>
       <p:ext uri="{BB962C8B-B14F-4D97-AF65-F5344CB8AC3E}">
         <p14:creationId xmlns:p14="http://schemas.microsoft.com/office/powerpoint/2010/main" val="2700586660"/>
+      </p:ext>
+    </p:extLst>
+  </p:cSld>
+  <p:clrMapOvr>
+    <a:masterClrMapping/>
+  </p:clrMapOvr>
+</p:sld>
+</file>
+
+<file path=ppt/slides/slide6.xml><?xml version="1.0" encoding="utf-8"?>
+<p:sld xmlns:a="http://schemas.openxmlformats.org/drawingml/2006/main" xmlns:r="http://schemas.openxmlformats.org/officeDocument/2006/relationships" xmlns:p="http://schemas.openxmlformats.org/presentationml/2006/main">
+  <p:cSld>
+    <p:bg>
+      <p:bgPr>
+        <a:solidFill>
+          <a:srgbClr val="FAF0E6"/>
+        </a:solidFill>
+        <a:effectLst/>
+      </p:bgPr>
+    </p:bg>
+    <p:spTree>
+      <p:nvGrpSpPr>
+        <p:cNvPr id="1" name="">
+          <a:extLst>
+            <a:ext uri="{FF2B5EF4-FFF2-40B4-BE49-F238E27FC236}">
+              <a16:creationId xmlns:a16="http://schemas.microsoft.com/office/drawing/2014/main" id="{2347564E-77B5-A1B3-4D8A-5BB5653DB1BE}"/>
+            </a:ext>
+          </a:extLst>
+        </p:cNvPr>
+        <p:cNvGrpSpPr/>
+        <p:nvPr/>
+      </p:nvGrpSpPr>
+      <p:grpSpPr>
+        <a:xfrm>
+          <a:off x="0" y="0"/>
+          <a:ext cx="0" cy="0"/>
+          <a:chOff x="0" y="0"/>
+          <a:chExt cx="0" cy="0"/>
+        </a:xfrm>
+      </p:grpSpPr>
+      <p:sp>
+        <p:nvSpPr>
+          <p:cNvPr id="2" name="Title 1">
+            <a:extLst>
+              <a:ext uri="{FF2B5EF4-FFF2-40B4-BE49-F238E27FC236}">
+                <a16:creationId xmlns:a16="http://schemas.microsoft.com/office/drawing/2014/main" id="{D7145CE4-27DE-F4A8-F6E6-AB0BFE9E0E92}"/>
+              </a:ext>
+            </a:extLst>
+          </p:cNvPr>
+          <p:cNvSpPr>
+            <a:spLocks noGrp="1"/>
+          </p:cNvSpPr>
+          <p:nvPr>
+            <p:ph type="title"/>
+          </p:nvPr>
+        </p:nvSpPr>
+        <p:spPr>
+          <a:xfrm>
+            <a:off x="919314" y="190464"/>
+            <a:ext cx="10515600" cy="1325563"/>
+          </a:xfrm>
+        </p:spPr>
+        <p:txBody>
+          <a:bodyPr/>
+          <a:lstStyle/>
+          <a:p>
+            <a:r>
+              <a:rPr lang="en-GB" dirty="0">
+                <a:solidFill>
+                  <a:srgbClr val="676767"/>
+                </a:solidFill>
+              </a:rPr>
+              <a:t>What is an AI Agent?</a:t>
+            </a:r>
+          </a:p>
+        </p:txBody>
+      </p:sp>
+      <p:sp>
+        <p:nvSpPr>
+          <p:cNvPr id="3" name="Content Placeholder 2">
+            <a:extLst>
+              <a:ext uri="{FF2B5EF4-FFF2-40B4-BE49-F238E27FC236}">
+                <a16:creationId xmlns:a16="http://schemas.microsoft.com/office/drawing/2014/main" id="{7EAB0A91-6209-B679-70F3-6475420A2852}"/>
+              </a:ext>
+            </a:extLst>
+          </p:cNvPr>
+          <p:cNvSpPr>
+            <a:spLocks noGrp="1"/>
+          </p:cNvSpPr>
+          <p:nvPr>
+            <p:ph idx="1"/>
+          </p:nvPr>
+        </p:nvSpPr>
+        <p:spPr>
+          <a:xfrm>
+            <a:off x="838199" y="1413031"/>
+            <a:ext cx="10596715" cy="4906652"/>
+          </a:xfrm>
+          <a:solidFill>
+            <a:srgbClr val="FAF0E6"/>
+          </a:solidFill>
+        </p:spPr>
+        <p:txBody>
+          <a:bodyPr>
+            <a:normAutofit/>
+          </a:bodyPr>
+          <a:lstStyle/>
+          <a:p>
+            <a:pPr marL="0" indent="0">
+              <a:buNone/>
+            </a:pPr>
+            <a:r>
+              <a:rPr lang="en-GB" dirty="0"/>
+              <a:t>…</a:t>
+            </a:r>
+          </a:p>
+        </p:txBody>
+      </p:sp>
+    </p:spTree>
+    <p:extLst>
+      <p:ext uri="{BB962C8B-B14F-4D97-AF65-F5344CB8AC3E}">
+        <p14:creationId xmlns:p14="http://schemas.microsoft.com/office/powerpoint/2010/main" val="3202180944"/>
+      </p:ext>
+    </p:extLst>
+  </p:cSld>
+  <p:clrMapOvr>
+    <a:masterClrMapping/>
+  </p:clrMapOvr>
+</p:sld>
+</file>
+
+<file path=ppt/slides/slide7.xml><?xml version="1.0" encoding="utf-8"?>
+<p:sld xmlns:a="http://schemas.openxmlformats.org/drawingml/2006/main" xmlns:r="http://schemas.openxmlformats.org/officeDocument/2006/relationships" xmlns:p="http://schemas.openxmlformats.org/presentationml/2006/main">
+  <p:cSld>
+    <p:bg>
+      <p:bgPr>
+        <a:solidFill>
+          <a:srgbClr val="FAF0E6"/>
+        </a:solidFill>
+        <a:effectLst/>
+      </p:bgPr>
+    </p:bg>
+    <p:spTree>
+      <p:nvGrpSpPr>
+        <p:cNvPr id="1" name="">
+          <a:extLst>
+            <a:ext uri="{FF2B5EF4-FFF2-40B4-BE49-F238E27FC236}">
+              <a16:creationId xmlns:a16="http://schemas.microsoft.com/office/drawing/2014/main" id="{4B0CA5E2-0CDB-C361-B62D-BAE7C3C30437}"/>
+            </a:ext>
+          </a:extLst>
+        </p:cNvPr>
+        <p:cNvGrpSpPr/>
+        <p:nvPr/>
+      </p:nvGrpSpPr>
+      <p:grpSpPr>
+        <a:xfrm>
+          <a:off x="0" y="0"/>
+          <a:ext cx="0" cy="0"/>
+          <a:chOff x="0" y="0"/>
+          <a:chExt cx="0" cy="0"/>
+        </a:xfrm>
+      </p:grpSpPr>
+      <p:sp>
+        <p:nvSpPr>
+          <p:cNvPr id="2" name="Title 1">
+            <a:extLst>
+              <a:ext uri="{FF2B5EF4-FFF2-40B4-BE49-F238E27FC236}">
+                <a16:creationId xmlns:a16="http://schemas.microsoft.com/office/drawing/2014/main" id="{7910003C-6A5E-9972-FCE5-6D8AFA785058}"/>
+              </a:ext>
+            </a:extLst>
+          </p:cNvPr>
+          <p:cNvSpPr>
+            <a:spLocks noGrp="1"/>
+          </p:cNvSpPr>
+          <p:nvPr>
+            <p:ph type="title"/>
+          </p:nvPr>
+        </p:nvSpPr>
+        <p:spPr>
+          <a:xfrm>
+            <a:off x="919314" y="190464"/>
+            <a:ext cx="10515600" cy="1325563"/>
+          </a:xfrm>
+        </p:spPr>
+        <p:txBody>
+          <a:bodyPr/>
+          <a:lstStyle/>
+          <a:p>
+            <a:r>
+              <a:rPr lang="en-GB" dirty="0">
+                <a:solidFill>
+                  <a:srgbClr val="676767"/>
+                </a:solidFill>
+              </a:rPr>
+              <a:t>What is Prompt/Context Engineering?</a:t>
+            </a:r>
+          </a:p>
+        </p:txBody>
+      </p:sp>
+      <p:sp>
+        <p:nvSpPr>
+          <p:cNvPr id="3" name="Content Placeholder 2">
+            <a:extLst>
+              <a:ext uri="{FF2B5EF4-FFF2-40B4-BE49-F238E27FC236}">
+                <a16:creationId xmlns:a16="http://schemas.microsoft.com/office/drawing/2014/main" id="{8ED8F4FE-0FC2-94FC-9560-4EB76E38ACCF}"/>
+              </a:ext>
+            </a:extLst>
+          </p:cNvPr>
+          <p:cNvSpPr>
+            <a:spLocks noGrp="1"/>
+          </p:cNvSpPr>
+          <p:nvPr>
+            <p:ph idx="1"/>
+          </p:nvPr>
+        </p:nvSpPr>
+        <p:spPr>
+          <a:xfrm>
+            <a:off x="838199" y="1413031"/>
+            <a:ext cx="10596715" cy="4906652"/>
+          </a:xfrm>
+          <a:solidFill>
+            <a:srgbClr val="FAF0E6"/>
+          </a:solidFill>
+        </p:spPr>
+        <p:txBody>
+          <a:bodyPr>
+            <a:normAutofit/>
+          </a:bodyPr>
+          <a:lstStyle/>
+          <a:p>
+            <a:pPr marL="0" indent="0">
+              <a:buNone/>
+            </a:pPr>
+            <a:r>
+              <a:rPr lang="en-GB" dirty="0"/>
+              <a:t>…</a:t>
+            </a:r>
+          </a:p>
+        </p:txBody>
+      </p:sp>
+    </p:spTree>
+    <p:extLst>
+      <p:ext uri="{BB962C8B-B14F-4D97-AF65-F5344CB8AC3E}">
+        <p14:creationId xmlns:p14="http://schemas.microsoft.com/office/powerpoint/2010/main" val="269013049"/>
+      </p:ext>
+    </p:extLst>
+  </p:cSld>
+  <p:clrMapOvr>
+    <a:masterClrMapping/>
+  </p:clrMapOvr>
+</p:sld>
+</file>
+
+<file path=ppt/slides/slide8.xml><?xml version="1.0" encoding="utf-8"?>
+<p:sld xmlns:a="http://schemas.openxmlformats.org/drawingml/2006/main" xmlns:r="http://schemas.openxmlformats.org/officeDocument/2006/relationships" xmlns:p="http://schemas.openxmlformats.org/presentationml/2006/main">
+  <p:cSld>
+    <p:bg>
+      <p:bgPr>
+        <a:solidFill>
+          <a:srgbClr val="FAF0E6"/>
+        </a:solidFill>
+        <a:effectLst/>
+      </p:bgPr>
+    </p:bg>
+    <p:spTree>
+      <p:nvGrpSpPr>
+        <p:cNvPr id="1" name="">
+          <a:extLst>
+            <a:ext uri="{FF2B5EF4-FFF2-40B4-BE49-F238E27FC236}">
+              <a16:creationId xmlns:a16="http://schemas.microsoft.com/office/drawing/2014/main" id="{521A3AD7-012D-83EA-2CB2-072646D14143}"/>
+            </a:ext>
+          </a:extLst>
+        </p:cNvPr>
+        <p:cNvGrpSpPr/>
+        <p:nvPr/>
+      </p:nvGrpSpPr>
+      <p:grpSpPr>
+        <a:xfrm>
+          <a:off x="0" y="0"/>
+          <a:ext cx="0" cy="0"/>
+          <a:chOff x="0" y="0"/>
+          <a:chExt cx="0" cy="0"/>
+        </a:xfrm>
+      </p:grpSpPr>
+      <p:sp>
+        <p:nvSpPr>
+          <p:cNvPr id="2" name="Title 1">
+            <a:extLst>
+              <a:ext uri="{FF2B5EF4-FFF2-40B4-BE49-F238E27FC236}">
+                <a16:creationId xmlns:a16="http://schemas.microsoft.com/office/drawing/2014/main" id="{B7BF49D9-BE82-BB4F-0187-B6AD05A1195C}"/>
+              </a:ext>
+            </a:extLst>
+          </p:cNvPr>
+          <p:cNvSpPr>
+            <a:spLocks noGrp="1"/>
+          </p:cNvSpPr>
+          <p:nvPr>
+            <p:ph type="title"/>
+          </p:nvPr>
+        </p:nvSpPr>
+        <p:spPr>
+          <a:xfrm>
+            <a:off x="919314" y="190464"/>
+            <a:ext cx="10515600" cy="1325563"/>
+          </a:xfrm>
+        </p:spPr>
+        <p:txBody>
+          <a:bodyPr/>
+          <a:lstStyle/>
+          <a:p>
+            <a:r>
+              <a:rPr lang="en-GB" dirty="0">
+                <a:solidFill>
+                  <a:srgbClr val="676767"/>
+                </a:solidFill>
+              </a:rPr>
+              <a:t>What is Tool/Function calling?</a:t>
+            </a:r>
+          </a:p>
+        </p:txBody>
+      </p:sp>
+      <p:sp>
+        <p:nvSpPr>
+          <p:cNvPr id="3" name="Content Placeholder 2">
+            <a:extLst>
+              <a:ext uri="{FF2B5EF4-FFF2-40B4-BE49-F238E27FC236}">
+                <a16:creationId xmlns:a16="http://schemas.microsoft.com/office/drawing/2014/main" id="{D4761442-8ED6-7227-DC19-D4B84CE7FD26}"/>
+              </a:ext>
+            </a:extLst>
+          </p:cNvPr>
+          <p:cNvSpPr>
+            <a:spLocks noGrp="1"/>
+          </p:cNvSpPr>
+          <p:nvPr>
+            <p:ph idx="1"/>
+          </p:nvPr>
+        </p:nvSpPr>
+        <p:spPr>
+          <a:xfrm>
+            <a:off x="838199" y="1413031"/>
+            <a:ext cx="10596715" cy="4906652"/>
+          </a:xfrm>
+          <a:solidFill>
+            <a:srgbClr val="FAF0E6"/>
+          </a:solidFill>
+        </p:spPr>
+        <p:txBody>
+          <a:bodyPr>
+            <a:normAutofit/>
+          </a:bodyPr>
+          <a:lstStyle/>
+          <a:p>
+            <a:pPr marL="0" indent="0">
+              <a:buNone/>
+            </a:pPr>
+            <a:r>
+              <a:rPr lang="en-GB" dirty="0"/>
+              <a:t>…</a:t>
+            </a:r>
+          </a:p>
+        </p:txBody>
+      </p:sp>
+    </p:spTree>
+    <p:extLst>
+      <p:ext uri="{BB962C8B-B14F-4D97-AF65-F5344CB8AC3E}">
+        <p14:creationId xmlns:p14="http://schemas.microsoft.com/office/powerpoint/2010/main" val="1744274083"/>
+      </p:ext>
+    </p:extLst>
+  </p:cSld>
+  <p:clrMapOvr>
+    <a:masterClrMapping/>
+  </p:clrMapOvr>
+</p:sld>
+</file>
+
+<file path=ppt/slides/slide9.xml><?xml version="1.0" encoding="utf-8"?>
+<p:sld xmlns:a="http://schemas.openxmlformats.org/drawingml/2006/main" xmlns:r="http://schemas.openxmlformats.org/officeDocument/2006/relationships" xmlns:p="http://schemas.openxmlformats.org/presentationml/2006/main">
+  <p:cSld>
+    <p:bg>
+      <p:bgPr>
+        <a:solidFill>
+          <a:srgbClr val="FAF0E6"/>
+        </a:solidFill>
+        <a:effectLst/>
+      </p:bgPr>
+    </p:bg>
+    <p:spTree>
+      <p:nvGrpSpPr>
+        <p:cNvPr id="1" name="">
+          <a:extLst>
+            <a:ext uri="{FF2B5EF4-FFF2-40B4-BE49-F238E27FC236}">
+              <a16:creationId xmlns:a16="http://schemas.microsoft.com/office/drawing/2014/main" id="{37A951BD-BBFB-2FFF-6008-EF1837E9CE09}"/>
+            </a:ext>
+          </a:extLst>
+        </p:cNvPr>
+        <p:cNvGrpSpPr/>
+        <p:nvPr/>
+      </p:nvGrpSpPr>
+      <p:grpSpPr>
+        <a:xfrm>
+          <a:off x="0" y="0"/>
+          <a:ext cx="0" cy="0"/>
+          <a:chOff x="0" y="0"/>
+          <a:chExt cx="0" cy="0"/>
+        </a:xfrm>
+      </p:grpSpPr>
+      <p:sp>
+        <p:nvSpPr>
+          <p:cNvPr id="2" name="Title 1">
+            <a:extLst>
+              <a:ext uri="{FF2B5EF4-FFF2-40B4-BE49-F238E27FC236}">
+                <a16:creationId xmlns:a16="http://schemas.microsoft.com/office/drawing/2014/main" id="{0718EBA6-7FBD-0694-7DE0-BE40A1E82514}"/>
+              </a:ext>
+            </a:extLst>
+          </p:cNvPr>
+          <p:cNvSpPr>
+            <a:spLocks noGrp="1"/>
+          </p:cNvSpPr>
+          <p:nvPr>
+            <p:ph type="title"/>
+          </p:nvPr>
+        </p:nvSpPr>
+        <p:spPr>
+          <a:xfrm>
+            <a:off x="919314" y="190464"/>
+            <a:ext cx="10515600" cy="1325563"/>
+          </a:xfrm>
+        </p:spPr>
+        <p:txBody>
+          <a:bodyPr/>
+          <a:lstStyle/>
+          <a:p>
+            <a:r>
+              <a:rPr lang="en-GB" dirty="0">
+                <a:solidFill>
+                  <a:srgbClr val="676767"/>
+                </a:solidFill>
+              </a:rPr>
+              <a:t>Agentic Patterns (1)</a:t>
+            </a:r>
+          </a:p>
+        </p:txBody>
+      </p:sp>
+      <p:pic>
+        <p:nvPicPr>
+          <p:cNvPr id="7" name="Content Placeholder 6">
+            <a:extLst>
+              <a:ext uri="{FF2B5EF4-FFF2-40B4-BE49-F238E27FC236}">
+                <a16:creationId xmlns:a16="http://schemas.microsoft.com/office/drawing/2014/main" id="{B5BD89EA-0176-8874-8FF5-C7CBDB546953}"/>
+              </a:ext>
+            </a:extLst>
+          </p:cNvPr>
+          <p:cNvPicPr>
+            <a:picLocks noGrp="1" noChangeAspect="1"/>
+          </p:cNvPicPr>
+          <p:nvPr>
+            <p:ph idx="1"/>
+          </p:nvPr>
+        </p:nvPicPr>
+        <p:blipFill>
+          <a:blip r:embed="rId2">
+            <a:extLst>
+              <a:ext uri="{28A0092B-C50C-407E-A947-70E740481C1C}">
+                <a14:useLocalDpi xmlns:a14="http://schemas.microsoft.com/office/drawing/2010/main" val="0"/>
+              </a:ext>
+            </a:extLst>
+          </a:blip>
+          <a:srcRect/>
+          <a:stretch/>
+        </p:blipFill>
+        <p:spPr>
+          <a:xfrm>
+            <a:off x="1973475" y="1427616"/>
+            <a:ext cx="8326012" cy="4877481"/>
+          </a:xfrm>
+          <a:solidFill>
+            <a:srgbClr val="FAF0E6"/>
+          </a:solidFill>
+        </p:spPr>
+      </p:pic>
+    </p:spTree>
+    <p:extLst>
+      <p:ext uri="{BB962C8B-B14F-4D97-AF65-F5344CB8AC3E}">
+        <p14:creationId xmlns:p14="http://schemas.microsoft.com/office/powerpoint/2010/main" val="3658313044"/>
       </p:ext>
     </p:extLst>
   </p:cSld>

--- a/AI_Agents_in_the_Data_Pipeline.pptx
+++ b/AI_Agents_in_the_Data_Pipeline.pptx
@@ -12,14 +12,18 @@
     <p:sldId id="262" r:id="rId6"/>
     <p:sldId id="263" r:id="rId7"/>
     <p:sldId id="264" r:id="rId8"/>
-    <p:sldId id="265" r:id="rId9"/>
-    <p:sldId id="271" r:id="rId10"/>
-    <p:sldId id="272" r:id="rId11"/>
-    <p:sldId id="266" r:id="rId12"/>
+    <p:sldId id="275" r:id="rId9"/>
+    <p:sldId id="273" r:id="rId10"/>
+    <p:sldId id="265" r:id="rId11"/>
+    <p:sldId id="276" r:id="rId12"/>
     <p:sldId id="267" r:id="rId13"/>
-    <p:sldId id="268" r:id="rId14"/>
-    <p:sldId id="269" r:id="rId15"/>
-    <p:sldId id="270" r:id="rId16"/>
+    <p:sldId id="271" r:id="rId14"/>
+    <p:sldId id="272" r:id="rId15"/>
+    <p:sldId id="266" r:id="rId16"/>
+    <p:sldId id="277" r:id="rId17"/>
+    <p:sldId id="268" r:id="rId18"/>
+    <p:sldId id="278" r:id="rId19"/>
+    <p:sldId id="270" r:id="rId20"/>
   </p:sldIdLst>
   <p:sldSz cx="12192000" cy="6858000"/>
   <p:notesSz cx="6858000" cy="9144000"/>
@@ -275,7 +279,7 @@
           <a:p>
             <a:fld id="{87B02A21-FE86-45F5-9B8B-75D343822DB2}" type="datetimeFigureOut">
               <a:rPr lang="en-GB" smtClean="0"/>
-              <a:t>10/08/2025</a:t>
+              <a:t>12/08/2025</a:t>
             </a:fld>
             <a:endParaRPr lang="en-GB"/>
           </a:p>
@@ -475,7 +479,7 @@
           <a:p>
             <a:fld id="{87B02A21-FE86-45F5-9B8B-75D343822DB2}" type="datetimeFigureOut">
               <a:rPr lang="en-GB" smtClean="0"/>
-              <a:t>10/08/2025</a:t>
+              <a:t>12/08/2025</a:t>
             </a:fld>
             <a:endParaRPr lang="en-GB"/>
           </a:p>
@@ -685,7 +689,7 @@
           <a:p>
             <a:fld id="{87B02A21-FE86-45F5-9B8B-75D343822DB2}" type="datetimeFigureOut">
               <a:rPr lang="en-GB" smtClean="0"/>
-              <a:t>10/08/2025</a:t>
+              <a:t>12/08/2025</a:t>
             </a:fld>
             <a:endParaRPr lang="en-GB"/>
           </a:p>
@@ -885,7 +889,7 @@
           <a:p>
             <a:fld id="{87B02A21-FE86-45F5-9B8B-75D343822DB2}" type="datetimeFigureOut">
               <a:rPr lang="en-GB" smtClean="0"/>
-              <a:t>10/08/2025</a:t>
+              <a:t>12/08/2025</a:t>
             </a:fld>
             <a:endParaRPr lang="en-GB"/>
           </a:p>
@@ -1161,7 +1165,7 @@
           <a:p>
             <a:fld id="{87B02A21-FE86-45F5-9B8B-75D343822DB2}" type="datetimeFigureOut">
               <a:rPr lang="en-GB" smtClean="0"/>
-              <a:t>10/08/2025</a:t>
+              <a:t>12/08/2025</a:t>
             </a:fld>
             <a:endParaRPr lang="en-GB"/>
           </a:p>
@@ -1429,7 +1433,7 @@
           <a:p>
             <a:fld id="{87B02A21-FE86-45F5-9B8B-75D343822DB2}" type="datetimeFigureOut">
               <a:rPr lang="en-GB" smtClean="0"/>
-              <a:t>10/08/2025</a:t>
+              <a:t>12/08/2025</a:t>
             </a:fld>
             <a:endParaRPr lang="en-GB"/>
           </a:p>
@@ -1844,7 +1848,7 @@
           <a:p>
             <a:fld id="{87B02A21-FE86-45F5-9B8B-75D343822DB2}" type="datetimeFigureOut">
               <a:rPr lang="en-GB" smtClean="0"/>
-              <a:t>10/08/2025</a:t>
+              <a:t>12/08/2025</a:t>
             </a:fld>
             <a:endParaRPr lang="en-GB"/>
           </a:p>
@@ -1986,7 +1990,7 @@
           <a:p>
             <a:fld id="{87B02A21-FE86-45F5-9B8B-75D343822DB2}" type="datetimeFigureOut">
               <a:rPr lang="en-GB" smtClean="0"/>
-              <a:t>10/08/2025</a:t>
+              <a:t>12/08/2025</a:t>
             </a:fld>
             <a:endParaRPr lang="en-GB"/>
           </a:p>
@@ -2099,7 +2103,7 @@
           <a:p>
             <a:fld id="{87B02A21-FE86-45F5-9B8B-75D343822DB2}" type="datetimeFigureOut">
               <a:rPr lang="en-GB" smtClean="0"/>
-              <a:t>10/08/2025</a:t>
+              <a:t>12/08/2025</a:t>
             </a:fld>
             <a:endParaRPr lang="en-GB"/>
           </a:p>
@@ -2412,7 +2416,7 @@
           <a:p>
             <a:fld id="{87B02A21-FE86-45F5-9B8B-75D343822DB2}" type="datetimeFigureOut">
               <a:rPr lang="en-GB" smtClean="0"/>
-              <a:t>10/08/2025</a:t>
+              <a:t>12/08/2025</a:t>
             </a:fld>
             <a:endParaRPr lang="en-GB"/>
           </a:p>
@@ -2701,7 +2705,7 @@
           <a:p>
             <a:fld id="{87B02A21-FE86-45F5-9B8B-75D343822DB2}" type="datetimeFigureOut">
               <a:rPr lang="en-GB" smtClean="0"/>
-              <a:t>10/08/2025</a:t>
+              <a:t>12/08/2025</a:t>
             </a:fld>
             <a:endParaRPr lang="en-GB"/>
           </a:p>
@@ -2944,7 +2948,7 @@
           <a:p>
             <a:fld id="{87B02A21-FE86-45F5-9B8B-75D343822DB2}" type="datetimeFigureOut">
               <a:rPr lang="en-GB" smtClean="0"/>
-              <a:t>10/08/2025</a:t>
+              <a:t>12/08/2025</a:t>
             </a:fld>
             <a:endParaRPr lang="en-GB"/>
           </a:p>
@@ -3501,19 +3505,13 @@
               <a:buNone/>
             </a:pPr>
             <a:r>
-              <a:rPr lang="en-GB" sz="2000" dirty="0">
+              <a:rPr lang="en-GB" dirty="0">
                 <a:solidFill>
                   <a:srgbClr val="3A3A3A"/>
                 </a:solidFill>
-                <a:hlinkClick r:id="rId2"/>
               </a:rPr>
               <a:t>https://github.com/Python-Test-Engineer/earl2025</a:t>
             </a:r>
-            <a:endParaRPr lang="en-GB" sz="2000" dirty="0">
-              <a:solidFill>
-                <a:srgbClr val="3A3A3A"/>
-              </a:solidFill>
-            </a:endParaRPr>
           </a:p>
           <a:p>
             <a:pPr marL="0" indent="0">
@@ -3565,6 +3563,42 @@
             <a:extLst>
               <a:ext uri="{FF2B5EF4-FFF2-40B4-BE49-F238E27FC236}">
                 <a16:creationId xmlns:a16="http://schemas.microsoft.com/office/drawing/2014/main" id="{C5699462-BEF0-2C2F-B977-80AD8BEDB652}"/>
+              </a:ext>
+            </a:extLst>
+          </p:cNvPr>
+          <p:cNvPicPr>
+            <a:picLocks noChangeAspect="1"/>
+          </p:cNvPicPr>
+          <p:nvPr/>
+        </p:nvPicPr>
+        <p:blipFill>
+          <a:blip r:embed="rId2">
+            <a:extLst>
+              <a:ext uri="{28A0092B-C50C-407E-A947-70E740481C1C}">
+                <a14:useLocalDpi xmlns:a14="http://schemas.microsoft.com/office/drawing/2010/main" val="0"/>
+              </a:ext>
+            </a:extLst>
+          </a:blip>
+          <a:stretch>
+            <a:fillRect/>
+          </a:stretch>
+        </p:blipFill>
+        <p:spPr>
+          <a:xfrm>
+            <a:off x="8937523" y="1413031"/>
+            <a:ext cx="2309351" cy="2007989"/>
+          </a:xfrm>
+          <a:prstGeom prst="rect">
+            <a:avLst/>
+          </a:prstGeom>
+        </p:spPr>
+      </p:pic>
+      <p:pic>
+        <p:nvPicPr>
+          <p:cNvPr id="7" name="Picture 6" descr="A black background with a black square&#10;&#10;AI-generated content may be incorrect.">
+            <a:extLst>
+              <a:ext uri="{FF2B5EF4-FFF2-40B4-BE49-F238E27FC236}">
+                <a16:creationId xmlns:a16="http://schemas.microsoft.com/office/drawing/2014/main" id="{C3A413D5-91FF-176F-D188-6D08F0B88187}"/>
               </a:ext>
             </a:extLst>
           </p:cNvPr>
@@ -3575,42 +3609,6 @@
         </p:nvPicPr>
         <p:blipFill>
           <a:blip r:embed="rId3">
-            <a:extLst>
-              <a:ext uri="{28A0092B-C50C-407E-A947-70E740481C1C}">
-                <a14:useLocalDpi xmlns:a14="http://schemas.microsoft.com/office/drawing/2010/main" val="0"/>
-              </a:ext>
-            </a:extLst>
-          </a:blip>
-          <a:stretch>
-            <a:fillRect/>
-          </a:stretch>
-        </p:blipFill>
-        <p:spPr>
-          <a:xfrm>
-            <a:off x="8937523" y="1413031"/>
-            <a:ext cx="2309351" cy="2007989"/>
-          </a:xfrm>
-          <a:prstGeom prst="rect">
-            <a:avLst/>
-          </a:prstGeom>
-        </p:spPr>
-      </p:pic>
-      <p:pic>
-        <p:nvPicPr>
-          <p:cNvPr id="7" name="Picture 6" descr="A black background with a black square&#10;&#10;AI-generated content may be incorrect.">
-            <a:extLst>
-              <a:ext uri="{FF2B5EF4-FFF2-40B4-BE49-F238E27FC236}">
-                <a16:creationId xmlns:a16="http://schemas.microsoft.com/office/drawing/2014/main" id="{C3A413D5-91FF-176F-D188-6D08F0B88187}"/>
-              </a:ext>
-            </a:extLst>
-          </p:cNvPr>
-          <p:cNvPicPr>
-            <a:picLocks noChangeAspect="1"/>
-          </p:cNvPicPr>
-          <p:nvPr/>
-        </p:nvPicPr>
-        <p:blipFill>
-          <a:blip r:embed="rId4">
             <a:extLst>
               <a:ext uri="{28A0092B-C50C-407E-A947-70E740481C1C}">
                 <a14:useLocalDpi xmlns:a14="http://schemas.microsoft.com/office/drawing/2010/main" val="0"/>
@@ -3660,7 +3658,7 @@
         <p:cNvPr id="1" name="">
           <a:extLst>
             <a:ext uri="{FF2B5EF4-FFF2-40B4-BE49-F238E27FC236}">
-              <a16:creationId xmlns:a16="http://schemas.microsoft.com/office/drawing/2014/main" id="{A9BC89B4-C6A1-AA4A-4E2A-549D68FAF01B}"/>
+              <a16:creationId xmlns:a16="http://schemas.microsoft.com/office/drawing/2014/main" id="{521A3AD7-012D-83EA-2CB2-072646D14143}"/>
             </a:ext>
           </a:extLst>
         </p:cNvPr>
@@ -3680,7 +3678,7 @@
           <p:cNvPr id="2" name="Title 1">
             <a:extLst>
               <a:ext uri="{FF2B5EF4-FFF2-40B4-BE49-F238E27FC236}">
-                <a16:creationId xmlns:a16="http://schemas.microsoft.com/office/drawing/2014/main" id="{8E2A0115-D35C-4044-C78F-3FECEDE45104}"/>
+                <a16:creationId xmlns:a16="http://schemas.microsoft.com/office/drawing/2014/main" id="{B7BF49D9-BE82-BB4F-0187-B6AD05A1195C}"/>
               </a:ext>
             </a:extLst>
           </p:cNvPr>
@@ -3707,121 +3705,109 @@
                   <a:srgbClr val="676767"/>
                 </a:solidFill>
               </a:rPr>
-              <a:t>Agentic Patterns (2)</a:t>
-            </a:r>
-          </a:p>
-        </p:txBody>
-      </p:sp>
-      <p:pic>
-        <p:nvPicPr>
-          <p:cNvPr id="6" name="Content Placeholder 5" descr="A diagram of a call center&#10;&#10;AI-generated content may be incorrect.">
-            <a:extLst>
-              <a:ext uri="{FF2B5EF4-FFF2-40B4-BE49-F238E27FC236}">
-                <a16:creationId xmlns:a16="http://schemas.microsoft.com/office/drawing/2014/main" id="{40876E72-6B84-D798-A97E-43514414F6A1}"/>
-              </a:ext>
-            </a:extLst>
-          </p:cNvPr>
-          <p:cNvPicPr>
-            <a:picLocks noGrp="1" noChangeAspect="1"/>
-          </p:cNvPicPr>
+              <a:t>What is Tool/Function calling?</a:t>
+            </a:r>
+          </a:p>
+        </p:txBody>
+      </p:sp>
+      <p:sp>
+        <p:nvSpPr>
+          <p:cNvPr id="3" name="Content Placeholder 2">
+            <a:extLst>
+              <a:ext uri="{FF2B5EF4-FFF2-40B4-BE49-F238E27FC236}">
+                <a16:creationId xmlns:a16="http://schemas.microsoft.com/office/drawing/2014/main" id="{D4761442-8ED6-7227-DC19-D4B84CE7FD26}"/>
+              </a:ext>
+            </a:extLst>
+          </p:cNvPr>
+          <p:cNvSpPr>
+            <a:spLocks noGrp="1"/>
+          </p:cNvSpPr>
           <p:nvPr>
             <p:ph idx="1"/>
           </p:nvPr>
-        </p:nvPicPr>
-        <p:blipFill>
-          <a:blip r:embed="rId2">
-            <a:extLst>
-              <a:ext uri="{28A0092B-C50C-407E-A947-70E740481C1C}">
-                <a14:useLocalDpi xmlns:a14="http://schemas.microsoft.com/office/drawing/2010/main" val="0"/>
-              </a:ext>
-            </a:extLst>
-          </a:blip>
-          <a:stretch>
-            <a:fillRect/>
-          </a:stretch>
-        </p:blipFill>
-        <p:spPr>
-          <a:xfrm>
-            <a:off x="6657654" y="2040763"/>
-            <a:ext cx="5106033" cy="2573088"/>
-          </a:xfrm>
-        </p:spPr>
-      </p:pic>
-      <p:pic>
-        <p:nvPicPr>
-          <p:cNvPr id="9" name="Picture 8" descr="A diagram of a flowchart&#10;&#10;AI-generated content may be incorrect.">
-            <a:extLst>
-              <a:ext uri="{FF2B5EF4-FFF2-40B4-BE49-F238E27FC236}">
-                <a16:creationId xmlns:a16="http://schemas.microsoft.com/office/drawing/2014/main" id="{5F084771-CD9C-05A7-DA66-86BFA2BF9B96}"/>
-              </a:ext>
-            </a:extLst>
-          </p:cNvPr>
-          <p:cNvPicPr>
-            <a:picLocks noChangeAspect="1"/>
-          </p:cNvPicPr>
-          <p:nvPr/>
-        </p:nvPicPr>
-        <p:blipFill>
-          <a:blip r:embed="rId3">
-            <a:extLst>
-              <a:ext uri="{28A0092B-C50C-407E-A947-70E740481C1C}">
-                <a14:useLocalDpi xmlns:a14="http://schemas.microsoft.com/office/drawing/2010/main" val="0"/>
-              </a:ext>
-            </a:extLst>
-          </a:blip>
-          <a:stretch>
-            <a:fillRect/>
-          </a:stretch>
-        </p:blipFill>
-        <p:spPr>
-          <a:xfrm>
-            <a:off x="328773" y="2040763"/>
-            <a:ext cx="6174769" cy="2571749"/>
-          </a:xfrm>
-          <a:prstGeom prst="rect">
-            <a:avLst/>
-          </a:prstGeom>
-        </p:spPr>
-      </p:pic>
-      <p:sp>
-        <p:nvSpPr>
-          <p:cNvPr id="10" name="TextBox 9">
-            <a:extLst>
-              <a:ext uri="{FF2B5EF4-FFF2-40B4-BE49-F238E27FC236}">
-                <a16:creationId xmlns:a16="http://schemas.microsoft.com/office/drawing/2014/main" id="{59A98EEC-4177-D5BB-1978-219FCEA5B31F}"/>
-              </a:ext>
-            </a:extLst>
-          </p:cNvPr>
-          <p:cNvSpPr txBox="1"/>
-          <p:nvPr/>
-        </p:nvSpPr>
-        <p:spPr>
-          <a:xfrm>
-            <a:off x="3277456" y="4767916"/>
-            <a:ext cx="6760396" cy="369332"/>
-          </a:xfrm>
-          <a:prstGeom prst="rect">
-            <a:avLst/>
-          </a:prstGeom>
-          <a:noFill/>
-        </p:spPr>
-        <p:txBody>
-          <a:bodyPr wrap="square" rtlCol="0">
-            <a:spAutoFit/>
+        </p:nvSpPr>
+        <p:spPr>
+          <a:xfrm>
+            <a:off x="838199" y="1413031"/>
+            <a:ext cx="10596715" cy="4906652"/>
+          </a:xfrm>
+          <a:solidFill>
+            <a:srgbClr val="FAF0E6"/>
+          </a:solidFill>
+        </p:spPr>
+        <p:txBody>
+          <a:bodyPr>
+            <a:normAutofit/>
           </a:bodyPr>
           <a:lstStyle/>
           <a:p>
+            <a:pPr marL="0" indent="0">
+              <a:buNone/>
+            </a:pPr>
             <a:r>
               <a:rPr lang="en-GB" dirty="0"/>
-              <a:t>https://www.anthropic.com/engineering/building-effective-agents</a:t>
-            </a:r>
+              <a:t>In our INSTRUCTIONS we can add:</a:t>
+            </a:r>
+          </a:p>
+          <a:p>
+            <a:pPr marL="0" indent="0">
+              <a:buNone/>
+            </a:pPr>
+            <a:endParaRPr lang="en-GB" dirty="0"/>
+          </a:p>
+          <a:p>
+            <a:r>
+              <a:rPr lang="en-GB" dirty="0"/>
+              <a:t>Here are some useful tools/functions that may be of help at run time. </a:t>
+            </a:r>
+          </a:p>
+          <a:p>
+            <a:r>
+              <a:rPr lang="en-GB" dirty="0"/>
+              <a:t>Let me know which you want to run and with what arguments.</a:t>
+            </a:r>
+          </a:p>
+          <a:p>
+            <a:r>
+              <a:rPr lang="en-GB" dirty="0"/>
+              <a:t>I will run them on my machine and then send this extra CONTEXT back to you (reflection which we see later)</a:t>
+            </a:r>
+          </a:p>
+          <a:p>
+            <a:r>
+              <a:rPr lang="en-GB" dirty="0"/>
+              <a:t>We will run </a:t>
+            </a:r>
+            <a:r>
+              <a:rPr lang="en-GB" dirty="0">
+                <a:highlight>
+                  <a:srgbClr val="C0C0C0"/>
+                </a:highlight>
+              </a:rPr>
+              <a:t>03_demo_tools_calulate_gross_price.ipynb</a:t>
+            </a:r>
+          </a:p>
+          <a:p>
+            <a:r>
+              <a:rPr lang="en-GB" dirty="0"/>
+              <a:t>But first next slide has a diagram…</a:t>
+            </a:r>
+          </a:p>
+          <a:p>
+            <a:endParaRPr lang="en-GB" dirty="0"/>
+          </a:p>
+          <a:p>
+            <a:pPr marL="0" indent="0">
+              <a:buNone/>
+            </a:pPr>
+            <a:endParaRPr lang="en-GB" dirty="0"/>
           </a:p>
         </p:txBody>
       </p:sp>
     </p:spTree>
     <p:extLst>
       <p:ext uri="{BB962C8B-B14F-4D97-AF65-F5344CB8AC3E}">
-        <p14:creationId xmlns:p14="http://schemas.microsoft.com/office/powerpoint/2010/main" val="1212136247"/>
+        <p14:creationId xmlns:p14="http://schemas.microsoft.com/office/powerpoint/2010/main" val="1744274083"/>
       </p:ext>
     </p:extLst>
   </p:cSld>
@@ -3847,7 +3833,7 @@
         <p:cNvPr id="1" name="">
           <a:extLst>
             <a:ext uri="{FF2B5EF4-FFF2-40B4-BE49-F238E27FC236}">
-              <a16:creationId xmlns:a16="http://schemas.microsoft.com/office/drawing/2014/main" id="{4F03791B-8DEA-52AA-EE90-B39E7103FB3B}"/>
+              <a16:creationId xmlns:a16="http://schemas.microsoft.com/office/drawing/2014/main" id="{EB7372A0-C6B5-A8B9-B155-73E894AB4016}"/>
             </a:ext>
           </a:extLst>
         </p:cNvPr>
@@ -3867,7 +3853,7 @@
           <p:cNvPr id="2" name="Title 1">
             <a:extLst>
               <a:ext uri="{FF2B5EF4-FFF2-40B4-BE49-F238E27FC236}">
-                <a16:creationId xmlns:a16="http://schemas.microsoft.com/office/drawing/2014/main" id="{0E3F80D4-47D2-5718-8DC0-05BF3D23C0CA}"/>
+                <a16:creationId xmlns:a16="http://schemas.microsoft.com/office/drawing/2014/main" id="{46DE7C49-E989-DCE9-C58C-D01FC91F9BCC}"/>
               </a:ext>
             </a:extLst>
           </p:cNvPr>
@@ -3894,17 +3880,17 @@
                   <a:srgbClr val="676767"/>
                 </a:solidFill>
               </a:rPr>
-              <a:t>Model costs</a:t>
+              <a:t>What is Tool/Function calling?</a:t>
             </a:r>
           </a:p>
         </p:txBody>
       </p:sp>
       <p:pic>
         <p:nvPicPr>
-          <p:cNvPr id="4" name="Content Placeholder 3" descr="A graph with colored lines and numbers&#10;&#10;AI-generated content may be incorrect.">
-            <a:extLst>
-              <a:ext uri="{FF2B5EF4-FFF2-40B4-BE49-F238E27FC236}">
-                <a16:creationId xmlns:a16="http://schemas.microsoft.com/office/drawing/2014/main" id="{C05A1683-F503-D79D-B919-D7BBD1D74C83}"/>
+          <p:cNvPr id="5" name="Content Placeholder 4" descr="A diagram of a tool&#10;&#10;AI-generated content may be incorrect.">
+            <a:extLst>
+              <a:ext uri="{FF2B5EF4-FFF2-40B4-BE49-F238E27FC236}">
+                <a16:creationId xmlns:a16="http://schemas.microsoft.com/office/drawing/2014/main" id="{C4644611-2EC0-EC80-0CD0-9F952C9353CD}"/>
               </a:ext>
             </a:extLst>
           </p:cNvPr>
@@ -3929,18 +3915,18 @@
         </p:blipFill>
         <p:spPr>
           <a:xfrm>
-            <a:off x="1818280" y="1314038"/>
-            <a:ext cx="8717668" cy="5106918"/>
-          </a:xfrm>
-          <a:prstGeom prst="rect">
-            <a:avLst/>
-          </a:prstGeom>
+            <a:off x="1172402" y="1234853"/>
+            <a:ext cx="9420256" cy="5276339"/>
+          </a:xfrm>
+          <a:solidFill>
+            <a:srgbClr val="FAF0E6"/>
+          </a:solidFill>
         </p:spPr>
       </p:pic>
     </p:spTree>
     <p:extLst>
       <p:ext uri="{BB962C8B-B14F-4D97-AF65-F5344CB8AC3E}">
-        <p14:creationId xmlns:p14="http://schemas.microsoft.com/office/powerpoint/2010/main" val="988705094"/>
+        <p14:creationId xmlns:p14="http://schemas.microsoft.com/office/powerpoint/2010/main" val="277511365"/>
       </p:ext>
     </p:extLst>
   </p:cSld>
@@ -4045,7 +4031,7 @@
         </p:spPr>
         <p:txBody>
           <a:bodyPr>
-            <a:normAutofit/>
+            <a:normAutofit lnSpcReduction="10000"/>
           </a:bodyPr>
           <a:lstStyle/>
           <a:p>
@@ -4054,7 +4040,60 @@
             </a:pPr>
             <a:r>
               <a:rPr lang="en-GB" dirty="0"/>
-              <a:t>…</a:t>
+              <a:t>We have seen how we can write tools for the Agent to discover and call as needed.</a:t>
+            </a:r>
+          </a:p>
+          <a:p>
+            <a:pPr marL="0" indent="0">
+              <a:buNone/>
+            </a:pPr>
+            <a:r>
+              <a:rPr lang="en-GB" dirty="0"/>
+              <a:t>What about tools others have created?</a:t>
+            </a:r>
+          </a:p>
+          <a:p>
+            <a:pPr marL="0" indent="0">
+              <a:buNone/>
+            </a:pPr>
+            <a:r>
+              <a:rPr lang="en-GB" dirty="0"/>
+              <a:t>How can an Agent discover what tools are available, how to use them with what ever arguments are needed and how to execute them?</a:t>
+            </a:r>
+          </a:p>
+          <a:p>
+            <a:pPr marL="0" indent="0">
+              <a:buNone/>
+            </a:pPr>
+            <a:r>
+              <a:rPr lang="en-GB" dirty="0"/>
+              <a:t>This is Model Context Protocol.</a:t>
+            </a:r>
+          </a:p>
+          <a:p>
+            <a:pPr marL="0" indent="0">
+              <a:buNone/>
+            </a:pPr>
+            <a:r>
+              <a:rPr lang="en-GB" dirty="0"/>
+              <a:t>In essence, an Agent can find a list of tools we have given it, with these tools able to inform Agent how to use them.</a:t>
+            </a:r>
+          </a:p>
+          <a:p>
+            <a:pPr marL="0" indent="0">
+              <a:buNone/>
+            </a:pPr>
+            <a:r>
+              <a:rPr lang="en-GB" dirty="0"/>
+              <a:t>The Agent runs the </a:t>
+            </a:r>
+            <a:r>
+              <a:rPr lang="en-GB" dirty="0" err="1"/>
+              <a:t>pipx</a:t>
+            </a:r>
+            <a:r>
+              <a:rPr lang="en-GB" dirty="0"/>
+              <a:t> to download and run them in a separate process.</a:t>
             </a:r>
           </a:p>
         </p:txBody>
@@ -4073,6 +4112,628 @@
 </file>
 
 <file path=ppt/slides/slide13.xml><?xml version="1.0" encoding="utf-8"?>
+<p:sld xmlns:a="http://schemas.openxmlformats.org/drawingml/2006/main" xmlns:r="http://schemas.openxmlformats.org/officeDocument/2006/relationships" xmlns:p="http://schemas.openxmlformats.org/presentationml/2006/main">
+  <p:cSld>
+    <p:bg>
+      <p:bgPr>
+        <a:solidFill>
+          <a:srgbClr val="FAF0E6"/>
+        </a:solidFill>
+        <a:effectLst/>
+      </p:bgPr>
+    </p:bg>
+    <p:spTree>
+      <p:nvGrpSpPr>
+        <p:cNvPr id="1" name="">
+          <a:extLst>
+            <a:ext uri="{FF2B5EF4-FFF2-40B4-BE49-F238E27FC236}">
+              <a16:creationId xmlns:a16="http://schemas.microsoft.com/office/drawing/2014/main" id="{37A951BD-BBFB-2FFF-6008-EF1837E9CE09}"/>
+            </a:ext>
+          </a:extLst>
+        </p:cNvPr>
+        <p:cNvGrpSpPr/>
+        <p:nvPr/>
+      </p:nvGrpSpPr>
+      <p:grpSpPr>
+        <a:xfrm>
+          <a:off x="0" y="0"/>
+          <a:ext cx="0" cy="0"/>
+          <a:chOff x="0" y="0"/>
+          <a:chExt cx="0" cy="0"/>
+        </a:xfrm>
+      </p:grpSpPr>
+      <p:sp>
+        <p:nvSpPr>
+          <p:cNvPr id="2" name="Title 1">
+            <a:extLst>
+              <a:ext uri="{FF2B5EF4-FFF2-40B4-BE49-F238E27FC236}">
+                <a16:creationId xmlns:a16="http://schemas.microsoft.com/office/drawing/2014/main" id="{0718EBA6-7FBD-0694-7DE0-BE40A1E82514}"/>
+              </a:ext>
+            </a:extLst>
+          </p:cNvPr>
+          <p:cNvSpPr>
+            <a:spLocks noGrp="1"/>
+          </p:cNvSpPr>
+          <p:nvPr>
+            <p:ph type="title"/>
+          </p:nvPr>
+        </p:nvSpPr>
+        <p:spPr>
+          <a:xfrm>
+            <a:off x="919314" y="190464"/>
+            <a:ext cx="10515600" cy="1325563"/>
+          </a:xfrm>
+        </p:spPr>
+        <p:txBody>
+          <a:bodyPr/>
+          <a:lstStyle/>
+          <a:p>
+            <a:r>
+              <a:rPr lang="en-GB" dirty="0">
+                <a:solidFill>
+                  <a:srgbClr val="676767"/>
+                </a:solidFill>
+              </a:rPr>
+              <a:t>Agentic Patterns (1)</a:t>
+            </a:r>
+          </a:p>
+        </p:txBody>
+      </p:sp>
+      <p:pic>
+        <p:nvPicPr>
+          <p:cNvPr id="7" name="Content Placeholder 6">
+            <a:extLst>
+              <a:ext uri="{FF2B5EF4-FFF2-40B4-BE49-F238E27FC236}">
+                <a16:creationId xmlns:a16="http://schemas.microsoft.com/office/drawing/2014/main" id="{B5BD89EA-0176-8874-8FF5-C7CBDB546953}"/>
+              </a:ext>
+            </a:extLst>
+          </p:cNvPr>
+          <p:cNvPicPr>
+            <a:picLocks noGrp="1" noChangeAspect="1"/>
+          </p:cNvPicPr>
+          <p:nvPr>
+            <p:ph idx="1"/>
+          </p:nvPr>
+        </p:nvPicPr>
+        <p:blipFill>
+          <a:blip r:embed="rId2">
+            <a:extLst>
+              <a:ext uri="{28A0092B-C50C-407E-A947-70E740481C1C}">
+                <a14:useLocalDpi xmlns:a14="http://schemas.microsoft.com/office/drawing/2010/main" val="0"/>
+              </a:ext>
+            </a:extLst>
+          </a:blip>
+          <a:srcRect/>
+          <a:stretch/>
+        </p:blipFill>
+        <p:spPr>
+          <a:xfrm>
+            <a:off x="1501527" y="1250636"/>
+            <a:ext cx="8326012" cy="4877481"/>
+          </a:xfrm>
+          <a:solidFill>
+            <a:srgbClr val="FAF0E6"/>
+          </a:solidFill>
+        </p:spPr>
+      </p:pic>
+      <p:sp>
+        <p:nvSpPr>
+          <p:cNvPr id="3" name="TextBox 2">
+            <a:extLst>
+              <a:ext uri="{FF2B5EF4-FFF2-40B4-BE49-F238E27FC236}">
+                <a16:creationId xmlns:a16="http://schemas.microsoft.com/office/drawing/2014/main" id="{161EA613-F32E-2447-75DE-7E12C1A7BC96}"/>
+              </a:ext>
+            </a:extLst>
+          </p:cNvPr>
+          <p:cNvSpPr txBox="1"/>
+          <p:nvPr/>
+        </p:nvSpPr>
+        <p:spPr>
+          <a:xfrm>
+            <a:off x="868048" y="5828517"/>
+            <a:ext cx="9822425" cy="707886"/>
+          </a:xfrm>
+          <a:prstGeom prst="rect">
+            <a:avLst/>
+          </a:prstGeom>
+          <a:noFill/>
+        </p:spPr>
+        <p:txBody>
+          <a:bodyPr wrap="square" rtlCol="0">
+            <a:spAutoFit/>
+          </a:bodyPr>
+          <a:lstStyle/>
+          <a:p>
+            <a:pPr algn="ctr"/>
+            <a:r>
+              <a:rPr lang="en-GB" sz="4000" dirty="0">
+                <a:highlight>
+                  <a:srgbClr val="C0C0C0"/>
+                </a:highlight>
+              </a:rPr>
+              <a:t>04_demo_reflection.ipynb</a:t>
+            </a:r>
+          </a:p>
+        </p:txBody>
+      </p:sp>
+    </p:spTree>
+    <p:extLst>
+      <p:ext uri="{BB962C8B-B14F-4D97-AF65-F5344CB8AC3E}">
+        <p14:creationId xmlns:p14="http://schemas.microsoft.com/office/powerpoint/2010/main" val="3658313044"/>
+      </p:ext>
+    </p:extLst>
+  </p:cSld>
+  <p:clrMapOvr>
+    <a:masterClrMapping/>
+  </p:clrMapOvr>
+</p:sld>
+</file>
+
+<file path=ppt/slides/slide14.xml><?xml version="1.0" encoding="utf-8"?>
+<p:sld xmlns:a="http://schemas.openxmlformats.org/drawingml/2006/main" xmlns:r="http://schemas.openxmlformats.org/officeDocument/2006/relationships" xmlns:p="http://schemas.openxmlformats.org/presentationml/2006/main">
+  <p:cSld>
+    <p:bg>
+      <p:bgPr>
+        <a:solidFill>
+          <a:srgbClr val="FAF0E6"/>
+        </a:solidFill>
+        <a:effectLst/>
+      </p:bgPr>
+    </p:bg>
+    <p:spTree>
+      <p:nvGrpSpPr>
+        <p:cNvPr id="1" name="">
+          <a:extLst>
+            <a:ext uri="{FF2B5EF4-FFF2-40B4-BE49-F238E27FC236}">
+              <a16:creationId xmlns:a16="http://schemas.microsoft.com/office/drawing/2014/main" id="{A9BC89B4-C6A1-AA4A-4E2A-549D68FAF01B}"/>
+            </a:ext>
+          </a:extLst>
+        </p:cNvPr>
+        <p:cNvGrpSpPr/>
+        <p:nvPr/>
+      </p:nvGrpSpPr>
+      <p:grpSpPr>
+        <a:xfrm>
+          <a:off x="0" y="0"/>
+          <a:ext cx="0" cy="0"/>
+          <a:chOff x="0" y="0"/>
+          <a:chExt cx="0" cy="0"/>
+        </a:xfrm>
+      </p:grpSpPr>
+      <p:sp>
+        <p:nvSpPr>
+          <p:cNvPr id="2" name="Title 1">
+            <a:extLst>
+              <a:ext uri="{FF2B5EF4-FFF2-40B4-BE49-F238E27FC236}">
+                <a16:creationId xmlns:a16="http://schemas.microsoft.com/office/drawing/2014/main" id="{8E2A0115-D35C-4044-C78F-3FECEDE45104}"/>
+              </a:ext>
+            </a:extLst>
+          </p:cNvPr>
+          <p:cNvSpPr>
+            <a:spLocks noGrp="1"/>
+          </p:cNvSpPr>
+          <p:nvPr>
+            <p:ph type="title"/>
+          </p:nvPr>
+        </p:nvSpPr>
+        <p:spPr>
+          <a:xfrm>
+            <a:off x="919314" y="190464"/>
+            <a:ext cx="10515600" cy="1325563"/>
+          </a:xfrm>
+        </p:spPr>
+        <p:txBody>
+          <a:bodyPr/>
+          <a:lstStyle/>
+          <a:p>
+            <a:r>
+              <a:rPr lang="en-GB" dirty="0">
+                <a:solidFill>
+                  <a:srgbClr val="676767"/>
+                </a:solidFill>
+              </a:rPr>
+              <a:t>Agentic Patterns (2)</a:t>
+            </a:r>
+          </a:p>
+        </p:txBody>
+      </p:sp>
+      <p:pic>
+        <p:nvPicPr>
+          <p:cNvPr id="6" name="Content Placeholder 5" descr="A diagram of a call center&#10;&#10;AI-generated content may be incorrect.">
+            <a:extLst>
+              <a:ext uri="{FF2B5EF4-FFF2-40B4-BE49-F238E27FC236}">
+                <a16:creationId xmlns:a16="http://schemas.microsoft.com/office/drawing/2014/main" id="{40876E72-6B84-D798-A97E-43514414F6A1}"/>
+              </a:ext>
+            </a:extLst>
+          </p:cNvPr>
+          <p:cNvPicPr>
+            <a:picLocks noGrp="1" noChangeAspect="1"/>
+          </p:cNvPicPr>
+          <p:nvPr>
+            <p:ph idx="1"/>
+          </p:nvPr>
+        </p:nvPicPr>
+        <p:blipFill>
+          <a:blip r:embed="rId2">
+            <a:extLst>
+              <a:ext uri="{28A0092B-C50C-407E-A947-70E740481C1C}">
+                <a14:useLocalDpi xmlns:a14="http://schemas.microsoft.com/office/drawing/2010/main" val="0"/>
+              </a:ext>
+            </a:extLst>
+          </a:blip>
+          <a:stretch>
+            <a:fillRect/>
+          </a:stretch>
+        </p:blipFill>
+        <p:spPr>
+          <a:xfrm>
+            <a:off x="6657654" y="2040763"/>
+            <a:ext cx="5106033" cy="2573088"/>
+          </a:xfrm>
+        </p:spPr>
+      </p:pic>
+      <p:pic>
+        <p:nvPicPr>
+          <p:cNvPr id="9" name="Picture 8" descr="A diagram of a flowchart&#10;&#10;AI-generated content may be incorrect.">
+            <a:extLst>
+              <a:ext uri="{FF2B5EF4-FFF2-40B4-BE49-F238E27FC236}">
+                <a16:creationId xmlns:a16="http://schemas.microsoft.com/office/drawing/2014/main" id="{5F084771-CD9C-05A7-DA66-86BFA2BF9B96}"/>
+              </a:ext>
+            </a:extLst>
+          </p:cNvPr>
+          <p:cNvPicPr>
+            <a:picLocks noChangeAspect="1"/>
+          </p:cNvPicPr>
+          <p:nvPr/>
+        </p:nvPicPr>
+        <p:blipFill>
+          <a:blip r:embed="rId3">
+            <a:extLst>
+              <a:ext uri="{28A0092B-C50C-407E-A947-70E740481C1C}">
+                <a14:useLocalDpi xmlns:a14="http://schemas.microsoft.com/office/drawing/2010/main" val="0"/>
+              </a:ext>
+            </a:extLst>
+          </a:blip>
+          <a:stretch>
+            <a:fillRect/>
+          </a:stretch>
+        </p:blipFill>
+        <p:spPr>
+          <a:xfrm>
+            <a:off x="328773" y="2040763"/>
+            <a:ext cx="6174769" cy="2571749"/>
+          </a:xfrm>
+          <a:prstGeom prst="rect">
+            <a:avLst/>
+          </a:prstGeom>
+        </p:spPr>
+      </p:pic>
+      <p:sp>
+        <p:nvSpPr>
+          <p:cNvPr id="10" name="TextBox 9">
+            <a:extLst>
+              <a:ext uri="{FF2B5EF4-FFF2-40B4-BE49-F238E27FC236}">
+                <a16:creationId xmlns:a16="http://schemas.microsoft.com/office/drawing/2014/main" id="{59A98EEC-4177-D5BB-1978-219FCEA5B31F}"/>
+              </a:ext>
+            </a:extLst>
+          </p:cNvPr>
+          <p:cNvSpPr txBox="1"/>
+          <p:nvPr/>
+        </p:nvSpPr>
+        <p:spPr>
+          <a:xfrm>
+            <a:off x="3277456" y="4767916"/>
+            <a:ext cx="6760396" cy="369332"/>
+          </a:xfrm>
+          <a:prstGeom prst="rect">
+            <a:avLst/>
+          </a:prstGeom>
+          <a:noFill/>
+        </p:spPr>
+        <p:txBody>
+          <a:bodyPr wrap="square" rtlCol="0">
+            <a:spAutoFit/>
+          </a:bodyPr>
+          <a:lstStyle/>
+          <a:p>
+            <a:r>
+              <a:rPr lang="en-GB" dirty="0"/>
+              <a:t>https://www.anthropic.com/engineering/building-effective-agents</a:t>
+            </a:r>
+          </a:p>
+        </p:txBody>
+      </p:sp>
+    </p:spTree>
+    <p:extLst>
+      <p:ext uri="{BB962C8B-B14F-4D97-AF65-F5344CB8AC3E}">
+        <p14:creationId xmlns:p14="http://schemas.microsoft.com/office/powerpoint/2010/main" val="1212136247"/>
+      </p:ext>
+    </p:extLst>
+  </p:cSld>
+  <p:clrMapOvr>
+    <a:masterClrMapping/>
+  </p:clrMapOvr>
+</p:sld>
+</file>
+
+<file path=ppt/slides/slide15.xml><?xml version="1.0" encoding="utf-8"?>
+<p:sld xmlns:a="http://schemas.openxmlformats.org/drawingml/2006/main" xmlns:r="http://schemas.openxmlformats.org/officeDocument/2006/relationships" xmlns:p="http://schemas.openxmlformats.org/presentationml/2006/main">
+  <p:cSld>
+    <p:bg>
+      <p:bgPr>
+        <a:solidFill>
+          <a:srgbClr val="FAF0E6"/>
+        </a:solidFill>
+        <a:effectLst/>
+      </p:bgPr>
+    </p:bg>
+    <p:spTree>
+      <p:nvGrpSpPr>
+        <p:cNvPr id="1" name="">
+          <a:extLst>
+            <a:ext uri="{FF2B5EF4-FFF2-40B4-BE49-F238E27FC236}">
+              <a16:creationId xmlns:a16="http://schemas.microsoft.com/office/drawing/2014/main" id="{4F03791B-8DEA-52AA-EE90-B39E7103FB3B}"/>
+            </a:ext>
+          </a:extLst>
+        </p:cNvPr>
+        <p:cNvGrpSpPr/>
+        <p:nvPr/>
+      </p:nvGrpSpPr>
+      <p:grpSpPr>
+        <a:xfrm>
+          <a:off x="0" y="0"/>
+          <a:ext cx="0" cy="0"/>
+          <a:chOff x="0" y="0"/>
+          <a:chExt cx="0" cy="0"/>
+        </a:xfrm>
+      </p:grpSpPr>
+      <p:sp>
+        <p:nvSpPr>
+          <p:cNvPr id="2" name="Title 1">
+            <a:extLst>
+              <a:ext uri="{FF2B5EF4-FFF2-40B4-BE49-F238E27FC236}">
+                <a16:creationId xmlns:a16="http://schemas.microsoft.com/office/drawing/2014/main" id="{0E3F80D4-47D2-5718-8DC0-05BF3D23C0CA}"/>
+              </a:ext>
+            </a:extLst>
+          </p:cNvPr>
+          <p:cNvSpPr>
+            <a:spLocks noGrp="1"/>
+          </p:cNvSpPr>
+          <p:nvPr>
+            <p:ph type="title"/>
+          </p:nvPr>
+        </p:nvSpPr>
+        <p:spPr>
+          <a:xfrm>
+            <a:off x="919314" y="190464"/>
+            <a:ext cx="10515600" cy="1325563"/>
+          </a:xfrm>
+        </p:spPr>
+        <p:txBody>
+          <a:bodyPr/>
+          <a:lstStyle/>
+          <a:p>
+            <a:r>
+              <a:rPr lang="en-GB" dirty="0">
+                <a:solidFill>
+                  <a:srgbClr val="676767"/>
+                </a:solidFill>
+              </a:rPr>
+              <a:t>Model costs</a:t>
+            </a:r>
+          </a:p>
+        </p:txBody>
+      </p:sp>
+      <p:pic>
+        <p:nvPicPr>
+          <p:cNvPr id="4" name="Content Placeholder 3" descr="A graph with colored lines and numbers&#10;&#10;AI-generated content may be incorrect.">
+            <a:extLst>
+              <a:ext uri="{FF2B5EF4-FFF2-40B4-BE49-F238E27FC236}">
+                <a16:creationId xmlns:a16="http://schemas.microsoft.com/office/drawing/2014/main" id="{C05A1683-F503-D79D-B919-D7BBD1D74C83}"/>
+              </a:ext>
+            </a:extLst>
+          </p:cNvPr>
+          <p:cNvPicPr>
+            <a:picLocks noGrp="1" noChangeAspect="1"/>
+          </p:cNvPicPr>
+          <p:nvPr>
+            <p:ph idx="1"/>
+          </p:nvPr>
+        </p:nvPicPr>
+        <p:blipFill>
+          <a:blip r:embed="rId2">
+            <a:extLst>
+              <a:ext uri="{28A0092B-C50C-407E-A947-70E740481C1C}">
+                <a14:useLocalDpi xmlns:a14="http://schemas.microsoft.com/office/drawing/2010/main" val="0"/>
+              </a:ext>
+            </a:extLst>
+          </a:blip>
+          <a:stretch>
+            <a:fillRect/>
+          </a:stretch>
+        </p:blipFill>
+        <p:spPr>
+          <a:xfrm>
+            <a:off x="1818280" y="1314038"/>
+            <a:ext cx="8717668" cy="5106918"/>
+          </a:xfrm>
+          <a:prstGeom prst="rect">
+            <a:avLst/>
+          </a:prstGeom>
+        </p:spPr>
+      </p:pic>
+    </p:spTree>
+    <p:extLst>
+      <p:ext uri="{BB962C8B-B14F-4D97-AF65-F5344CB8AC3E}">
+        <p14:creationId xmlns:p14="http://schemas.microsoft.com/office/powerpoint/2010/main" val="988705094"/>
+      </p:ext>
+    </p:extLst>
+  </p:cSld>
+  <p:clrMapOvr>
+    <a:masterClrMapping/>
+  </p:clrMapOvr>
+</p:sld>
+</file>
+
+<file path=ppt/slides/slide16.xml><?xml version="1.0" encoding="utf-8"?>
+<p:sld xmlns:a="http://schemas.openxmlformats.org/drawingml/2006/main" xmlns:r="http://schemas.openxmlformats.org/officeDocument/2006/relationships" xmlns:p="http://schemas.openxmlformats.org/presentationml/2006/main">
+  <p:cSld>
+    <p:bg>
+      <p:bgPr>
+        <a:solidFill>
+          <a:srgbClr val="FAF0E6"/>
+        </a:solidFill>
+        <a:effectLst/>
+      </p:bgPr>
+    </p:bg>
+    <p:spTree>
+      <p:nvGrpSpPr>
+        <p:cNvPr id="1" name="">
+          <a:extLst>
+            <a:ext uri="{FF2B5EF4-FFF2-40B4-BE49-F238E27FC236}">
+              <a16:creationId xmlns:a16="http://schemas.microsoft.com/office/drawing/2014/main" id="{D134FBD2-643E-E5A9-8BF2-FB3612599A1F}"/>
+            </a:ext>
+          </a:extLst>
+        </p:cNvPr>
+        <p:cNvGrpSpPr/>
+        <p:nvPr/>
+      </p:nvGrpSpPr>
+      <p:grpSpPr>
+        <a:xfrm>
+          <a:off x="0" y="0"/>
+          <a:ext cx="0" cy="0"/>
+          <a:chOff x="0" y="0"/>
+          <a:chExt cx="0" cy="0"/>
+        </a:xfrm>
+      </p:grpSpPr>
+      <p:sp>
+        <p:nvSpPr>
+          <p:cNvPr id="2" name="Title 1">
+            <a:extLst>
+              <a:ext uri="{FF2B5EF4-FFF2-40B4-BE49-F238E27FC236}">
+                <a16:creationId xmlns:a16="http://schemas.microsoft.com/office/drawing/2014/main" id="{A0934512-7B25-E453-E16C-FF65441E2C81}"/>
+              </a:ext>
+            </a:extLst>
+          </p:cNvPr>
+          <p:cNvSpPr>
+            <a:spLocks noGrp="1"/>
+          </p:cNvSpPr>
+          <p:nvPr>
+            <p:ph type="title"/>
+          </p:nvPr>
+        </p:nvSpPr>
+        <p:spPr>
+          <a:xfrm>
+            <a:off x="919314" y="190464"/>
+            <a:ext cx="10515600" cy="1325563"/>
+          </a:xfrm>
+        </p:spPr>
+        <p:txBody>
+          <a:bodyPr/>
+          <a:lstStyle/>
+          <a:p>
+            <a:r>
+              <a:rPr lang="en-GB" dirty="0">
+                <a:solidFill>
+                  <a:srgbClr val="676767"/>
+                </a:solidFill>
+              </a:rPr>
+              <a:t>What is the Agent2Agent Protocol (A2A)?</a:t>
+            </a:r>
+          </a:p>
+        </p:txBody>
+      </p:sp>
+      <p:sp>
+        <p:nvSpPr>
+          <p:cNvPr id="3" name="Content Placeholder 2">
+            <a:extLst>
+              <a:ext uri="{FF2B5EF4-FFF2-40B4-BE49-F238E27FC236}">
+                <a16:creationId xmlns:a16="http://schemas.microsoft.com/office/drawing/2014/main" id="{32B5311C-1016-A0EE-6E12-DD296E243500}"/>
+              </a:ext>
+            </a:extLst>
+          </p:cNvPr>
+          <p:cNvSpPr>
+            <a:spLocks noGrp="1"/>
+          </p:cNvSpPr>
+          <p:nvPr>
+            <p:ph idx="1"/>
+          </p:nvPr>
+        </p:nvSpPr>
+        <p:spPr>
+          <a:xfrm>
+            <a:off x="838199" y="1413031"/>
+            <a:ext cx="10596715" cy="4906652"/>
+          </a:xfrm>
+          <a:solidFill>
+            <a:srgbClr val="FAF0E6"/>
+          </a:solidFill>
+        </p:spPr>
+        <p:txBody>
+          <a:bodyPr>
+            <a:normAutofit/>
+          </a:bodyPr>
+          <a:lstStyle/>
+          <a:p>
+            <a:pPr marL="0" indent="0">
+              <a:buNone/>
+            </a:pPr>
+            <a:r>
+              <a:rPr lang="en-GB" dirty="0"/>
+              <a:t>A complimentary protocol to allow one Agent to discover and understand what another Agent does.</a:t>
+            </a:r>
+          </a:p>
+          <a:p>
+            <a:pPr marL="0" indent="0">
+              <a:buNone/>
+            </a:pPr>
+            <a:r>
+              <a:rPr lang="en-GB" dirty="0"/>
+              <a:t>It can then hand off work to the other Agent to get a desired response.</a:t>
+            </a:r>
+          </a:p>
+          <a:p>
+            <a:pPr marL="0" indent="0">
+              <a:buNone/>
+            </a:pPr>
+            <a:r>
+              <a:rPr lang="en-GB" dirty="0"/>
+              <a:t>It might seem that tools, MCP, A2A are all similar!</a:t>
+            </a:r>
+          </a:p>
+          <a:p>
+            <a:pPr marL="0" indent="0">
+              <a:buNone/>
+            </a:pPr>
+            <a:r>
+              <a:rPr lang="en-GB" dirty="0"/>
+              <a:t>At the end of the day Python is variables and code…all objects and essentially variations on functions.</a:t>
+            </a:r>
+          </a:p>
+          <a:p>
+            <a:pPr marL="0" indent="0">
+              <a:buNone/>
+            </a:pPr>
+            <a:r>
+              <a:rPr lang="en-GB" dirty="0"/>
+              <a:t>Protocols, like HTTP for example, are implementations to enable communication between bits of code.</a:t>
+            </a:r>
+          </a:p>
+        </p:txBody>
+      </p:sp>
+    </p:spTree>
+    <p:extLst>
+      <p:ext uri="{BB962C8B-B14F-4D97-AF65-F5344CB8AC3E}">
+        <p14:creationId xmlns:p14="http://schemas.microsoft.com/office/powerpoint/2010/main" val="2253881597"/>
+      </p:ext>
+    </p:extLst>
+  </p:cSld>
+  <p:clrMapOvr>
+    <a:masterClrMapping/>
+  </p:clrMapOvr>
+</p:sld>
+</file>
+
+<file path=ppt/slides/slide17.xml><?xml version="1.0" encoding="utf-8"?>
 <p:sld xmlns:a="http://schemas.openxmlformats.org/drawingml/2006/main" xmlns:r="http://schemas.openxmlformats.org/officeDocument/2006/relationships" xmlns:p="http://schemas.openxmlformats.org/presentationml/2006/main">
   <p:cSld>
     <p:bg>
@@ -4135,7 +4796,7 @@
                   <a:srgbClr val="676767"/>
                 </a:solidFill>
               </a:rPr>
-              <a:t>A complete demo</a:t>
+              <a:t>A complete demo (1)</a:t>
             </a:r>
           </a:p>
         </p:txBody>
@@ -4158,8 +4819,8 @@
         </p:nvSpPr>
         <p:spPr>
           <a:xfrm>
-            <a:off x="838199" y="1413031"/>
-            <a:ext cx="10596715" cy="4906652"/>
+            <a:off x="919314" y="2584285"/>
+            <a:ext cx="10596715" cy="2316488"/>
           </a:xfrm>
           <a:solidFill>
             <a:srgbClr val="FAF0E6"/>
@@ -4176,7 +4837,24 @@
             </a:pPr>
             <a:r>
               <a:rPr lang="en-GB" dirty="0"/>
-              <a:t>Using Cline to create a complete pipeline…</a:t>
+              <a:t>Using Cline to create a complete pipeline…in practice </a:t>
+            </a:r>
+            <a:r>
+              <a:rPr lang="en-GB" dirty="0" err="1"/>
+              <a:t>devs</a:t>
+            </a:r>
+            <a:r>
+              <a:rPr lang="en-GB" dirty="0"/>
+              <a:t> do it bit by bit.</a:t>
+            </a:r>
+          </a:p>
+          <a:p>
+            <a:pPr marL="0" indent="0">
+              <a:buNone/>
+            </a:pPr>
+            <a:r>
+              <a:rPr lang="en-GB" dirty="0"/>
+              <a:t>Let’s look at an example…</a:t>
             </a:r>
           </a:p>
         </p:txBody>
@@ -4194,7 +4872,7 @@
 </p:sld>
 </file>
 
-<file path=ppt/slides/slide14.xml><?xml version="1.0" encoding="utf-8"?>
+<file path=ppt/slides/slide18.xml><?xml version="1.0" encoding="utf-8"?>
 <p:sld xmlns:a="http://schemas.openxmlformats.org/drawingml/2006/main" xmlns:r="http://schemas.openxmlformats.org/officeDocument/2006/relationships" xmlns:p="http://schemas.openxmlformats.org/presentationml/2006/main">
   <p:cSld>
     <p:bg>
@@ -4210,7 +4888,7 @@
         <p:cNvPr id="1" name="">
           <a:extLst>
             <a:ext uri="{FF2B5EF4-FFF2-40B4-BE49-F238E27FC236}">
-              <a16:creationId xmlns:a16="http://schemas.microsoft.com/office/drawing/2014/main" id="{B66DEFFD-A2FE-30E5-893E-3C204151759B}"/>
+              <a16:creationId xmlns:a16="http://schemas.microsoft.com/office/drawing/2014/main" id="{C7B79118-841B-F42B-B854-886D9D8F1A5A}"/>
             </a:ext>
           </a:extLst>
         </p:cNvPr>
@@ -4230,7 +4908,7 @@
           <p:cNvPr id="2" name="Title 1">
             <a:extLst>
               <a:ext uri="{FF2B5EF4-FFF2-40B4-BE49-F238E27FC236}">
-                <a16:creationId xmlns:a16="http://schemas.microsoft.com/office/drawing/2014/main" id="{96877CE8-D822-4E3C-B4E3-94D64D28452A}"/>
+                <a16:creationId xmlns:a16="http://schemas.microsoft.com/office/drawing/2014/main" id="{2450BE5E-7827-40D5-0232-6BCA156E0B21}"/>
               </a:ext>
             </a:extLst>
           </p:cNvPr>
@@ -4257,7 +4935,7 @@
                   <a:srgbClr val="676767"/>
                 </a:solidFill>
               </a:rPr>
-              <a:t>What is the Agent2Agent Protocol (A2A)</a:t>
+              <a:t>A complete demo (2)</a:t>
             </a:r>
           </a:p>
         </p:txBody>
@@ -4267,7 +4945,7 @@
           <p:cNvPr id="3" name="Content Placeholder 2">
             <a:extLst>
               <a:ext uri="{FF2B5EF4-FFF2-40B4-BE49-F238E27FC236}">
-                <a16:creationId xmlns:a16="http://schemas.microsoft.com/office/drawing/2014/main" id="{76DA0CF9-F89F-23C8-1390-1C06752DC91D}"/>
+                <a16:creationId xmlns:a16="http://schemas.microsoft.com/office/drawing/2014/main" id="{A51F56F5-9707-600C-AB09-0FA01DFE213C}"/>
               </a:ext>
             </a:extLst>
           </p:cNvPr>
@@ -4280,8 +4958,8 @@
         </p:nvSpPr>
         <p:spPr>
           <a:xfrm>
-            <a:off x="838199" y="1413031"/>
-            <a:ext cx="10596715" cy="4906652"/>
+            <a:off x="1001507" y="1351387"/>
+            <a:ext cx="10596715" cy="2717179"/>
           </a:xfrm>
           <a:solidFill>
             <a:srgbClr val="FAF0E6"/>
@@ -4289,7 +4967,7 @@
         </p:spPr>
         <p:txBody>
           <a:bodyPr>
-            <a:normAutofit/>
+            <a:normAutofit fontScale="25000" lnSpcReduction="20000"/>
           </a:bodyPr>
           <a:lstStyle/>
           <a:p>
@@ -4297,8 +4975,154 @@
               <a:buNone/>
             </a:pPr>
             <a:r>
+              <a:rPr lang="en-GB" sz="11200" b="1" dirty="0"/>
+              <a:t>CLAUDE</a:t>
+            </a:r>
+            <a:r>
+              <a:rPr lang="en-GB" sz="9600" b="1" dirty="0"/>
+              <a:t>: </a:t>
+            </a:r>
+          </a:p>
+          <a:p>
+            <a:pPr marL="0" indent="0">
+              <a:buNone/>
+            </a:pPr>
+            <a:r>
+              <a:rPr lang="en-GB" sz="7200" dirty="0"/>
+              <a:t>create a simple sales csv with just 5 rows</a:t>
+            </a:r>
+          </a:p>
+          <a:p>
+            <a:pPr marL="0" indent="0">
+              <a:buNone/>
+            </a:pPr>
+            <a:r>
+              <a:rPr lang="en-GB" sz="7200" dirty="0" err="1"/>
+              <a:t>sales_data</a:t>
+            </a:r>
+            <a:r>
+              <a:rPr lang="en-GB" sz="7200" dirty="0"/>
+              <a:t> = [</a:t>
+            </a:r>
+          </a:p>
+          <a:p>
+            <a:pPr marL="0" indent="0">
+              <a:buNone/>
+            </a:pPr>
+            <a:r>
+              <a:rPr lang="en-GB" sz="7200" dirty="0"/>
+              <a:t>    ['Date', 'Product', 'Quantity', '</a:t>
+            </a:r>
+            <a:r>
+              <a:rPr lang="en-GB" sz="7200" dirty="0" err="1"/>
+              <a:t>Unit_Price</a:t>
+            </a:r>
+            <a:r>
+              <a:rPr lang="en-GB" sz="7200" dirty="0"/>
+              <a:t>', 'Total'],</a:t>
+            </a:r>
+          </a:p>
+          <a:p>
+            <a:pPr marL="0" indent="0">
+              <a:buNone/>
+            </a:pPr>
+            <a:r>
+              <a:rPr lang="en-GB" sz="7200" dirty="0"/>
+              <a:t>    ['2024-01-15', 'Laptop', 2, 999.99, 1999.98],</a:t>
+            </a:r>
+          </a:p>
+          <a:p>
+            <a:pPr marL="0" indent="0">
+              <a:buNone/>
+            </a:pPr>
+            <a:r>
+              <a:rPr lang="en-GB" sz="7200" dirty="0"/>
+              <a:t>    ['2024-01-16', 'Mouse', 5, 29.99, 149.95],</a:t>
+            </a:r>
+          </a:p>
+          <a:p>
+            <a:pPr marL="0" indent="0">
+              <a:buNone/>
+            </a:pPr>
+            <a:r>
+              <a:rPr lang="en-GB" sz="7200" dirty="0"/>
+              <a:t>    ['2024-01-17', 'Keyboard', 3, 79.99, 239.97],</a:t>
+            </a:r>
+          </a:p>
+          <a:p>
+            <a:pPr marL="0" indent="0">
+              <a:buNone/>
+            </a:pPr>
+            <a:r>
+              <a:rPr lang="en-GB" sz="7200" dirty="0"/>
+              <a:t>    ['2024-01-18', 'Monitor', 1, 299.99, 299.99],</a:t>
+            </a:r>
+          </a:p>
+          <a:p>
+            <a:pPr marL="0" indent="0">
+              <a:buNone/>
+            </a:pPr>
+            <a:r>
+              <a:rPr lang="en-GB" sz="7200" dirty="0"/>
+              <a:t>    ['2024-01-19', 'Headphones', 4, 149.99, 599.96]</a:t>
+            </a:r>
+          </a:p>
+          <a:p>
+            <a:pPr marL="0" indent="0">
+              <a:buNone/>
+            </a:pPr>
+            <a:r>
               <a:rPr lang="en-GB" dirty="0"/>
-              <a:t>…</a:t>
+              <a:t>]</a:t>
+            </a:r>
+            <a:endParaRPr lang="en-GB" sz="4400" dirty="0"/>
+          </a:p>
+          <a:p>
+            <a:pPr marL="0" indent="0">
+              <a:buNone/>
+            </a:pPr>
+            <a:r>
+              <a:rPr lang="en-GB" sz="11200" b="1" dirty="0"/>
+              <a:t>CLINE:</a:t>
+            </a:r>
+          </a:p>
+          <a:p>
+            <a:pPr marL="0" indent="0">
+              <a:buNone/>
+            </a:pPr>
+            <a:r>
+              <a:rPr lang="en-GB" sz="8000" dirty="0"/>
+              <a:t>“I have a CSV for some sales data. Make a simple ETL and data analysis programme for it to show plots and graphs.”</a:t>
+            </a:r>
+          </a:p>
+          <a:p>
+            <a:pPr marL="0" indent="0">
+              <a:buNone/>
+            </a:pPr>
+            <a:r>
+              <a:rPr lang="en-GB" sz="11200" b="1" dirty="0"/>
+              <a:t>IN DEMO:  </a:t>
+            </a:r>
+            <a:r>
+              <a:rPr lang="en-GB" sz="8000" dirty="0"/>
+              <a:t>I will add…</a:t>
+            </a:r>
+          </a:p>
+          <a:p>
+            <a:pPr marL="0" indent="0">
+              <a:buNone/>
+            </a:pPr>
+            <a:r>
+              <a:rPr lang="en-GB" sz="8000" dirty="0"/>
+              <a:t>[“There is a folder already called `</a:t>
+            </a:r>
+            <a:r>
+              <a:rPr lang="en-GB" sz="8000" dirty="0" err="1"/>
+              <a:t>sales_etl_analysis</a:t>
+            </a:r>
+            <a:r>
+              <a:rPr lang="en-GB" sz="8000" dirty="0"/>
+              <a:t>` - please ignore and start afresh”]</a:t>
             </a:r>
           </a:p>
         </p:txBody>
@@ -4306,7 +5130,7 @@
     </p:spTree>
     <p:extLst>
       <p:ext uri="{BB962C8B-B14F-4D97-AF65-F5344CB8AC3E}">
-        <p14:creationId xmlns:p14="http://schemas.microsoft.com/office/powerpoint/2010/main" val="2176883794"/>
+        <p14:creationId xmlns:p14="http://schemas.microsoft.com/office/powerpoint/2010/main" val="3282389886"/>
       </p:ext>
     </p:extLst>
   </p:cSld>
@@ -4316,7 +5140,7 @@
 </p:sld>
 </file>
 
-<file path=ppt/slides/slide15.xml><?xml version="1.0" encoding="utf-8"?>
+<file path=ppt/slides/slide19.xml><?xml version="1.0" encoding="utf-8"?>
 <p:sld xmlns:a="http://schemas.openxmlformats.org/drawingml/2006/main" xmlns:r="http://schemas.openxmlformats.org/officeDocument/2006/relationships" xmlns:p="http://schemas.openxmlformats.org/presentationml/2006/main">
   <p:cSld>
     <p:bg>
@@ -4415,16 +5239,142 @@
           </a:bodyPr>
           <a:lstStyle/>
           <a:p>
+            <a:r>
+              <a:rPr lang="en-GB" dirty="0"/>
+              <a:t>It has been 3 years since ChatGPT was released.</a:t>
+            </a:r>
+          </a:p>
+          <a:p>
+            <a:r>
+              <a:rPr lang="en-GB" dirty="0"/>
+              <a:t>The 6 months from arranging this talk to doing it is a very long time in AI with great changes in that time.</a:t>
+            </a:r>
+          </a:p>
+          <a:p>
+            <a:r>
+              <a:rPr lang="en-GB" dirty="0"/>
+              <a:t>The next 6 months/1 year/2 years?</a:t>
+            </a:r>
+          </a:p>
+          <a:p>
+            <a:endParaRPr lang="en-GB" dirty="0"/>
+          </a:p>
+          <a:p>
             <a:pPr marL="0" indent="0">
               <a:buNone/>
             </a:pPr>
             <a:r>
-              <a:rPr lang="en-GB" dirty="0"/>
-              <a:t>…</a:t>
-            </a:r>
-          </a:p>
-        </p:txBody>
-      </p:sp>
+              <a:rPr lang="en-GB" dirty="0">
+                <a:solidFill>
+                  <a:srgbClr val="3A3A3A"/>
+                </a:solidFill>
+              </a:rPr>
+              <a:t>Craig West</a:t>
+            </a:r>
+          </a:p>
+          <a:p>
+            <a:pPr marL="0" indent="0">
+              <a:buNone/>
+            </a:pPr>
+            <a:r>
+              <a:rPr lang="en-GB" dirty="0">
+                <a:solidFill>
+                  <a:srgbClr val="3A3A3A"/>
+                </a:solidFill>
+              </a:rPr>
+              <a:t>https://craig-west.netlify.app/</a:t>
+            </a:r>
+          </a:p>
+          <a:p>
+            <a:pPr marL="0" indent="0">
+              <a:buNone/>
+            </a:pPr>
+            <a:r>
+              <a:rPr lang="en-GB" dirty="0">
+                <a:solidFill>
+                  <a:srgbClr val="3A3A3A"/>
+                </a:solidFill>
+              </a:rPr>
+              <a:t>https://evaluating-ai-agents.com/</a:t>
+            </a:r>
+          </a:p>
+          <a:p>
+            <a:pPr marL="0" indent="0">
+              <a:buNone/>
+            </a:pPr>
+            <a:r>
+              <a:rPr lang="en-GB" dirty="0">
+                <a:solidFill>
+                  <a:srgbClr val="3A3A3A"/>
+                </a:solidFill>
+              </a:rPr>
+              <a:t>https://github.com/Python-Test-Engineer/earl2025</a:t>
+            </a:r>
+          </a:p>
+          <a:p>
+            <a:pPr marL="0" indent="0">
+              <a:buNone/>
+            </a:pPr>
+            <a:endParaRPr lang="en-GB" dirty="0">
+              <a:solidFill>
+                <a:srgbClr val="3A3A3A"/>
+              </a:solidFill>
+            </a:endParaRPr>
+          </a:p>
+          <a:p>
+            <a:pPr marL="0" indent="0">
+              <a:buNone/>
+            </a:pPr>
+            <a:endParaRPr lang="en-GB" dirty="0">
+              <a:solidFill>
+                <a:srgbClr val="3A3A3A"/>
+              </a:solidFill>
+            </a:endParaRPr>
+          </a:p>
+          <a:p>
+            <a:pPr marL="0" indent="0">
+              <a:buNone/>
+            </a:pPr>
+            <a:endParaRPr lang="en-GB" dirty="0"/>
+          </a:p>
+        </p:txBody>
+      </p:sp>
+      <p:pic>
+        <p:nvPicPr>
+          <p:cNvPr id="4" name="Picture 3" descr="A black background with a black square&#10;&#10;AI-generated content may be incorrect.">
+            <a:extLst>
+              <a:ext uri="{FF2B5EF4-FFF2-40B4-BE49-F238E27FC236}">
+                <a16:creationId xmlns:a16="http://schemas.microsoft.com/office/drawing/2014/main" id="{C2A3B412-5155-7A47-ABCA-B084173F68C6}"/>
+              </a:ext>
+            </a:extLst>
+          </p:cNvPr>
+          <p:cNvPicPr>
+            <a:picLocks noChangeAspect="1"/>
+          </p:cNvPicPr>
+          <p:nvPr/>
+        </p:nvPicPr>
+        <p:blipFill>
+          <a:blip r:embed="rId2">
+            <a:extLst>
+              <a:ext uri="{28A0092B-C50C-407E-A947-70E740481C1C}">
+                <a14:useLocalDpi xmlns:a14="http://schemas.microsoft.com/office/drawing/2010/main" val="0"/>
+              </a:ext>
+            </a:extLst>
+          </a:blip>
+          <a:stretch>
+            <a:fillRect/>
+          </a:stretch>
+        </p:blipFill>
+        <p:spPr>
+          <a:xfrm>
+            <a:off x="8517193" y="3215147"/>
+            <a:ext cx="2642419" cy="2642419"/>
+          </a:xfrm>
+          <a:prstGeom prst="rect">
+            <a:avLst/>
+          </a:prstGeom>
+        </p:spPr>
+      </p:pic>
     </p:spTree>
     <p:extLst>
       <p:ext uri="{BB962C8B-B14F-4D97-AF65-F5344CB8AC3E}">
@@ -4794,8 +5744,32 @@
                   <a:srgbClr val="3A3A3A"/>
                 </a:solidFill>
               </a:rPr>
-              <a:t>Reporting</a:t>
-            </a:r>
+              <a:t>Text2SQL</a:t>
+            </a:r>
+          </a:p>
+          <a:p>
+            <a:pPr lvl="1">
+              <a:lnSpc>
+                <a:spcPts val="4400"/>
+              </a:lnSpc>
+            </a:pPr>
+            <a:endParaRPr lang="en-GB" sz="3200" dirty="0">
+              <a:solidFill>
+                <a:srgbClr val="3A3A3A"/>
+              </a:solidFill>
+            </a:endParaRPr>
+          </a:p>
+          <a:p>
+            <a:pPr lvl="1">
+              <a:lnSpc>
+                <a:spcPts val="4400"/>
+              </a:lnSpc>
+            </a:pPr>
+            <a:endParaRPr lang="en-GB" sz="3200" dirty="0">
+              <a:solidFill>
+                <a:srgbClr val="3A3A3A"/>
+              </a:solidFill>
+            </a:endParaRPr>
           </a:p>
           <a:p>
             <a:pPr marL="0" indent="0">
@@ -4951,21 +5925,6 @@
                   <a:srgbClr val="3A3A3A"/>
                 </a:solidFill>
               </a:rPr>
-              <a:t>Text2SQL</a:t>
-            </a:r>
-          </a:p>
-          <a:p>
-            <a:pPr lvl="1">
-              <a:lnSpc>
-                <a:spcPts val="4400"/>
-              </a:lnSpc>
-            </a:pPr>
-            <a:r>
-              <a:rPr lang="en-GB" sz="3200" dirty="0">
-                <a:solidFill>
-                  <a:srgbClr val="3A3A3A"/>
-                </a:solidFill>
-              </a:rPr>
               <a:t>Image Analysis</a:t>
             </a:r>
           </a:p>
@@ -5012,6 +5971,21 @@
                 </a:solidFill>
               </a:rPr>
               <a:t>A2A – Agent to Agent protocol</a:t>
+            </a:r>
+          </a:p>
+          <a:p>
+            <a:pPr lvl="1">
+              <a:lnSpc>
+                <a:spcPts val="4400"/>
+              </a:lnSpc>
+            </a:pPr>
+            <a:r>
+              <a:rPr lang="en-GB" sz="3200" dirty="0">
+                <a:solidFill>
+                  <a:srgbClr val="3A3A3A"/>
+                </a:solidFill>
+              </a:rPr>
+              <a:t>Full demo using Cline in VSCode to create full app</a:t>
             </a:r>
           </a:p>
           <a:p>
@@ -5121,8 +6095,8 @@
         </p:nvSpPr>
         <p:spPr>
           <a:xfrm>
-            <a:off x="838199" y="1413031"/>
-            <a:ext cx="10596715" cy="4906652"/>
+            <a:off x="878756" y="1306963"/>
+            <a:ext cx="10596715" cy="5013125"/>
           </a:xfrm>
           <a:solidFill>
             <a:srgbClr val="FAF0E6"/>
@@ -5137,9 +6111,45 @@
             <a:pPr marL="0" indent="0">
               <a:buNone/>
             </a:pPr>
+            <a:endParaRPr lang="en-GB" dirty="0"/>
+          </a:p>
+          <a:p>
+            <a:pPr marL="0" indent="0">
+              <a:buNone/>
+            </a:pPr>
+            <a:endParaRPr lang="en-GB" dirty="0"/>
+          </a:p>
+          <a:p>
+            <a:pPr marL="0" indent="0">
+              <a:buNone/>
+            </a:pPr>
+            <a:endParaRPr lang="en-GB" dirty="0"/>
+          </a:p>
+          <a:p>
+            <a:pPr marL="0" indent="0">
+              <a:buNone/>
+            </a:pPr>
+            <a:endParaRPr lang="en-GB" dirty="0"/>
+          </a:p>
+          <a:p>
+            <a:pPr marL="0" indent="0">
+              <a:buNone/>
+            </a:pPr>
+            <a:endParaRPr lang="en-GB" dirty="0"/>
+          </a:p>
+          <a:p>
+            <a:pPr marL="0" indent="0">
+              <a:buNone/>
+            </a:pPr>
+            <a:endParaRPr lang="en-GB" dirty="0"/>
+          </a:p>
+          <a:p>
+            <a:pPr marL="0" indent="0">
+              <a:buNone/>
+            </a:pPr>
             <a:r>
               <a:rPr lang="en-GB" dirty="0"/>
-              <a:t>First computer…</a:t>
+              <a:t>codebar.io/brighton – basis </a:t>
             </a:r>
           </a:p>
           <a:p>
@@ -5148,7 +6158,7 @@
             </a:pPr>
             <a:r>
               <a:rPr lang="en-GB" dirty="0"/>
-              <a:t>Live in Brighton with Leo…</a:t>
+              <a:t>for some of the examples in </a:t>
             </a:r>
           </a:p>
           <a:p>
@@ -5157,33 +6167,191 @@
             </a:pPr>
             <a:r>
               <a:rPr lang="en-GB" dirty="0"/>
-              <a:t>Evaluating AI Agents</a:t>
-            </a:r>
-          </a:p>
-          <a:p>
-            <a:pPr marL="0" indent="0">
-              <a:buNone/>
-            </a:pPr>
-            <a:r>
-              <a:rPr lang="en-GB" dirty="0"/>
-              <a:t>Codebar.io/</a:t>
-            </a:r>
-            <a:r>
-              <a:rPr lang="en-GB" dirty="0" err="1"/>
-              <a:t>brighton</a:t>
-            </a:r>
-            <a:r>
-              <a:rPr lang="en-GB" dirty="0"/>
-              <a:t> – basis for some of </a:t>
-            </a:r>
-            <a:r>
-              <a:rPr lang="en-GB"/>
-              <a:t>the examples…</a:t>
-            </a:r>
-            <a:endParaRPr lang="en-GB" dirty="0"/>
-          </a:p>
-        </p:txBody>
-      </p:sp>
+              <a:t>this talk…</a:t>
+            </a:r>
+          </a:p>
+        </p:txBody>
+      </p:sp>
+      <p:pic>
+        <p:nvPicPr>
+          <p:cNvPr id="5" name="Picture 4" descr="A close-up of a machine&#10;&#10;AI-generated content may be incorrect.">
+            <a:extLst>
+              <a:ext uri="{FF2B5EF4-FFF2-40B4-BE49-F238E27FC236}">
+                <a16:creationId xmlns:a16="http://schemas.microsoft.com/office/drawing/2014/main" id="{F3C50833-41C6-6D1F-F30A-524D489332FD}"/>
+              </a:ext>
+            </a:extLst>
+          </p:cNvPr>
+          <p:cNvPicPr>
+            <a:picLocks noChangeAspect="1"/>
+          </p:cNvPicPr>
+          <p:nvPr/>
+        </p:nvPicPr>
+        <p:blipFill>
+          <a:blip r:embed="rId2">
+            <a:extLst>
+              <a:ext uri="{28A0092B-C50C-407E-A947-70E740481C1C}">
+                <a14:useLocalDpi xmlns:a14="http://schemas.microsoft.com/office/drawing/2010/main" val="0"/>
+              </a:ext>
+            </a:extLst>
+          </a:blip>
+          <a:stretch>
+            <a:fillRect/>
+          </a:stretch>
+        </p:blipFill>
+        <p:spPr>
+          <a:xfrm>
+            <a:off x="8116584" y="1328814"/>
+            <a:ext cx="3689634" cy="2767226"/>
+          </a:xfrm>
+          <a:prstGeom prst="rect">
+            <a:avLst/>
+          </a:prstGeom>
+        </p:spPr>
+      </p:pic>
+      <p:pic>
+        <p:nvPicPr>
+          <p:cNvPr id="7" name="Picture 6" descr="A dog sitting on grass&#10;&#10;AI-generated content may be incorrect.">
+            <a:extLst>
+              <a:ext uri="{FF2B5EF4-FFF2-40B4-BE49-F238E27FC236}">
+                <a16:creationId xmlns:a16="http://schemas.microsoft.com/office/drawing/2014/main" id="{C72068A3-9DA4-4572-DE52-739BD2F63608}"/>
+              </a:ext>
+            </a:extLst>
+          </p:cNvPr>
+          <p:cNvPicPr>
+            <a:picLocks noChangeAspect="1"/>
+          </p:cNvPicPr>
+          <p:nvPr/>
+        </p:nvPicPr>
+        <p:blipFill>
+          <a:blip r:embed="rId3">
+            <a:extLst>
+              <a:ext uri="{28A0092B-C50C-407E-A947-70E740481C1C}">
+                <a14:useLocalDpi xmlns:a14="http://schemas.microsoft.com/office/drawing/2010/main" val="0"/>
+              </a:ext>
+            </a:extLst>
+          </a:blip>
+          <a:stretch>
+            <a:fillRect/>
+          </a:stretch>
+        </p:blipFill>
+        <p:spPr>
+          <a:xfrm>
+            <a:off x="4032947" y="1328815"/>
+            <a:ext cx="1717803" cy="2761035"/>
+          </a:xfrm>
+          <a:prstGeom prst="rect">
+            <a:avLst/>
+          </a:prstGeom>
+        </p:spPr>
+      </p:pic>
+      <p:pic>
+        <p:nvPicPr>
+          <p:cNvPr id="9" name="Picture 8" descr="A dog walking on the street&#10;&#10;AI-generated content may be incorrect.">
+            <a:extLst>
+              <a:ext uri="{FF2B5EF4-FFF2-40B4-BE49-F238E27FC236}">
+                <a16:creationId xmlns:a16="http://schemas.microsoft.com/office/drawing/2014/main" id="{D9040783-80F7-1202-94D3-180CF27290FA}"/>
+              </a:ext>
+            </a:extLst>
+          </p:cNvPr>
+          <p:cNvPicPr>
+            <a:picLocks noChangeAspect="1"/>
+          </p:cNvPicPr>
+          <p:nvPr/>
+        </p:nvPicPr>
+        <p:blipFill>
+          <a:blip r:embed="rId4">
+            <a:extLst>
+              <a:ext uri="{28A0092B-C50C-407E-A947-70E740481C1C}">
+                <a14:useLocalDpi xmlns:a14="http://schemas.microsoft.com/office/drawing/2010/main" val="0"/>
+              </a:ext>
+            </a:extLst>
+          </a:blip>
+          <a:stretch>
+            <a:fillRect/>
+          </a:stretch>
+        </p:blipFill>
+        <p:spPr>
+          <a:xfrm rot="5400000">
+            <a:off x="5497856" y="1673943"/>
+            <a:ext cx="2761035" cy="2070777"/>
+          </a:xfrm>
+          <a:prstGeom prst="rect">
+            <a:avLst/>
+          </a:prstGeom>
+        </p:spPr>
+      </p:pic>
+      <p:pic>
+        <p:nvPicPr>
+          <p:cNvPr id="11" name="Picture 10" descr="A group of people raising their hands&#10;&#10;AI-generated content may be incorrect.">
+            <a:extLst>
+              <a:ext uri="{FF2B5EF4-FFF2-40B4-BE49-F238E27FC236}">
+                <a16:creationId xmlns:a16="http://schemas.microsoft.com/office/drawing/2014/main" id="{2DCAABF9-7D6A-30DB-DFA8-35DA30991B03}"/>
+              </a:ext>
+            </a:extLst>
+          </p:cNvPr>
+          <p:cNvPicPr>
+            <a:picLocks noChangeAspect="1"/>
+          </p:cNvPicPr>
+          <p:nvPr/>
+        </p:nvPicPr>
+        <p:blipFill>
+          <a:blip r:embed="rId5">
+            <a:extLst>
+              <a:ext uri="{28A0092B-C50C-407E-A947-70E740481C1C}">
+                <a14:useLocalDpi xmlns:a14="http://schemas.microsoft.com/office/drawing/2010/main" val="0"/>
+              </a:ext>
+            </a:extLst>
+          </a:blip>
+          <a:stretch>
+            <a:fillRect/>
+          </a:stretch>
+        </p:blipFill>
+        <p:spPr>
+          <a:xfrm>
+            <a:off x="5518071" y="4174470"/>
+            <a:ext cx="6164494" cy="2455162"/>
+          </a:xfrm>
+          <a:prstGeom prst="rect">
+            <a:avLst/>
+          </a:prstGeom>
+        </p:spPr>
+      </p:pic>
+      <p:pic>
+        <p:nvPicPr>
+          <p:cNvPr id="13" name="Picture 12" descr="A ferris wheel on a beach&#10;&#10;AI-generated content may be incorrect.">
+            <a:extLst>
+              <a:ext uri="{FF2B5EF4-FFF2-40B4-BE49-F238E27FC236}">
+                <a16:creationId xmlns:a16="http://schemas.microsoft.com/office/drawing/2014/main" id="{6AD9A928-8A3F-EBB4-94C3-AF298183888F}"/>
+              </a:ext>
+            </a:extLst>
+          </p:cNvPr>
+          <p:cNvPicPr>
+            <a:picLocks noChangeAspect="1"/>
+          </p:cNvPicPr>
+          <p:nvPr/>
+        </p:nvPicPr>
+        <p:blipFill>
+          <a:blip r:embed="rId6">
+            <a:extLst>
+              <a:ext uri="{28A0092B-C50C-407E-A947-70E740481C1C}">
+                <a14:useLocalDpi xmlns:a14="http://schemas.microsoft.com/office/drawing/2010/main" val="0"/>
+              </a:ext>
+            </a:extLst>
+          </a:blip>
+          <a:stretch>
+            <a:fillRect/>
+          </a:stretch>
+        </p:blipFill>
+        <p:spPr>
+          <a:xfrm>
+            <a:off x="919314" y="1306963"/>
+            <a:ext cx="2782886" cy="2782886"/>
+          </a:xfrm>
+          <a:prstGeom prst="rect">
+            <a:avLst/>
+          </a:prstGeom>
+        </p:spPr>
+      </p:pic>
     </p:spTree>
     <p:extLst>
       <p:ext uri="{BB962C8B-B14F-4D97-AF65-F5344CB8AC3E}">
@@ -5265,43 +6433,110 @@
           </a:p>
         </p:txBody>
       </p:sp>
-      <p:sp>
-        <p:nvSpPr>
-          <p:cNvPr id="3" name="Content Placeholder 2">
-            <a:extLst>
-              <a:ext uri="{FF2B5EF4-FFF2-40B4-BE49-F238E27FC236}">
-                <a16:creationId xmlns:a16="http://schemas.microsoft.com/office/drawing/2014/main" id="{7EAB0A91-6209-B679-70F3-6475420A2852}"/>
-              </a:ext>
-            </a:extLst>
-          </p:cNvPr>
-          <p:cNvSpPr>
-            <a:spLocks noGrp="1"/>
-          </p:cNvSpPr>
+      <p:pic>
+        <p:nvPicPr>
+          <p:cNvPr id="5" name="Content Placeholder 4" descr="A white background with black text&#10;&#10;AI-generated content may be incorrect.">
+            <a:extLst>
+              <a:ext uri="{FF2B5EF4-FFF2-40B4-BE49-F238E27FC236}">
+                <a16:creationId xmlns:a16="http://schemas.microsoft.com/office/drawing/2014/main" id="{C5945021-DA27-E6E7-4078-598B7B83A45D}"/>
+              </a:ext>
+            </a:extLst>
+          </p:cNvPr>
+          <p:cNvPicPr>
+            <a:picLocks noGrp="1" noChangeAspect="1"/>
+          </p:cNvPicPr>
           <p:nvPr>
             <p:ph idx="1"/>
           </p:nvPr>
-        </p:nvSpPr>
-        <p:spPr>
-          <a:xfrm>
-            <a:off x="838199" y="1413031"/>
-            <a:ext cx="10596715" cy="4906652"/>
+        </p:nvPicPr>
+        <p:blipFill>
+          <a:blip r:embed="rId2">
+            <a:extLst>
+              <a:ext uri="{28A0092B-C50C-407E-A947-70E740481C1C}">
+                <a14:useLocalDpi xmlns:a14="http://schemas.microsoft.com/office/drawing/2010/main" val="0"/>
+              </a:ext>
+            </a:extLst>
+          </a:blip>
+          <a:stretch>
+            <a:fillRect/>
+          </a:stretch>
+        </p:blipFill>
+        <p:spPr>
+          <a:xfrm>
+            <a:off x="1006867" y="3621288"/>
+            <a:ext cx="7819867" cy="2002649"/>
           </a:xfrm>
           <a:solidFill>
             <a:srgbClr val="FAF0E6"/>
           </a:solidFill>
         </p:spPr>
-        <p:txBody>
-          <a:bodyPr>
-            <a:normAutofit/>
+      </p:pic>
+      <p:sp>
+        <p:nvSpPr>
+          <p:cNvPr id="6" name="TextBox 5">
+            <a:extLst>
+              <a:ext uri="{FF2B5EF4-FFF2-40B4-BE49-F238E27FC236}">
+                <a16:creationId xmlns:a16="http://schemas.microsoft.com/office/drawing/2014/main" id="{770FE6C9-06DD-BD42-AAA1-C250315A7DD0}"/>
+              </a:ext>
+            </a:extLst>
+          </p:cNvPr>
+          <p:cNvSpPr txBox="1"/>
+          <p:nvPr/>
+        </p:nvSpPr>
+        <p:spPr>
+          <a:xfrm>
+            <a:off x="1006867" y="2853273"/>
+            <a:ext cx="6185043" cy="646331"/>
+          </a:xfrm>
+          <a:prstGeom prst="rect">
+            <a:avLst/>
+          </a:prstGeom>
+          <a:noFill/>
+        </p:spPr>
+        <p:txBody>
+          <a:bodyPr wrap="square" rtlCol="0">
+            <a:spAutoFit/>
           </a:bodyPr>
           <a:lstStyle/>
           <a:p>
-            <a:pPr marL="0" indent="0">
-              <a:buNone/>
-            </a:pPr>
-            <a:r>
-              <a:rPr lang="en-GB" dirty="0"/>
-              <a:t>…</a:t>
+            <a:r>
+              <a:rPr lang="en-GB" sz="3600" dirty="0"/>
+              <a:t>Anthropic</a:t>
+            </a:r>
+          </a:p>
+        </p:txBody>
+      </p:sp>
+      <p:sp>
+        <p:nvSpPr>
+          <p:cNvPr id="7" name="TextBox 6">
+            <a:extLst>
+              <a:ext uri="{FF2B5EF4-FFF2-40B4-BE49-F238E27FC236}">
+                <a16:creationId xmlns:a16="http://schemas.microsoft.com/office/drawing/2014/main" id="{10574A54-4BBE-E586-ECF8-9E088A1BAD42}"/>
+              </a:ext>
+            </a:extLst>
+          </p:cNvPr>
+          <p:cNvSpPr txBox="1"/>
+          <p:nvPr/>
+        </p:nvSpPr>
+        <p:spPr>
+          <a:xfrm>
+            <a:off x="1006866" y="1923040"/>
+            <a:ext cx="10428047" cy="584775"/>
+          </a:xfrm>
+          <a:prstGeom prst="rect">
+            <a:avLst/>
+          </a:prstGeom>
+          <a:noFill/>
+        </p:spPr>
+        <p:txBody>
+          <a:bodyPr wrap="square" rtlCol="0">
+            <a:spAutoFit/>
+          </a:bodyPr>
+          <a:lstStyle/>
+          <a:p>
+            <a:r>
+              <a:rPr lang="en-GB" sz="3200" dirty="0"/>
+              <a:t>Many definitions and people opt for ‘Agentic Apps’</a:t>
             </a:r>
           </a:p>
         </p:txBody>
@@ -5405,7 +6640,7 @@
         </p:nvSpPr>
         <p:spPr>
           <a:xfrm>
-            <a:off x="838199" y="1413031"/>
+            <a:off x="919314" y="1413031"/>
             <a:ext cx="10596715" cy="4906652"/>
           </a:xfrm>
           <a:solidFill>
@@ -5418,12 +6653,52 @@
           </a:bodyPr>
           <a:lstStyle/>
           <a:p>
-            <a:pPr marL="0" indent="0">
-              <a:buNone/>
+            <a:pPr>
+              <a:lnSpc>
+                <a:spcPts val="4500"/>
+              </a:lnSpc>
             </a:pPr>
             <a:r>
               <a:rPr lang="en-GB" dirty="0"/>
-              <a:t>…</a:t>
+              <a:t>Prompt Engineering is going out of fashion and people opt for </a:t>
+            </a:r>
+            <a:r>
+              <a:rPr lang="en-GB" i="1" dirty="0"/>
+              <a:t>Context Engineering </a:t>
+            </a:r>
+            <a:r>
+              <a:rPr lang="en-GB" dirty="0"/>
+              <a:t>and </a:t>
+            </a:r>
+            <a:r>
+              <a:rPr lang="en-GB" i="1" dirty="0"/>
+              <a:t>In Context Learning</a:t>
+            </a:r>
+            <a:r>
+              <a:rPr lang="en-GB" dirty="0"/>
+              <a:t>.</a:t>
+            </a:r>
+          </a:p>
+          <a:p>
+            <a:pPr>
+              <a:lnSpc>
+                <a:spcPts val="4500"/>
+              </a:lnSpc>
+            </a:pPr>
+            <a:r>
+              <a:rPr lang="en-GB" dirty="0"/>
+              <a:t>We create a set of instructions and add additional information to a request we send to the LLM.</a:t>
+            </a:r>
+          </a:p>
+          <a:p>
+            <a:pPr>
+              <a:lnSpc>
+                <a:spcPts val="4500"/>
+              </a:lnSpc>
+            </a:pPr>
+            <a:r>
+              <a:rPr lang="en-GB" dirty="0"/>
+              <a:t>Just one API – our programming code is on our side and in Natural Language.</a:t>
             </a:r>
           </a:p>
         </p:txBody>
@@ -5457,7 +6732,7 @@
         <p:cNvPr id="1" name="">
           <a:extLst>
             <a:ext uri="{FF2B5EF4-FFF2-40B4-BE49-F238E27FC236}">
-              <a16:creationId xmlns:a16="http://schemas.microsoft.com/office/drawing/2014/main" id="{521A3AD7-012D-83EA-2CB2-072646D14143}"/>
+              <a16:creationId xmlns:a16="http://schemas.microsoft.com/office/drawing/2014/main" id="{DB223AA4-507E-D8B3-7DEB-D9083974AB61}"/>
             </a:ext>
           </a:extLst>
         </p:cNvPr>
@@ -5477,7 +6752,7 @@
           <p:cNvPr id="2" name="Title 1">
             <a:extLst>
               <a:ext uri="{FF2B5EF4-FFF2-40B4-BE49-F238E27FC236}">
-                <a16:creationId xmlns:a16="http://schemas.microsoft.com/office/drawing/2014/main" id="{B7BF49D9-BE82-BB4F-0187-B6AD05A1195C}"/>
+                <a16:creationId xmlns:a16="http://schemas.microsoft.com/office/drawing/2014/main" id="{CA99CC66-10D3-E183-1C5E-7DBAE8756398}"/>
               </a:ext>
             </a:extLst>
           </p:cNvPr>
@@ -5504,48 +6779,205 @@
                   <a:srgbClr val="676767"/>
                 </a:solidFill>
               </a:rPr>
-              <a:t>What is Tool/Function calling?</a:t>
-            </a:r>
-          </a:p>
-        </p:txBody>
-      </p:sp>
-      <p:sp>
-        <p:nvSpPr>
-          <p:cNvPr id="3" name="Content Placeholder 2">
-            <a:extLst>
-              <a:ext uri="{FF2B5EF4-FFF2-40B4-BE49-F238E27FC236}">
-                <a16:creationId xmlns:a16="http://schemas.microsoft.com/office/drawing/2014/main" id="{D4761442-8ED6-7227-DC19-D4B84CE7FD26}"/>
-              </a:ext>
-            </a:extLst>
-          </p:cNvPr>
-          <p:cNvSpPr>
-            <a:spLocks noGrp="1"/>
-          </p:cNvSpPr>
-          <p:nvPr>
-            <p:ph idx="1"/>
-          </p:nvPr>
-        </p:nvSpPr>
-        <p:spPr>
-          <a:xfrm>
-            <a:off x="838199" y="1413031"/>
-            <a:ext cx="10596715" cy="4906652"/>
-          </a:xfrm>
+              <a:t>Raw code implementation of an Agent</a:t>
+            </a:r>
+          </a:p>
+        </p:txBody>
+      </p:sp>
+      <p:pic>
+        <p:nvPicPr>
+          <p:cNvPr id="5" name="Picture 4" descr="A black computer mouse on a white background&#10;&#10;AI-generated content may be incorrect.">
+            <a:extLst>
+              <a:ext uri="{FF2B5EF4-FFF2-40B4-BE49-F238E27FC236}">
+                <a16:creationId xmlns:a16="http://schemas.microsoft.com/office/drawing/2014/main" id="{4C2BFCCB-3F23-3098-3C1E-2D76213CD97C}"/>
+              </a:ext>
+            </a:extLst>
+          </p:cNvPr>
+          <p:cNvPicPr>
+            <a:picLocks noChangeAspect="1"/>
+          </p:cNvPicPr>
+          <p:nvPr/>
+        </p:nvPicPr>
+        <p:blipFill>
+          <a:blip r:embed="rId2">
+            <a:extLst>
+              <a:ext uri="{28A0092B-C50C-407E-A947-70E740481C1C}">
+                <a14:useLocalDpi xmlns:a14="http://schemas.microsoft.com/office/drawing/2010/main" val="0"/>
+              </a:ext>
+            </a:extLst>
+          </a:blip>
+          <a:stretch>
+            <a:fillRect/>
+          </a:stretch>
+        </p:blipFill>
+        <p:spPr>
+          <a:xfrm rot="10800000">
+            <a:off x="8057775" y="1847529"/>
+            <a:ext cx="2466975" cy="1847850"/>
+          </a:xfrm>
+          <a:prstGeom prst="rect">
+            <a:avLst/>
+          </a:prstGeom>
+        </p:spPr>
+      </p:pic>
+      <p:pic>
+        <p:nvPicPr>
+          <p:cNvPr id="7" name="Picture 6" descr="A black computer mouse on a white background&#10;&#10;AI-generated content may be incorrect.">
+            <a:extLst>
+              <a:ext uri="{FF2B5EF4-FFF2-40B4-BE49-F238E27FC236}">
+                <a16:creationId xmlns:a16="http://schemas.microsoft.com/office/drawing/2014/main" id="{BDAFD253-325D-AA4F-E8B1-F2175AD4ED24}"/>
+              </a:ext>
+            </a:extLst>
+          </p:cNvPr>
+          <p:cNvPicPr>
+            <a:picLocks noChangeAspect="1"/>
+          </p:cNvPicPr>
+          <p:nvPr/>
+        </p:nvPicPr>
+        <p:blipFill>
+          <a:blip r:embed="rId3">
+            <a:extLst>
+              <a:ext uri="{28A0092B-C50C-407E-A947-70E740481C1C}">
+                <a14:useLocalDpi xmlns:a14="http://schemas.microsoft.com/office/drawing/2010/main" val="0"/>
+              </a:ext>
+            </a:extLst>
+          </a:blip>
+          <a:stretch>
+            <a:fillRect/>
+          </a:stretch>
+        </p:blipFill>
+        <p:spPr>
+          <a:xfrm>
+            <a:off x="1108332" y="1847530"/>
+            <a:ext cx="2466975" cy="1847850"/>
+          </a:xfrm>
+          <a:prstGeom prst="rect">
+            <a:avLst/>
+          </a:prstGeom>
+        </p:spPr>
+      </p:pic>
+      <p:sp>
+        <p:nvSpPr>
+          <p:cNvPr id="8" name="TextBox 7">
+            <a:extLst>
+              <a:ext uri="{FF2B5EF4-FFF2-40B4-BE49-F238E27FC236}">
+                <a16:creationId xmlns:a16="http://schemas.microsoft.com/office/drawing/2014/main" id="{C85A72E3-B4A4-739E-FAF5-D9B5DFCEC120}"/>
+              </a:ext>
+            </a:extLst>
+          </p:cNvPr>
+          <p:cNvSpPr txBox="1"/>
+          <p:nvPr/>
+        </p:nvSpPr>
+        <p:spPr>
+          <a:xfrm>
+            <a:off x="750014" y="4099388"/>
+            <a:ext cx="11065267" cy="523220"/>
+          </a:xfrm>
+          <a:prstGeom prst="rect">
+            <a:avLst/>
+          </a:prstGeom>
+          <a:noFill/>
+        </p:spPr>
+        <p:txBody>
+          <a:bodyPr wrap="square" rtlCol="0">
+            <a:spAutoFit/>
+          </a:bodyPr>
+          <a:lstStyle/>
+          <a:p>
+            <a:r>
+              <a:rPr lang="en-GB" sz="2800" dirty="0"/>
+              <a:t>No more difficult than what we do currently – just 180 degrees different</a:t>
+            </a:r>
+          </a:p>
+        </p:txBody>
+      </p:sp>
+      <p:sp>
+        <p:nvSpPr>
+          <p:cNvPr id="9" name="Arrow: Curved Down 8">
+            <a:extLst>
+              <a:ext uri="{FF2B5EF4-FFF2-40B4-BE49-F238E27FC236}">
+                <a16:creationId xmlns:a16="http://schemas.microsoft.com/office/drawing/2014/main" id="{53323BF1-393A-213D-B6C3-D6FAA296990D}"/>
+              </a:ext>
+            </a:extLst>
+          </p:cNvPr>
+          <p:cNvSpPr/>
+          <p:nvPr/>
+        </p:nvSpPr>
+        <p:spPr>
+          <a:xfrm>
+            <a:off x="4224046" y="1899809"/>
+            <a:ext cx="3184989" cy="1743290"/>
+          </a:xfrm>
+          <a:prstGeom prst="curvedDownArrow">
+            <a:avLst/>
+          </a:prstGeom>
           <a:solidFill>
-            <a:srgbClr val="FAF0E6"/>
+            <a:schemeClr val="accent2">
+              <a:lumMod val="75000"/>
+            </a:schemeClr>
           </a:solidFill>
         </p:spPr>
-        <p:txBody>
-          <a:bodyPr>
-            <a:normAutofit/>
+        <p:style>
+          <a:lnRef idx="2">
+            <a:schemeClr val="accent1">
+              <a:shade val="15000"/>
+            </a:schemeClr>
+          </a:lnRef>
+          <a:fillRef idx="1">
+            <a:schemeClr val="accent1"/>
+          </a:fillRef>
+          <a:effectRef idx="0">
+            <a:schemeClr val="accent1"/>
+          </a:effectRef>
+          <a:fontRef idx="minor">
+            <a:schemeClr val="lt1"/>
+          </a:fontRef>
+        </p:style>
+        <p:txBody>
+          <a:bodyPr rtlCol="0" anchor="ctr"/>
+          <a:lstStyle/>
+          <a:p>
+            <a:pPr algn="ctr"/>
+            <a:endParaRPr lang="en-GB">
+              <a:solidFill>
+                <a:schemeClr val="tx1"/>
+              </a:solidFill>
+            </a:endParaRPr>
+          </a:p>
+        </p:txBody>
+      </p:sp>
+      <p:sp>
+        <p:nvSpPr>
+          <p:cNvPr id="10" name="TextBox 9">
+            <a:extLst>
+              <a:ext uri="{FF2B5EF4-FFF2-40B4-BE49-F238E27FC236}">
+                <a16:creationId xmlns:a16="http://schemas.microsoft.com/office/drawing/2014/main" id="{A85AE486-5F44-81B6-3E5C-D762ABEA4AC2}"/>
+              </a:ext>
+            </a:extLst>
+          </p:cNvPr>
+          <p:cNvSpPr txBox="1"/>
+          <p:nvPr/>
+        </p:nvSpPr>
+        <p:spPr>
+          <a:xfrm>
+            <a:off x="750014" y="5078897"/>
+            <a:ext cx="11065267" cy="523220"/>
+          </a:xfrm>
+          <a:prstGeom prst="rect">
+            <a:avLst/>
+          </a:prstGeom>
+          <a:noFill/>
+        </p:spPr>
+        <p:txBody>
+          <a:bodyPr wrap="square" rtlCol="0">
+            <a:spAutoFit/>
           </a:bodyPr>
           <a:lstStyle/>
           <a:p>
-            <a:pPr marL="0" indent="0">
-              <a:buNone/>
-            </a:pPr>
-            <a:r>
-              <a:rPr lang="en-GB" dirty="0"/>
-              <a:t>…</a:t>
+            <a:pPr algn="ctr"/>
+            <a:r>
+              <a:rPr lang="en-GB" sz="2800" dirty="0"/>
+              <a:t>“It doesn’t get any easier – just different” - Anon </a:t>
             </a:r>
           </a:p>
         </p:txBody>
@@ -5553,7 +6985,7 @@
     </p:spTree>
     <p:extLst>
       <p:ext uri="{BB962C8B-B14F-4D97-AF65-F5344CB8AC3E}">
-        <p14:creationId xmlns:p14="http://schemas.microsoft.com/office/powerpoint/2010/main" val="1744274083"/>
+        <p14:creationId xmlns:p14="http://schemas.microsoft.com/office/powerpoint/2010/main" val="3122446014"/>
       </p:ext>
     </p:extLst>
   </p:cSld>
@@ -5579,7 +7011,7 @@
         <p:cNvPr id="1" name="">
           <a:extLst>
             <a:ext uri="{FF2B5EF4-FFF2-40B4-BE49-F238E27FC236}">
-              <a16:creationId xmlns:a16="http://schemas.microsoft.com/office/drawing/2014/main" id="{37A951BD-BBFB-2FFF-6008-EF1837E9CE09}"/>
+              <a16:creationId xmlns:a16="http://schemas.microsoft.com/office/drawing/2014/main" id="{1EABF0B7-F482-2446-C127-C90E4C449EEB}"/>
             </a:ext>
           </a:extLst>
         </p:cNvPr>
@@ -5599,7 +7031,7 @@
           <p:cNvPr id="2" name="Title 1">
             <a:extLst>
               <a:ext uri="{FF2B5EF4-FFF2-40B4-BE49-F238E27FC236}">
-                <a16:creationId xmlns:a16="http://schemas.microsoft.com/office/drawing/2014/main" id="{0718EBA6-7FBD-0694-7DE0-BE40A1E82514}"/>
+                <a16:creationId xmlns:a16="http://schemas.microsoft.com/office/drawing/2014/main" id="{49B83DC5-BF67-7FA4-0059-A3065D06F6AE}"/>
               </a:ext>
             </a:extLst>
           </p:cNvPr>
@@ -5626,52 +7058,99 @@
                   <a:srgbClr val="676767"/>
                 </a:solidFill>
               </a:rPr>
-              <a:t>Agentic Patterns (1)</a:t>
-            </a:r>
-          </a:p>
-        </p:txBody>
-      </p:sp>
-      <p:pic>
-        <p:nvPicPr>
-          <p:cNvPr id="7" name="Content Placeholder 6">
-            <a:extLst>
-              <a:ext uri="{FF2B5EF4-FFF2-40B4-BE49-F238E27FC236}">
-                <a16:creationId xmlns:a16="http://schemas.microsoft.com/office/drawing/2014/main" id="{B5BD89EA-0176-8874-8FF5-C7CBDB546953}"/>
-              </a:ext>
-            </a:extLst>
-          </p:cNvPr>
-          <p:cNvPicPr>
-            <a:picLocks noGrp="1" noChangeAspect="1"/>
-          </p:cNvPicPr>
+              <a:t>Raw code implementation of an Agent</a:t>
+            </a:r>
+          </a:p>
+        </p:txBody>
+      </p:sp>
+      <p:sp>
+        <p:nvSpPr>
+          <p:cNvPr id="4" name="Content Placeholder 3">
+            <a:extLst>
+              <a:ext uri="{FF2B5EF4-FFF2-40B4-BE49-F238E27FC236}">
+                <a16:creationId xmlns:a16="http://schemas.microsoft.com/office/drawing/2014/main" id="{DF30FB64-851F-A3BD-15E6-081CA2032010}"/>
+              </a:ext>
+            </a:extLst>
+          </p:cNvPr>
+          <p:cNvSpPr>
+            <a:spLocks noGrp="1"/>
+          </p:cNvSpPr>
           <p:nvPr>
             <p:ph idx="1"/>
           </p:nvPr>
-        </p:nvPicPr>
-        <p:blipFill>
-          <a:blip r:embed="rId2">
-            <a:extLst>
-              <a:ext uri="{28A0092B-C50C-407E-A947-70E740481C1C}">
-                <a14:useLocalDpi xmlns:a14="http://schemas.microsoft.com/office/drawing/2010/main" val="0"/>
-              </a:ext>
-            </a:extLst>
-          </a:blip>
-          <a:srcRect/>
-          <a:stretch/>
-        </p:blipFill>
-        <p:spPr>
-          <a:xfrm>
-            <a:off x="1973475" y="1427616"/>
-            <a:ext cx="8326012" cy="4877481"/>
-          </a:xfrm>
-          <a:solidFill>
-            <a:srgbClr val="FAF0E6"/>
-          </a:solidFill>
-        </p:spPr>
-      </p:pic>
+        </p:nvSpPr>
+        <p:spPr>
+          <a:xfrm>
+            <a:off x="919314" y="1599593"/>
+            <a:ext cx="10515600" cy="4351338"/>
+          </a:xfrm>
+        </p:spPr>
+        <p:txBody>
+          <a:bodyPr>
+            <a:normAutofit/>
+          </a:bodyPr>
+          <a:lstStyle/>
+          <a:p>
+            <a:r>
+              <a:rPr lang="en-GB" dirty="0"/>
+              <a:t>Post a set of instructions and additional information (context) to an API</a:t>
+            </a:r>
+          </a:p>
+          <a:p>
+            <a:r>
+              <a:rPr lang="en-GB" dirty="0"/>
+              <a:t>Single API</a:t>
+            </a:r>
+          </a:p>
+          <a:p>
+            <a:r>
+              <a:rPr lang="en-GB" dirty="0"/>
+              <a:t>We send instructions in Natural Language</a:t>
+            </a:r>
+          </a:p>
+          <a:p>
+            <a:r>
+              <a:rPr lang="en-GB" dirty="0"/>
+              <a:t>There is not official way to write instructions but clear, complete and with examples are key as we would give to an ‘intern’</a:t>
+            </a:r>
+          </a:p>
+          <a:p>
+            <a:r>
+              <a:rPr lang="en-GB" dirty="0"/>
+              <a:t>Pro-tip: save understanding to offline</a:t>
+            </a:r>
+          </a:p>
+          <a:p>
+            <a:r>
+              <a:rPr lang="en-GB" sz="3800" dirty="0"/>
+              <a:t>Let’s look at </a:t>
+            </a:r>
+            <a:r>
+              <a:rPr lang="en-GB" sz="3800" dirty="0">
+                <a:highlight>
+                  <a:srgbClr val="C0C0C0"/>
+                </a:highlight>
+                <a:latin typeface="Consolas" panose="020B0609020204030204" pitchFamily="49" charset="0"/>
+              </a:rPr>
+              <a:t>01_demo_api.ipynb</a:t>
+            </a:r>
+            <a:r>
+              <a:rPr lang="en-GB" sz="3800" dirty="0"/>
+              <a:t> in the repo…</a:t>
+            </a:r>
+          </a:p>
+          <a:p>
+            <a:endParaRPr lang="en-GB" dirty="0"/>
+          </a:p>
+          <a:p>
+            <a:endParaRPr lang="en-GB" dirty="0"/>
+          </a:p>
+        </p:txBody>
+      </p:sp>
     </p:spTree>
     <p:extLst>
       <p:ext uri="{BB962C8B-B14F-4D97-AF65-F5344CB8AC3E}">
-        <p14:creationId xmlns:p14="http://schemas.microsoft.com/office/powerpoint/2010/main" val="3658313044"/>
+        <p14:creationId xmlns:p14="http://schemas.microsoft.com/office/powerpoint/2010/main" val="3845626983"/>
       </p:ext>
     </p:extLst>
   </p:cSld>

--- a/AI_Agents_in_the_Data_Pipeline.pptx
+++ b/AI_Agents_in_the_Data_Pipeline.pptx
@@ -17,13 +17,14 @@
     <p:sldId id="265" r:id="rId11"/>
     <p:sldId id="276" r:id="rId12"/>
     <p:sldId id="267" r:id="rId13"/>
-    <p:sldId id="271" r:id="rId14"/>
-    <p:sldId id="272" r:id="rId15"/>
-    <p:sldId id="266" r:id="rId16"/>
-    <p:sldId id="277" r:id="rId17"/>
-    <p:sldId id="268" r:id="rId18"/>
-    <p:sldId id="278" r:id="rId19"/>
-    <p:sldId id="270" r:id="rId20"/>
+    <p:sldId id="279" r:id="rId14"/>
+    <p:sldId id="271" r:id="rId15"/>
+    <p:sldId id="272" r:id="rId16"/>
+    <p:sldId id="266" r:id="rId17"/>
+    <p:sldId id="277" r:id="rId18"/>
+    <p:sldId id="268" r:id="rId19"/>
+    <p:sldId id="278" r:id="rId20"/>
+    <p:sldId id="270" r:id="rId21"/>
   </p:sldIdLst>
   <p:sldSz cx="12192000" cy="6858000"/>
   <p:notesSz cx="6858000" cy="9144000"/>
@@ -4127,6 +4128,167 @@
         <p:cNvPr id="1" name="">
           <a:extLst>
             <a:ext uri="{FF2B5EF4-FFF2-40B4-BE49-F238E27FC236}">
+              <a16:creationId xmlns:a16="http://schemas.microsoft.com/office/drawing/2014/main" id="{C76F8CBC-7BA2-7523-FFA8-80E5C3BF6E51}"/>
+            </a:ext>
+          </a:extLst>
+        </p:cNvPr>
+        <p:cNvGrpSpPr/>
+        <p:nvPr/>
+      </p:nvGrpSpPr>
+      <p:grpSpPr>
+        <a:xfrm>
+          <a:off x="0" y="0"/>
+          <a:ext cx="0" cy="0"/>
+          <a:chOff x="0" y="0"/>
+          <a:chExt cx="0" cy="0"/>
+        </a:xfrm>
+      </p:grpSpPr>
+      <p:sp>
+        <p:nvSpPr>
+          <p:cNvPr id="2" name="Title 1">
+            <a:extLst>
+              <a:ext uri="{FF2B5EF4-FFF2-40B4-BE49-F238E27FC236}">
+                <a16:creationId xmlns:a16="http://schemas.microsoft.com/office/drawing/2014/main" id="{5CF4CE1D-7D12-57D7-A5B7-3FE552865DF4}"/>
+              </a:ext>
+            </a:extLst>
+          </p:cNvPr>
+          <p:cNvSpPr>
+            <a:spLocks noGrp="1"/>
+          </p:cNvSpPr>
+          <p:nvPr>
+            <p:ph type="title"/>
+          </p:nvPr>
+        </p:nvSpPr>
+        <p:spPr>
+          <a:xfrm>
+            <a:off x="919314" y="190464"/>
+            <a:ext cx="10515600" cy="1325563"/>
+          </a:xfrm>
+        </p:spPr>
+        <p:txBody>
+          <a:bodyPr/>
+          <a:lstStyle/>
+          <a:p>
+            <a:r>
+              <a:rPr lang="en-GB" dirty="0">
+                <a:solidFill>
+                  <a:srgbClr val="676767"/>
+                </a:solidFill>
+              </a:rPr>
+              <a:t>What is the Model Context Protocol (MCP)?</a:t>
+            </a:r>
+          </a:p>
+        </p:txBody>
+      </p:sp>
+      <p:pic>
+        <p:nvPicPr>
+          <p:cNvPr id="5" name="Content Placeholder 4" descr="A screen shot of a computer&#10;&#10;AI-generated content may be incorrect.">
+            <a:hlinkClick r:id="rId2"/>
+            <a:extLst>
+              <a:ext uri="{FF2B5EF4-FFF2-40B4-BE49-F238E27FC236}">
+                <a16:creationId xmlns:a16="http://schemas.microsoft.com/office/drawing/2014/main" id="{2DE882C9-519D-BBB5-68FE-B5255690F3C7}"/>
+              </a:ext>
+            </a:extLst>
+          </p:cNvPr>
+          <p:cNvPicPr>
+            <a:picLocks noGrp="1" noChangeAspect="1"/>
+          </p:cNvPicPr>
+          <p:nvPr>
+            <p:ph idx="1"/>
+          </p:nvPr>
+        </p:nvPicPr>
+        <p:blipFill>
+          <a:blip r:embed="rId3">
+            <a:extLst>
+              <a:ext uri="{28A0092B-C50C-407E-A947-70E740481C1C}">
+                <a14:useLocalDpi xmlns:a14="http://schemas.microsoft.com/office/drawing/2010/main" val="0"/>
+              </a:ext>
+            </a:extLst>
+          </a:blip>
+          <a:stretch>
+            <a:fillRect/>
+          </a:stretch>
+        </p:blipFill>
+        <p:spPr>
+          <a:xfrm>
+            <a:off x="1387953" y="1250062"/>
+            <a:ext cx="9416091" cy="4575217"/>
+          </a:xfrm>
+          <a:solidFill>
+            <a:srgbClr val="FAF0E6"/>
+          </a:solidFill>
+        </p:spPr>
+      </p:pic>
+      <p:sp>
+        <p:nvSpPr>
+          <p:cNvPr id="6" name="TextBox 5">
+            <a:extLst>
+              <a:ext uri="{FF2B5EF4-FFF2-40B4-BE49-F238E27FC236}">
+                <a16:creationId xmlns:a16="http://schemas.microsoft.com/office/drawing/2014/main" id="{B27020CA-A612-8D52-607E-CEECD3753A24}"/>
+              </a:ext>
+            </a:extLst>
+          </p:cNvPr>
+          <p:cNvSpPr txBox="1"/>
+          <p:nvPr/>
+        </p:nvSpPr>
+        <p:spPr>
+          <a:xfrm>
+            <a:off x="1387952" y="5936143"/>
+            <a:ext cx="9416091" cy="800219"/>
+          </a:xfrm>
+          <a:prstGeom prst="rect">
+            <a:avLst/>
+          </a:prstGeom>
+          <a:noFill/>
+        </p:spPr>
+        <p:txBody>
+          <a:bodyPr wrap="square" rtlCol="0">
+            <a:spAutoFit/>
+          </a:bodyPr>
+          <a:lstStyle/>
+          <a:p>
+            <a:r>
+              <a:rPr lang="en-GB" sz="2800" dirty="0">
+                <a:hlinkClick r:id="rId2"/>
+              </a:rPr>
+              <a:t>https://mcpservers.org/servers/modelcontextprotocol/fetch</a:t>
+            </a:r>
+            <a:endParaRPr lang="en-GB" sz="2800" dirty="0"/>
+          </a:p>
+          <a:p>
+            <a:endParaRPr lang="en-GB" dirty="0"/>
+          </a:p>
+        </p:txBody>
+      </p:sp>
+    </p:spTree>
+    <p:extLst>
+      <p:ext uri="{BB962C8B-B14F-4D97-AF65-F5344CB8AC3E}">
+        <p14:creationId xmlns:p14="http://schemas.microsoft.com/office/powerpoint/2010/main" val="3080813292"/>
+      </p:ext>
+    </p:extLst>
+  </p:cSld>
+  <p:clrMapOvr>
+    <a:masterClrMapping/>
+  </p:clrMapOvr>
+</p:sld>
+</file>
+
+<file path=ppt/slides/slide14.xml><?xml version="1.0" encoding="utf-8"?>
+<p:sld xmlns:a="http://schemas.openxmlformats.org/drawingml/2006/main" xmlns:r="http://schemas.openxmlformats.org/officeDocument/2006/relationships" xmlns:p="http://schemas.openxmlformats.org/presentationml/2006/main">
+  <p:cSld>
+    <p:bg>
+      <p:bgPr>
+        <a:solidFill>
+          <a:srgbClr val="FAF0E6"/>
+        </a:solidFill>
+        <a:effectLst/>
+      </p:bgPr>
+    </p:bg>
+    <p:spTree>
+      <p:nvGrpSpPr>
+        <p:cNvPr id="1" name="">
+          <a:extLst>
+            <a:ext uri="{FF2B5EF4-FFF2-40B4-BE49-F238E27FC236}">
               <a16:creationId xmlns:a16="http://schemas.microsoft.com/office/drawing/2014/main" id="{37A951BD-BBFB-2FFF-6008-EF1837E9CE09}"/>
             </a:ext>
           </a:extLst>
@@ -4269,7 +4431,7 @@
 </p:sld>
 </file>
 
-<file path=ppt/slides/slide14.xml><?xml version="1.0" encoding="utf-8"?>
+<file path=ppt/slides/slide15.xml><?xml version="1.0" encoding="utf-8"?>
 <p:sld xmlns:a="http://schemas.openxmlformats.org/drawingml/2006/main" xmlns:r="http://schemas.openxmlformats.org/officeDocument/2006/relationships" xmlns:p="http://schemas.openxmlformats.org/presentationml/2006/main">
   <p:cSld>
     <p:bg>
@@ -4456,7 +4618,7 @@
 </p:sld>
 </file>
 
-<file path=ppt/slides/slide15.xml><?xml version="1.0" encoding="utf-8"?>
+<file path=ppt/slides/slide16.xml><?xml version="1.0" encoding="utf-8"?>
 <p:sld xmlns:a="http://schemas.openxmlformats.org/drawingml/2006/main" xmlns:r="http://schemas.openxmlformats.org/officeDocument/2006/relationships" xmlns:p="http://schemas.openxmlformats.org/presentationml/2006/main">
   <p:cSld>
     <p:bg>
@@ -4575,7 +4737,7 @@
 </p:sld>
 </file>
 
-<file path=ppt/slides/slide16.xml><?xml version="1.0" encoding="utf-8"?>
+<file path=ppt/slides/slide17.xml><?xml version="1.0" encoding="utf-8"?>
 <p:sld xmlns:a="http://schemas.openxmlformats.org/drawingml/2006/main" xmlns:r="http://schemas.openxmlformats.org/officeDocument/2006/relationships" xmlns:p="http://schemas.openxmlformats.org/presentationml/2006/main">
   <p:cSld>
     <p:bg>
@@ -4733,7 +4895,7 @@
 </p:sld>
 </file>
 
-<file path=ppt/slides/slide17.xml><?xml version="1.0" encoding="utf-8"?>
+<file path=ppt/slides/slide18.xml><?xml version="1.0" encoding="utf-8"?>
 <p:sld xmlns:a="http://schemas.openxmlformats.org/drawingml/2006/main" xmlns:r="http://schemas.openxmlformats.org/officeDocument/2006/relationships" xmlns:p="http://schemas.openxmlformats.org/presentationml/2006/main">
   <p:cSld>
     <p:bg>
@@ -4872,7 +5034,7 @@
 </p:sld>
 </file>
 
-<file path=ppt/slides/slide18.xml><?xml version="1.0" encoding="utf-8"?>
+<file path=ppt/slides/slide19.xml><?xml version="1.0" encoding="utf-8"?>
 <p:sld xmlns:a="http://schemas.openxmlformats.org/drawingml/2006/main" xmlns:r="http://schemas.openxmlformats.org/officeDocument/2006/relationships" xmlns:p="http://schemas.openxmlformats.org/presentationml/2006/main">
   <p:cSld>
     <p:bg>
@@ -5131,254 +5293,6 @@
     <p:extLst>
       <p:ext uri="{BB962C8B-B14F-4D97-AF65-F5344CB8AC3E}">
         <p14:creationId xmlns:p14="http://schemas.microsoft.com/office/powerpoint/2010/main" val="3282389886"/>
-      </p:ext>
-    </p:extLst>
-  </p:cSld>
-  <p:clrMapOvr>
-    <a:masterClrMapping/>
-  </p:clrMapOvr>
-</p:sld>
-</file>
-
-<file path=ppt/slides/slide19.xml><?xml version="1.0" encoding="utf-8"?>
-<p:sld xmlns:a="http://schemas.openxmlformats.org/drawingml/2006/main" xmlns:r="http://schemas.openxmlformats.org/officeDocument/2006/relationships" xmlns:p="http://schemas.openxmlformats.org/presentationml/2006/main">
-  <p:cSld>
-    <p:bg>
-      <p:bgPr>
-        <a:solidFill>
-          <a:srgbClr val="FAF0E6"/>
-        </a:solidFill>
-        <a:effectLst/>
-      </p:bgPr>
-    </p:bg>
-    <p:spTree>
-      <p:nvGrpSpPr>
-        <p:cNvPr id="1" name="">
-          <a:extLst>
-            <a:ext uri="{FF2B5EF4-FFF2-40B4-BE49-F238E27FC236}">
-              <a16:creationId xmlns:a16="http://schemas.microsoft.com/office/drawing/2014/main" id="{B12C2438-6F39-1E74-B87F-C7E70AB4DA97}"/>
-            </a:ext>
-          </a:extLst>
-        </p:cNvPr>
-        <p:cNvGrpSpPr/>
-        <p:nvPr/>
-      </p:nvGrpSpPr>
-      <p:grpSpPr>
-        <a:xfrm>
-          <a:off x="0" y="0"/>
-          <a:ext cx="0" cy="0"/>
-          <a:chOff x="0" y="0"/>
-          <a:chExt cx="0" cy="0"/>
-        </a:xfrm>
-      </p:grpSpPr>
-      <p:sp>
-        <p:nvSpPr>
-          <p:cNvPr id="2" name="Title 1">
-            <a:extLst>
-              <a:ext uri="{FF2B5EF4-FFF2-40B4-BE49-F238E27FC236}">
-                <a16:creationId xmlns:a16="http://schemas.microsoft.com/office/drawing/2014/main" id="{9AE93777-B841-1FE9-B5E3-7E294CD7B927}"/>
-              </a:ext>
-            </a:extLst>
-          </p:cNvPr>
-          <p:cNvSpPr>
-            <a:spLocks noGrp="1"/>
-          </p:cNvSpPr>
-          <p:nvPr>
-            <p:ph type="title"/>
-          </p:nvPr>
-        </p:nvSpPr>
-        <p:spPr>
-          <a:xfrm>
-            <a:off x="919314" y="190464"/>
-            <a:ext cx="10515600" cy="1325563"/>
-          </a:xfrm>
-        </p:spPr>
-        <p:txBody>
-          <a:bodyPr/>
-          <a:lstStyle/>
-          <a:p>
-            <a:r>
-              <a:rPr lang="en-GB" dirty="0">
-                <a:solidFill>
-                  <a:srgbClr val="676767"/>
-                </a:solidFill>
-              </a:rPr>
-              <a:t>Summary</a:t>
-            </a:r>
-          </a:p>
-        </p:txBody>
-      </p:sp>
-      <p:sp>
-        <p:nvSpPr>
-          <p:cNvPr id="3" name="Content Placeholder 2">
-            <a:extLst>
-              <a:ext uri="{FF2B5EF4-FFF2-40B4-BE49-F238E27FC236}">
-                <a16:creationId xmlns:a16="http://schemas.microsoft.com/office/drawing/2014/main" id="{A81FB872-4B2A-7D41-78EA-741C258663A8}"/>
-              </a:ext>
-            </a:extLst>
-          </p:cNvPr>
-          <p:cNvSpPr>
-            <a:spLocks noGrp="1"/>
-          </p:cNvSpPr>
-          <p:nvPr>
-            <p:ph idx="1"/>
-          </p:nvPr>
-        </p:nvSpPr>
-        <p:spPr>
-          <a:xfrm>
-            <a:off x="838199" y="1413031"/>
-            <a:ext cx="10596715" cy="4906652"/>
-          </a:xfrm>
-          <a:solidFill>
-            <a:srgbClr val="FAF0E6"/>
-          </a:solidFill>
-        </p:spPr>
-        <p:txBody>
-          <a:bodyPr>
-            <a:normAutofit/>
-          </a:bodyPr>
-          <a:lstStyle/>
-          <a:p>
-            <a:r>
-              <a:rPr lang="en-GB" dirty="0"/>
-              <a:t>It has been 3 years since ChatGPT was released.</a:t>
-            </a:r>
-          </a:p>
-          <a:p>
-            <a:r>
-              <a:rPr lang="en-GB" dirty="0"/>
-              <a:t>The 6 months from arranging this talk to doing it is a very long time in AI with great changes in that time.</a:t>
-            </a:r>
-          </a:p>
-          <a:p>
-            <a:r>
-              <a:rPr lang="en-GB" dirty="0"/>
-              <a:t>The next 6 months/1 year/2 years?</a:t>
-            </a:r>
-          </a:p>
-          <a:p>
-            <a:endParaRPr lang="en-GB" dirty="0"/>
-          </a:p>
-          <a:p>
-            <a:pPr marL="0" indent="0">
-              <a:buNone/>
-            </a:pPr>
-            <a:r>
-              <a:rPr lang="en-GB" dirty="0">
-                <a:solidFill>
-                  <a:srgbClr val="3A3A3A"/>
-                </a:solidFill>
-              </a:rPr>
-              <a:t>Craig West</a:t>
-            </a:r>
-          </a:p>
-          <a:p>
-            <a:pPr marL="0" indent="0">
-              <a:buNone/>
-            </a:pPr>
-            <a:r>
-              <a:rPr lang="en-GB" dirty="0">
-                <a:solidFill>
-                  <a:srgbClr val="3A3A3A"/>
-                </a:solidFill>
-              </a:rPr>
-              <a:t>https://craig-west.netlify.app/</a:t>
-            </a:r>
-          </a:p>
-          <a:p>
-            <a:pPr marL="0" indent="0">
-              <a:buNone/>
-            </a:pPr>
-            <a:r>
-              <a:rPr lang="en-GB" dirty="0">
-                <a:solidFill>
-                  <a:srgbClr val="3A3A3A"/>
-                </a:solidFill>
-              </a:rPr>
-              <a:t>https://evaluating-ai-agents.com/</a:t>
-            </a:r>
-          </a:p>
-          <a:p>
-            <a:pPr marL="0" indent="0">
-              <a:buNone/>
-            </a:pPr>
-            <a:r>
-              <a:rPr lang="en-GB" dirty="0">
-                <a:solidFill>
-                  <a:srgbClr val="3A3A3A"/>
-                </a:solidFill>
-              </a:rPr>
-              <a:t>https://github.com/Python-Test-Engineer/earl2025</a:t>
-            </a:r>
-          </a:p>
-          <a:p>
-            <a:pPr marL="0" indent="0">
-              <a:buNone/>
-            </a:pPr>
-            <a:endParaRPr lang="en-GB" dirty="0">
-              <a:solidFill>
-                <a:srgbClr val="3A3A3A"/>
-              </a:solidFill>
-            </a:endParaRPr>
-          </a:p>
-          <a:p>
-            <a:pPr marL="0" indent="0">
-              <a:buNone/>
-            </a:pPr>
-            <a:endParaRPr lang="en-GB" dirty="0">
-              <a:solidFill>
-                <a:srgbClr val="3A3A3A"/>
-              </a:solidFill>
-            </a:endParaRPr>
-          </a:p>
-          <a:p>
-            <a:pPr marL="0" indent="0">
-              <a:buNone/>
-            </a:pPr>
-            <a:endParaRPr lang="en-GB" dirty="0"/>
-          </a:p>
-        </p:txBody>
-      </p:sp>
-      <p:pic>
-        <p:nvPicPr>
-          <p:cNvPr id="4" name="Picture 3" descr="A black background with a black square&#10;&#10;AI-generated content may be incorrect.">
-            <a:extLst>
-              <a:ext uri="{FF2B5EF4-FFF2-40B4-BE49-F238E27FC236}">
-                <a16:creationId xmlns:a16="http://schemas.microsoft.com/office/drawing/2014/main" id="{C2A3B412-5155-7A47-ABCA-B084173F68C6}"/>
-              </a:ext>
-            </a:extLst>
-          </p:cNvPr>
-          <p:cNvPicPr>
-            <a:picLocks noChangeAspect="1"/>
-          </p:cNvPicPr>
-          <p:nvPr/>
-        </p:nvPicPr>
-        <p:blipFill>
-          <a:blip r:embed="rId2">
-            <a:extLst>
-              <a:ext uri="{28A0092B-C50C-407E-A947-70E740481C1C}">
-                <a14:useLocalDpi xmlns:a14="http://schemas.microsoft.com/office/drawing/2010/main" val="0"/>
-              </a:ext>
-            </a:extLst>
-          </a:blip>
-          <a:stretch>
-            <a:fillRect/>
-          </a:stretch>
-        </p:blipFill>
-        <p:spPr>
-          <a:xfrm>
-            <a:off x="8517193" y="3215147"/>
-            <a:ext cx="2642419" cy="2642419"/>
-          </a:xfrm>
-          <a:prstGeom prst="rect">
-            <a:avLst/>
-          </a:prstGeom>
-        </p:spPr>
-      </p:pic>
-    </p:spTree>
-    <p:extLst>
-      <p:ext uri="{BB962C8B-B14F-4D97-AF65-F5344CB8AC3E}">
-        <p14:creationId xmlns:p14="http://schemas.microsoft.com/office/powerpoint/2010/main" val="2854764619"/>
       </p:ext>
     </p:extLst>
   </p:cSld>
@@ -5557,6 +5471,254 @@
     <p:extLst>
       <p:ext uri="{BB962C8B-B14F-4D97-AF65-F5344CB8AC3E}">
         <p14:creationId xmlns:p14="http://schemas.microsoft.com/office/powerpoint/2010/main" val="1008044863"/>
+      </p:ext>
+    </p:extLst>
+  </p:cSld>
+  <p:clrMapOvr>
+    <a:masterClrMapping/>
+  </p:clrMapOvr>
+</p:sld>
+</file>
+
+<file path=ppt/slides/slide20.xml><?xml version="1.0" encoding="utf-8"?>
+<p:sld xmlns:a="http://schemas.openxmlformats.org/drawingml/2006/main" xmlns:r="http://schemas.openxmlformats.org/officeDocument/2006/relationships" xmlns:p="http://schemas.openxmlformats.org/presentationml/2006/main">
+  <p:cSld>
+    <p:bg>
+      <p:bgPr>
+        <a:solidFill>
+          <a:srgbClr val="FAF0E6"/>
+        </a:solidFill>
+        <a:effectLst/>
+      </p:bgPr>
+    </p:bg>
+    <p:spTree>
+      <p:nvGrpSpPr>
+        <p:cNvPr id="1" name="">
+          <a:extLst>
+            <a:ext uri="{FF2B5EF4-FFF2-40B4-BE49-F238E27FC236}">
+              <a16:creationId xmlns:a16="http://schemas.microsoft.com/office/drawing/2014/main" id="{B12C2438-6F39-1E74-B87F-C7E70AB4DA97}"/>
+            </a:ext>
+          </a:extLst>
+        </p:cNvPr>
+        <p:cNvGrpSpPr/>
+        <p:nvPr/>
+      </p:nvGrpSpPr>
+      <p:grpSpPr>
+        <a:xfrm>
+          <a:off x="0" y="0"/>
+          <a:ext cx="0" cy="0"/>
+          <a:chOff x="0" y="0"/>
+          <a:chExt cx="0" cy="0"/>
+        </a:xfrm>
+      </p:grpSpPr>
+      <p:sp>
+        <p:nvSpPr>
+          <p:cNvPr id="2" name="Title 1">
+            <a:extLst>
+              <a:ext uri="{FF2B5EF4-FFF2-40B4-BE49-F238E27FC236}">
+                <a16:creationId xmlns:a16="http://schemas.microsoft.com/office/drawing/2014/main" id="{9AE93777-B841-1FE9-B5E3-7E294CD7B927}"/>
+              </a:ext>
+            </a:extLst>
+          </p:cNvPr>
+          <p:cNvSpPr>
+            <a:spLocks noGrp="1"/>
+          </p:cNvSpPr>
+          <p:nvPr>
+            <p:ph type="title"/>
+          </p:nvPr>
+        </p:nvSpPr>
+        <p:spPr>
+          <a:xfrm>
+            <a:off x="919314" y="190464"/>
+            <a:ext cx="10515600" cy="1325563"/>
+          </a:xfrm>
+        </p:spPr>
+        <p:txBody>
+          <a:bodyPr/>
+          <a:lstStyle/>
+          <a:p>
+            <a:r>
+              <a:rPr lang="en-GB" dirty="0">
+                <a:solidFill>
+                  <a:srgbClr val="676767"/>
+                </a:solidFill>
+              </a:rPr>
+              <a:t>Summary</a:t>
+            </a:r>
+          </a:p>
+        </p:txBody>
+      </p:sp>
+      <p:sp>
+        <p:nvSpPr>
+          <p:cNvPr id="3" name="Content Placeholder 2">
+            <a:extLst>
+              <a:ext uri="{FF2B5EF4-FFF2-40B4-BE49-F238E27FC236}">
+                <a16:creationId xmlns:a16="http://schemas.microsoft.com/office/drawing/2014/main" id="{A81FB872-4B2A-7D41-78EA-741C258663A8}"/>
+              </a:ext>
+            </a:extLst>
+          </p:cNvPr>
+          <p:cNvSpPr>
+            <a:spLocks noGrp="1"/>
+          </p:cNvSpPr>
+          <p:nvPr>
+            <p:ph idx="1"/>
+          </p:nvPr>
+        </p:nvSpPr>
+        <p:spPr>
+          <a:xfrm>
+            <a:off x="838199" y="1413031"/>
+            <a:ext cx="10596715" cy="4906652"/>
+          </a:xfrm>
+          <a:solidFill>
+            <a:srgbClr val="FAF0E6"/>
+          </a:solidFill>
+        </p:spPr>
+        <p:txBody>
+          <a:bodyPr>
+            <a:normAutofit/>
+          </a:bodyPr>
+          <a:lstStyle/>
+          <a:p>
+            <a:r>
+              <a:rPr lang="en-GB" dirty="0"/>
+              <a:t>It has been 3 years since ChatGPT was released.</a:t>
+            </a:r>
+          </a:p>
+          <a:p>
+            <a:r>
+              <a:rPr lang="en-GB" dirty="0"/>
+              <a:t>The 6 months from arranging this talk to doing it is a very long time in AI with great changes in that time.</a:t>
+            </a:r>
+          </a:p>
+          <a:p>
+            <a:r>
+              <a:rPr lang="en-GB" dirty="0"/>
+              <a:t>The next 6 months/1 year/2 years?</a:t>
+            </a:r>
+          </a:p>
+          <a:p>
+            <a:endParaRPr lang="en-GB" dirty="0"/>
+          </a:p>
+          <a:p>
+            <a:pPr marL="0" indent="0">
+              <a:buNone/>
+            </a:pPr>
+            <a:r>
+              <a:rPr lang="en-GB" dirty="0">
+                <a:solidFill>
+                  <a:srgbClr val="3A3A3A"/>
+                </a:solidFill>
+              </a:rPr>
+              <a:t>Craig West</a:t>
+            </a:r>
+          </a:p>
+          <a:p>
+            <a:pPr marL="0" indent="0">
+              <a:buNone/>
+            </a:pPr>
+            <a:r>
+              <a:rPr lang="en-GB" dirty="0">
+                <a:solidFill>
+                  <a:srgbClr val="3A3A3A"/>
+                </a:solidFill>
+              </a:rPr>
+              <a:t>https://craig-west.netlify.app/</a:t>
+            </a:r>
+          </a:p>
+          <a:p>
+            <a:pPr marL="0" indent="0">
+              <a:buNone/>
+            </a:pPr>
+            <a:r>
+              <a:rPr lang="en-GB" dirty="0">
+                <a:solidFill>
+                  <a:srgbClr val="3A3A3A"/>
+                </a:solidFill>
+              </a:rPr>
+              <a:t>https://evaluating-ai-agents.com/</a:t>
+            </a:r>
+          </a:p>
+          <a:p>
+            <a:pPr marL="0" indent="0">
+              <a:buNone/>
+            </a:pPr>
+            <a:r>
+              <a:rPr lang="en-GB" dirty="0">
+                <a:solidFill>
+                  <a:srgbClr val="3A3A3A"/>
+                </a:solidFill>
+              </a:rPr>
+              <a:t>https://github.com/Python-Test-Engineer/earl2025</a:t>
+            </a:r>
+          </a:p>
+          <a:p>
+            <a:pPr marL="0" indent="0">
+              <a:buNone/>
+            </a:pPr>
+            <a:endParaRPr lang="en-GB" dirty="0">
+              <a:solidFill>
+                <a:srgbClr val="3A3A3A"/>
+              </a:solidFill>
+            </a:endParaRPr>
+          </a:p>
+          <a:p>
+            <a:pPr marL="0" indent="0">
+              <a:buNone/>
+            </a:pPr>
+            <a:endParaRPr lang="en-GB" dirty="0">
+              <a:solidFill>
+                <a:srgbClr val="3A3A3A"/>
+              </a:solidFill>
+            </a:endParaRPr>
+          </a:p>
+          <a:p>
+            <a:pPr marL="0" indent="0">
+              <a:buNone/>
+            </a:pPr>
+            <a:endParaRPr lang="en-GB" dirty="0"/>
+          </a:p>
+        </p:txBody>
+      </p:sp>
+      <p:pic>
+        <p:nvPicPr>
+          <p:cNvPr id="4" name="Picture 3" descr="A black background with a black square&#10;&#10;AI-generated content may be incorrect.">
+            <a:extLst>
+              <a:ext uri="{FF2B5EF4-FFF2-40B4-BE49-F238E27FC236}">
+                <a16:creationId xmlns:a16="http://schemas.microsoft.com/office/drawing/2014/main" id="{C2A3B412-5155-7A47-ABCA-B084173F68C6}"/>
+              </a:ext>
+            </a:extLst>
+          </p:cNvPr>
+          <p:cNvPicPr>
+            <a:picLocks noChangeAspect="1"/>
+          </p:cNvPicPr>
+          <p:nvPr/>
+        </p:nvPicPr>
+        <p:blipFill>
+          <a:blip r:embed="rId2">
+            <a:extLst>
+              <a:ext uri="{28A0092B-C50C-407E-A947-70E740481C1C}">
+                <a14:useLocalDpi xmlns:a14="http://schemas.microsoft.com/office/drawing/2010/main" val="0"/>
+              </a:ext>
+            </a:extLst>
+          </a:blip>
+          <a:stretch>
+            <a:fillRect/>
+          </a:stretch>
+        </p:blipFill>
+        <p:spPr>
+          <a:xfrm>
+            <a:off x="8517193" y="3215147"/>
+            <a:ext cx="2642419" cy="2642419"/>
+          </a:xfrm>
+          <a:prstGeom prst="rect">
+            <a:avLst/>
+          </a:prstGeom>
+        </p:spPr>
+      </p:pic>
+    </p:spTree>
+    <p:extLst>
+      <p:ext uri="{BB962C8B-B14F-4D97-AF65-F5344CB8AC3E}">
+        <p14:creationId xmlns:p14="http://schemas.microsoft.com/office/powerpoint/2010/main" val="2854764619"/>
       </p:ext>
     </p:extLst>
   </p:cSld>

--- a/AI_Agents_in_the_Data_Pipeline.pptx
+++ b/AI_Agents_in_the_Data_Pipeline.pptx
@@ -22,9 +22,11 @@
     <p:sldId id="272" r:id="rId16"/>
     <p:sldId id="266" r:id="rId17"/>
     <p:sldId id="277" r:id="rId18"/>
-    <p:sldId id="268" r:id="rId19"/>
-    <p:sldId id="278" r:id="rId20"/>
-    <p:sldId id="270" r:id="rId21"/>
+    <p:sldId id="280" r:id="rId19"/>
+    <p:sldId id="281" r:id="rId20"/>
+    <p:sldId id="268" r:id="rId21"/>
+    <p:sldId id="278" r:id="rId22"/>
+    <p:sldId id="270" r:id="rId23"/>
   </p:sldIdLst>
   <p:sldSz cx="12192000" cy="6858000"/>
   <p:notesSz cx="6858000" cy="9144000"/>
@@ -280,7 +282,7 @@
           <a:p>
             <a:fld id="{87B02A21-FE86-45F5-9B8B-75D343822DB2}" type="datetimeFigureOut">
               <a:rPr lang="en-GB" smtClean="0"/>
-              <a:t>12/08/2025</a:t>
+              <a:t>13/08/2025</a:t>
             </a:fld>
             <a:endParaRPr lang="en-GB"/>
           </a:p>
@@ -480,7 +482,7 @@
           <a:p>
             <a:fld id="{87B02A21-FE86-45F5-9B8B-75D343822DB2}" type="datetimeFigureOut">
               <a:rPr lang="en-GB" smtClean="0"/>
-              <a:t>12/08/2025</a:t>
+              <a:t>13/08/2025</a:t>
             </a:fld>
             <a:endParaRPr lang="en-GB"/>
           </a:p>
@@ -690,7 +692,7 @@
           <a:p>
             <a:fld id="{87B02A21-FE86-45F5-9B8B-75D343822DB2}" type="datetimeFigureOut">
               <a:rPr lang="en-GB" smtClean="0"/>
-              <a:t>12/08/2025</a:t>
+              <a:t>13/08/2025</a:t>
             </a:fld>
             <a:endParaRPr lang="en-GB"/>
           </a:p>
@@ -890,7 +892,7 @@
           <a:p>
             <a:fld id="{87B02A21-FE86-45F5-9B8B-75D343822DB2}" type="datetimeFigureOut">
               <a:rPr lang="en-GB" smtClean="0"/>
-              <a:t>12/08/2025</a:t>
+              <a:t>13/08/2025</a:t>
             </a:fld>
             <a:endParaRPr lang="en-GB"/>
           </a:p>
@@ -1166,7 +1168,7 @@
           <a:p>
             <a:fld id="{87B02A21-FE86-45F5-9B8B-75D343822DB2}" type="datetimeFigureOut">
               <a:rPr lang="en-GB" smtClean="0"/>
-              <a:t>12/08/2025</a:t>
+              <a:t>13/08/2025</a:t>
             </a:fld>
             <a:endParaRPr lang="en-GB"/>
           </a:p>
@@ -1434,7 +1436,7 @@
           <a:p>
             <a:fld id="{87B02A21-FE86-45F5-9B8B-75D343822DB2}" type="datetimeFigureOut">
               <a:rPr lang="en-GB" smtClean="0"/>
-              <a:t>12/08/2025</a:t>
+              <a:t>13/08/2025</a:t>
             </a:fld>
             <a:endParaRPr lang="en-GB"/>
           </a:p>
@@ -1849,7 +1851,7 @@
           <a:p>
             <a:fld id="{87B02A21-FE86-45F5-9B8B-75D343822DB2}" type="datetimeFigureOut">
               <a:rPr lang="en-GB" smtClean="0"/>
-              <a:t>12/08/2025</a:t>
+              <a:t>13/08/2025</a:t>
             </a:fld>
             <a:endParaRPr lang="en-GB"/>
           </a:p>
@@ -1991,7 +1993,7 @@
           <a:p>
             <a:fld id="{87B02A21-FE86-45F5-9B8B-75D343822DB2}" type="datetimeFigureOut">
               <a:rPr lang="en-GB" smtClean="0"/>
-              <a:t>12/08/2025</a:t>
+              <a:t>13/08/2025</a:t>
             </a:fld>
             <a:endParaRPr lang="en-GB"/>
           </a:p>
@@ -2104,7 +2106,7 @@
           <a:p>
             <a:fld id="{87B02A21-FE86-45F5-9B8B-75D343822DB2}" type="datetimeFigureOut">
               <a:rPr lang="en-GB" smtClean="0"/>
-              <a:t>12/08/2025</a:t>
+              <a:t>13/08/2025</a:t>
             </a:fld>
             <a:endParaRPr lang="en-GB"/>
           </a:p>
@@ -2417,7 +2419,7 @@
           <a:p>
             <a:fld id="{87B02A21-FE86-45F5-9B8B-75D343822DB2}" type="datetimeFigureOut">
               <a:rPr lang="en-GB" smtClean="0"/>
-              <a:t>12/08/2025</a:t>
+              <a:t>13/08/2025</a:t>
             </a:fld>
             <a:endParaRPr lang="en-GB"/>
           </a:p>
@@ -2706,7 +2708,7 @@
           <a:p>
             <a:fld id="{87B02A21-FE86-45F5-9B8B-75D343822DB2}" type="datetimeFigureOut">
               <a:rPr lang="en-GB" smtClean="0"/>
-              <a:t>12/08/2025</a:t>
+              <a:t>13/08/2025</a:t>
             </a:fld>
             <a:endParaRPr lang="en-GB"/>
           </a:p>
@@ -2949,7 +2951,7 @@
           <a:p>
             <a:fld id="{87B02A21-FE86-45F5-9B8B-75D343822DB2}" type="datetimeFigureOut">
               <a:rPr lang="en-GB" smtClean="0"/>
-              <a:t>12/08/2025</a:t>
+              <a:t>13/08/2025</a:t>
             </a:fld>
             <a:endParaRPr lang="en-GB"/>
           </a:p>
@@ -3776,17 +3778,20 @@
           </a:p>
           <a:p>
             <a:r>
-              <a:rPr lang="en-GB" dirty="0"/>
-              <a:t>We will run </a:t>
-            </a:r>
-            <a:r>
-              <a:rPr lang="en-GB" dirty="0">
+              <a:rPr lang="en-GB" sz="3600" dirty="0">
                 <a:highlight>
                   <a:srgbClr val="C0C0C0"/>
                 </a:highlight>
+                <a:latin typeface="Consolas" panose="020B0609020204030204" pitchFamily="49" charset="0"/>
               </a:rPr>
               <a:t>03_demo_tools_calulate_gross_price.ipynb</a:t>
             </a:r>
+            <a:endParaRPr lang="en-GB" sz="4000" dirty="0">
+              <a:highlight>
+                <a:srgbClr val="C0C0C0"/>
+              </a:highlight>
+              <a:latin typeface="Consolas" panose="020B0609020204030204" pitchFamily="49" charset="0"/>
+            </a:endParaRPr>
           </a:p>
           <a:p>
             <a:r>
@@ -4880,6 +4885,15 @@
               <a:t>Protocols, like HTTP for example, are implementations to enable communication between bits of code.</a:t>
             </a:r>
           </a:p>
+          <a:p>
+            <a:pPr marL="0" indent="0">
+              <a:buNone/>
+            </a:pPr>
+            <a:r>
+              <a:rPr lang="en-GB" i="1" dirty="0"/>
+              <a:t>Next…an example from Google…</a:t>
+            </a:r>
+          </a:p>
         </p:txBody>
       </p:sp>
     </p:spTree>
@@ -4911,7 +4925,7 @@
         <p:cNvPr id="1" name="">
           <a:extLst>
             <a:ext uri="{FF2B5EF4-FFF2-40B4-BE49-F238E27FC236}">
-              <a16:creationId xmlns:a16="http://schemas.microsoft.com/office/drawing/2014/main" id="{586C0DD9-54D0-8094-782E-FC61A05AFDE9}"/>
+              <a16:creationId xmlns:a16="http://schemas.microsoft.com/office/drawing/2014/main" id="{1AA440AF-DD92-7905-6BC8-EE77381BAEAB}"/>
             </a:ext>
           </a:extLst>
         </p:cNvPr>
@@ -4931,7 +4945,7 @@
           <p:cNvPr id="2" name="Title 1">
             <a:extLst>
               <a:ext uri="{FF2B5EF4-FFF2-40B4-BE49-F238E27FC236}">
-                <a16:creationId xmlns:a16="http://schemas.microsoft.com/office/drawing/2014/main" id="{8E79AD40-FA5F-10FF-8715-DCEC72D39FD8}"/>
+                <a16:creationId xmlns:a16="http://schemas.microsoft.com/office/drawing/2014/main" id="{1A15E1A2-83B2-14F0-BFEA-861422733F26}"/>
               </a:ext>
             </a:extLst>
           </p:cNvPr>
@@ -4958,73 +4972,53 @@
                   <a:srgbClr val="676767"/>
                 </a:solidFill>
               </a:rPr>
-              <a:t>A complete demo (1)</a:t>
-            </a:r>
-          </a:p>
-        </p:txBody>
-      </p:sp>
-      <p:sp>
-        <p:nvSpPr>
-          <p:cNvPr id="3" name="Content Placeholder 2">
-            <a:extLst>
-              <a:ext uri="{FF2B5EF4-FFF2-40B4-BE49-F238E27FC236}">
-                <a16:creationId xmlns:a16="http://schemas.microsoft.com/office/drawing/2014/main" id="{E4FAB0A6-D1CF-DAFA-F9DD-82A1E0998A46}"/>
-              </a:ext>
-            </a:extLst>
-          </p:cNvPr>
-          <p:cNvSpPr>
-            <a:spLocks noGrp="1"/>
-          </p:cNvSpPr>
+              <a:t>Google CRM Agent (1)</a:t>
+            </a:r>
+          </a:p>
+        </p:txBody>
+      </p:sp>
+      <p:pic>
+        <p:nvPicPr>
+          <p:cNvPr id="5" name="Content Placeholder 4" descr="A diagram of a business&#10;&#10;AI-generated content may be incorrect.">
+            <a:extLst>
+              <a:ext uri="{FF2B5EF4-FFF2-40B4-BE49-F238E27FC236}">
+                <a16:creationId xmlns:a16="http://schemas.microsoft.com/office/drawing/2014/main" id="{35C7062D-4D91-6909-2AFE-1BD94FA2B192}"/>
+              </a:ext>
+            </a:extLst>
+          </p:cNvPr>
+          <p:cNvPicPr>
+            <a:picLocks noGrp="1" noChangeAspect="1"/>
+          </p:cNvPicPr>
           <p:nvPr>
             <p:ph idx="1"/>
           </p:nvPr>
-        </p:nvSpPr>
-        <p:spPr>
-          <a:xfrm>
-            <a:off x="919314" y="2584285"/>
-            <a:ext cx="10596715" cy="2316488"/>
+        </p:nvPicPr>
+        <p:blipFill>
+          <a:blip r:embed="rId2">
+            <a:extLst>
+              <a:ext uri="{28A0092B-C50C-407E-A947-70E740481C1C}">
+                <a14:useLocalDpi xmlns:a14="http://schemas.microsoft.com/office/drawing/2010/main" val="0"/>
+              </a:ext>
+            </a:extLst>
+          </a:blip>
+          <a:stretch>
+            <a:fillRect/>
+          </a:stretch>
+        </p:blipFill>
+        <p:spPr>
+          <a:xfrm>
+            <a:off x="878832" y="1421289"/>
+            <a:ext cx="10596563" cy="4870469"/>
           </a:xfrm>
           <a:solidFill>
             <a:srgbClr val="FAF0E6"/>
           </a:solidFill>
         </p:spPr>
-        <p:txBody>
-          <a:bodyPr>
-            <a:normAutofit/>
-          </a:bodyPr>
-          <a:lstStyle/>
-          <a:p>
-            <a:pPr marL="0" indent="0">
-              <a:buNone/>
-            </a:pPr>
-            <a:r>
-              <a:rPr lang="en-GB" dirty="0"/>
-              <a:t>Using Cline to create a complete pipeline…in practice </a:t>
-            </a:r>
-            <a:r>
-              <a:rPr lang="en-GB" dirty="0" err="1"/>
-              <a:t>devs</a:t>
-            </a:r>
-            <a:r>
-              <a:rPr lang="en-GB" dirty="0"/>
-              <a:t> do it bit by bit.</a:t>
-            </a:r>
-          </a:p>
-          <a:p>
-            <a:pPr marL="0" indent="0">
-              <a:buNone/>
-            </a:pPr>
-            <a:r>
-              <a:rPr lang="en-GB" dirty="0"/>
-              <a:t>Let’s look at an example…</a:t>
-            </a:r>
-          </a:p>
-        </p:txBody>
-      </p:sp>
+      </p:pic>
     </p:spTree>
     <p:extLst>
       <p:ext uri="{BB962C8B-B14F-4D97-AF65-F5344CB8AC3E}">
-        <p14:creationId xmlns:p14="http://schemas.microsoft.com/office/powerpoint/2010/main" val="3901758580"/>
+        <p14:creationId xmlns:p14="http://schemas.microsoft.com/office/powerpoint/2010/main" val="3279871281"/>
       </p:ext>
     </p:extLst>
   </p:cSld>
@@ -5050,7 +5044,7 @@
         <p:cNvPr id="1" name="">
           <a:extLst>
             <a:ext uri="{FF2B5EF4-FFF2-40B4-BE49-F238E27FC236}">
-              <a16:creationId xmlns:a16="http://schemas.microsoft.com/office/drawing/2014/main" id="{C7B79118-841B-F42B-B854-886D9D8F1A5A}"/>
+              <a16:creationId xmlns:a16="http://schemas.microsoft.com/office/drawing/2014/main" id="{CB0030CE-F294-86B3-6F10-3AB61987FE26}"/>
             </a:ext>
           </a:extLst>
         </p:cNvPr>
@@ -5065,12 +5059,48 @@
           <a:chExt cx="0" cy="0"/>
         </a:xfrm>
       </p:grpSpPr>
+      <p:pic>
+        <p:nvPicPr>
+          <p:cNvPr id="7" name="Picture 6" descr="A screenshot of a computer&#10;&#10;AI-generated content may be incorrect.">
+            <a:extLst>
+              <a:ext uri="{FF2B5EF4-FFF2-40B4-BE49-F238E27FC236}">
+                <a16:creationId xmlns:a16="http://schemas.microsoft.com/office/drawing/2014/main" id="{EF3853CA-F183-DF85-201B-ED2AB55C4669}"/>
+              </a:ext>
+            </a:extLst>
+          </p:cNvPr>
+          <p:cNvPicPr>
+            <a:picLocks noChangeAspect="1"/>
+          </p:cNvPicPr>
+          <p:nvPr/>
+        </p:nvPicPr>
+        <p:blipFill>
+          <a:blip r:embed="rId2">
+            <a:extLst>
+              <a:ext uri="{28A0092B-C50C-407E-A947-70E740481C1C}">
+                <a14:useLocalDpi xmlns:a14="http://schemas.microsoft.com/office/drawing/2010/main" val="0"/>
+              </a:ext>
+            </a:extLst>
+          </a:blip>
+          <a:stretch>
+            <a:fillRect/>
+          </a:stretch>
+        </p:blipFill>
+        <p:spPr>
+          <a:xfrm>
+            <a:off x="6782929" y="1969851"/>
+            <a:ext cx="4972442" cy="4165477"/>
+          </a:xfrm>
+          <a:prstGeom prst="rect">
+            <a:avLst/>
+          </a:prstGeom>
+        </p:spPr>
+      </p:pic>
       <p:sp>
         <p:nvSpPr>
           <p:cNvPr id="2" name="Title 1">
             <a:extLst>
               <a:ext uri="{FF2B5EF4-FFF2-40B4-BE49-F238E27FC236}">
-                <a16:creationId xmlns:a16="http://schemas.microsoft.com/office/drawing/2014/main" id="{2450BE5E-7827-40D5-0232-6BCA156E0B21}"/>
+                <a16:creationId xmlns:a16="http://schemas.microsoft.com/office/drawing/2014/main" id="{60345D98-D59A-10E5-7C50-C924EE888534}"/>
               </a:ext>
             </a:extLst>
           </p:cNvPr>
@@ -5097,17 +5127,17 @@
                   <a:srgbClr val="676767"/>
                 </a:solidFill>
               </a:rPr>
-              <a:t>A complete demo (2)</a:t>
-            </a:r>
-          </a:p>
-        </p:txBody>
-      </p:sp>
-      <p:sp>
-        <p:nvSpPr>
-          <p:cNvPr id="3" name="Content Placeholder 2">
-            <a:extLst>
-              <a:ext uri="{FF2B5EF4-FFF2-40B4-BE49-F238E27FC236}">
-                <a16:creationId xmlns:a16="http://schemas.microsoft.com/office/drawing/2014/main" id="{A51F56F5-9707-600C-AB09-0FA01DFE213C}"/>
+              <a:t>Google CRM Agent (2)</a:t>
+            </a:r>
+          </a:p>
+        </p:txBody>
+      </p:sp>
+      <p:sp>
+        <p:nvSpPr>
+          <p:cNvPr id="4" name="Content Placeholder 3">
+            <a:extLst>
+              <a:ext uri="{FF2B5EF4-FFF2-40B4-BE49-F238E27FC236}">
+                <a16:creationId xmlns:a16="http://schemas.microsoft.com/office/drawing/2014/main" id="{92A58150-C7BB-C968-2A62-2A3812D748E7}"/>
               </a:ext>
             </a:extLst>
           </p:cNvPr>
@@ -5120,38 +5150,41 @@
         </p:nvSpPr>
         <p:spPr>
           <a:xfrm>
-            <a:off x="1001507" y="1351387"/>
-            <a:ext cx="10596715" cy="2717179"/>
-          </a:xfrm>
-          <a:solidFill>
-            <a:srgbClr val="FAF0E6"/>
-          </a:solidFill>
-        </p:spPr>
-        <p:txBody>
-          <a:bodyPr>
-            <a:normAutofit fontScale="25000" lnSpcReduction="20000"/>
-          </a:bodyPr>
-          <a:lstStyle/>
+            <a:off x="919314" y="1516027"/>
+            <a:ext cx="10515600" cy="4351338"/>
+          </a:xfrm>
+        </p:spPr>
+        <p:txBody>
+          <a:bodyPr/>
+          <a:lstStyle/>
+          <a:p>
+            <a:r>
+              <a:rPr lang="en-GB" sz="1600" dirty="0">
+                <a:hlinkClick r:id="rId3"/>
+              </a:rPr>
+              <a:t>https://github.com/vladkol/crm-data-agent/blob/main/src/agents/data_agent/prompts/crm_business_analyst.py</a:t>
+            </a:r>
+            <a:endParaRPr lang="en-GB" sz="1600" dirty="0"/>
+          </a:p>
+          <a:p>
+            <a:r>
+              <a:rPr lang="en-GB" dirty="0"/>
+              <a:t>06_demo_prompt_google_crm.md</a:t>
+            </a:r>
+          </a:p>
           <a:p>
             <a:pPr marL="0" indent="0">
               <a:buNone/>
             </a:pPr>
-            <a:r>
-              <a:rPr lang="en-GB" sz="11200" b="1" dirty="0"/>
-              <a:t>CLAUDE</a:t>
-            </a:r>
-            <a:r>
-              <a:rPr lang="en-GB" sz="9600" b="1" dirty="0"/>
-              <a:t>: </a:t>
-            </a:r>
+            <a:endParaRPr lang="en-GB" dirty="0"/>
           </a:p>
           <a:p>
             <a:pPr marL="0" indent="0">
               <a:buNone/>
             </a:pPr>
             <a:r>
-              <a:rPr lang="en-GB" sz="7200" dirty="0"/>
-              <a:t>create a simple sales csv with just 5 rows</a:t>
+              <a:rPr lang="en-GB" dirty="0"/>
+              <a:t>We can learn a lot about best</a:t>
             </a:r>
           </a:p>
           <a:p>
@@ -5159,12 +5192,8 @@
               <a:buNone/>
             </a:pPr>
             <a:r>
-              <a:rPr lang="en-GB" sz="7200" dirty="0" err="1"/>
-              <a:t>sales_data</a:t>
-            </a:r>
-            <a:r>
-              <a:rPr lang="en-GB" sz="7200" dirty="0"/>
-              <a:t> = [</a:t>
+              <a:rPr lang="en-GB" dirty="0"/>
+              <a:t>practices for Context Engineering by </a:t>
             </a:r>
           </a:p>
           <a:p>
@@ -5172,127 +5201,19 @@
               <a:buNone/>
             </a:pPr>
             <a:r>
-              <a:rPr lang="en-GB" sz="7200" dirty="0"/>
-              <a:t>    ['Date', 'Product', 'Quantity', '</a:t>
-            </a:r>
-            <a:r>
-              <a:rPr lang="en-GB" sz="7200" dirty="0" err="1"/>
-              <a:t>Unit_Price</a:t>
-            </a:r>
-            <a:r>
-              <a:rPr lang="en-GB" sz="7200" dirty="0"/>
-              <a:t>', 'Total'],</a:t>
-            </a:r>
-          </a:p>
-          <a:p>
-            <a:pPr marL="0" indent="0">
-              <a:buNone/>
-            </a:pPr>
-            <a:r>
-              <a:rPr lang="en-GB" sz="7200" dirty="0"/>
-              <a:t>    ['2024-01-15', 'Laptop', 2, 999.99, 1999.98],</a:t>
-            </a:r>
-          </a:p>
-          <a:p>
-            <a:pPr marL="0" indent="0">
-              <a:buNone/>
-            </a:pPr>
-            <a:r>
-              <a:rPr lang="en-GB" sz="7200" dirty="0"/>
-              <a:t>    ['2024-01-16', 'Mouse', 5, 29.99, 149.95],</a:t>
-            </a:r>
-          </a:p>
-          <a:p>
-            <a:pPr marL="0" indent="0">
-              <a:buNone/>
-            </a:pPr>
-            <a:r>
-              <a:rPr lang="en-GB" sz="7200" dirty="0"/>
-              <a:t>    ['2024-01-17', 'Keyboard', 3, 79.99, 239.97],</a:t>
-            </a:r>
-          </a:p>
-          <a:p>
-            <a:pPr marL="0" indent="0">
-              <a:buNone/>
-            </a:pPr>
-            <a:r>
-              <a:rPr lang="en-GB" sz="7200" dirty="0"/>
-              <a:t>    ['2024-01-18', 'Monitor', 1, 299.99, 299.99],</a:t>
-            </a:r>
-          </a:p>
-          <a:p>
-            <a:pPr marL="0" indent="0">
-              <a:buNone/>
-            </a:pPr>
-            <a:r>
-              <a:rPr lang="en-GB" sz="7200" dirty="0"/>
-              <a:t>    ['2024-01-19', 'Headphones', 4, 149.99, 599.96]</a:t>
-            </a:r>
-          </a:p>
-          <a:p>
-            <a:pPr marL="0" indent="0">
-              <a:buNone/>
-            </a:pPr>
-            <a:r>
               <a:rPr lang="en-GB" dirty="0"/>
-              <a:t>]</a:t>
-            </a:r>
-            <a:endParaRPr lang="en-GB" sz="4400" dirty="0"/>
-          </a:p>
-          <a:p>
-            <a:pPr marL="0" indent="0">
-              <a:buNone/>
-            </a:pPr>
-            <a:r>
-              <a:rPr lang="en-GB" sz="11200" b="1" dirty="0"/>
-              <a:t>CLINE:</a:t>
-            </a:r>
-          </a:p>
-          <a:p>
-            <a:pPr marL="0" indent="0">
-              <a:buNone/>
-            </a:pPr>
-            <a:r>
-              <a:rPr lang="en-GB" sz="8000" dirty="0"/>
-              <a:t>“I have a CSV for some sales data. Make a simple ETL and data analysis programme for it to show plots and graphs.”</a:t>
-            </a:r>
-          </a:p>
-          <a:p>
-            <a:pPr marL="0" indent="0">
-              <a:buNone/>
-            </a:pPr>
-            <a:r>
-              <a:rPr lang="en-GB" sz="11200" b="1" dirty="0"/>
-              <a:t>IN DEMO:  </a:t>
-            </a:r>
-            <a:r>
-              <a:rPr lang="en-GB" sz="8000" dirty="0"/>
-              <a:t>I will add…</a:t>
-            </a:r>
-          </a:p>
-          <a:p>
-            <a:pPr marL="0" indent="0">
-              <a:buNone/>
-            </a:pPr>
-            <a:r>
-              <a:rPr lang="en-GB" sz="8000" dirty="0"/>
-              <a:t>[“There is a folder already called `</a:t>
-            </a:r>
-            <a:r>
-              <a:rPr lang="en-GB" sz="8000" dirty="0" err="1"/>
-              <a:t>sales_etl_analysis</a:t>
-            </a:r>
-            <a:r>
-              <a:rPr lang="en-GB" sz="8000" dirty="0"/>
-              <a:t>` - please ignore and start afresh”]</a:t>
-            </a:r>
+              <a:t>looking at big tech repos.</a:t>
+            </a:r>
+          </a:p>
+          <a:p>
+            <a:endParaRPr lang="en-GB" dirty="0"/>
           </a:p>
         </p:txBody>
       </p:sp>
     </p:spTree>
     <p:extLst>
       <p:ext uri="{BB962C8B-B14F-4D97-AF65-F5344CB8AC3E}">
-        <p14:creationId xmlns:p14="http://schemas.microsoft.com/office/powerpoint/2010/main" val="3282389886"/>
+        <p14:creationId xmlns:p14="http://schemas.microsoft.com/office/powerpoint/2010/main" val="3831430507"/>
       </p:ext>
     </p:extLst>
   </p:cSld>
@@ -5481,6 +5402,413 @@
 </file>
 
 <file path=ppt/slides/slide20.xml><?xml version="1.0" encoding="utf-8"?>
+<p:sld xmlns:a="http://schemas.openxmlformats.org/drawingml/2006/main" xmlns:r="http://schemas.openxmlformats.org/officeDocument/2006/relationships" xmlns:p="http://schemas.openxmlformats.org/presentationml/2006/main">
+  <p:cSld>
+    <p:bg>
+      <p:bgPr>
+        <a:solidFill>
+          <a:srgbClr val="FAF0E6"/>
+        </a:solidFill>
+        <a:effectLst/>
+      </p:bgPr>
+    </p:bg>
+    <p:spTree>
+      <p:nvGrpSpPr>
+        <p:cNvPr id="1" name="">
+          <a:extLst>
+            <a:ext uri="{FF2B5EF4-FFF2-40B4-BE49-F238E27FC236}">
+              <a16:creationId xmlns:a16="http://schemas.microsoft.com/office/drawing/2014/main" id="{586C0DD9-54D0-8094-782E-FC61A05AFDE9}"/>
+            </a:ext>
+          </a:extLst>
+        </p:cNvPr>
+        <p:cNvGrpSpPr/>
+        <p:nvPr/>
+      </p:nvGrpSpPr>
+      <p:grpSpPr>
+        <a:xfrm>
+          <a:off x="0" y="0"/>
+          <a:ext cx="0" cy="0"/>
+          <a:chOff x="0" y="0"/>
+          <a:chExt cx="0" cy="0"/>
+        </a:xfrm>
+      </p:grpSpPr>
+      <p:sp>
+        <p:nvSpPr>
+          <p:cNvPr id="2" name="Title 1">
+            <a:extLst>
+              <a:ext uri="{FF2B5EF4-FFF2-40B4-BE49-F238E27FC236}">
+                <a16:creationId xmlns:a16="http://schemas.microsoft.com/office/drawing/2014/main" id="{8E79AD40-FA5F-10FF-8715-DCEC72D39FD8}"/>
+              </a:ext>
+            </a:extLst>
+          </p:cNvPr>
+          <p:cNvSpPr>
+            <a:spLocks noGrp="1"/>
+          </p:cNvSpPr>
+          <p:nvPr>
+            <p:ph type="title"/>
+          </p:nvPr>
+        </p:nvSpPr>
+        <p:spPr>
+          <a:xfrm>
+            <a:off x="919314" y="190464"/>
+            <a:ext cx="10515600" cy="1325563"/>
+          </a:xfrm>
+        </p:spPr>
+        <p:txBody>
+          <a:bodyPr/>
+          <a:lstStyle/>
+          <a:p>
+            <a:r>
+              <a:rPr lang="en-GB" dirty="0">
+                <a:solidFill>
+                  <a:srgbClr val="676767"/>
+                </a:solidFill>
+              </a:rPr>
+              <a:t>A complete demo (1)</a:t>
+            </a:r>
+          </a:p>
+        </p:txBody>
+      </p:sp>
+      <p:sp>
+        <p:nvSpPr>
+          <p:cNvPr id="3" name="Content Placeholder 2">
+            <a:extLst>
+              <a:ext uri="{FF2B5EF4-FFF2-40B4-BE49-F238E27FC236}">
+                <a16:creationId xmlns:a16="http://schemas.microsoft.com/office/drawing/2014/main" id="{E4FAB0A6-D1CF-DAFA-F9DD-82A1E0998A46}"/>
+              </a:ext>
+            </a:extLst>
+          </p:cNvPr>
+          <p:cNvSpPr>
+            <a:spLocks noGrp="1"/>
+          </p:cNvSpPr>
+          <p:nvPr>
+            <p:ph idx="1"/>
+          </p:nvPr>
+        </p:nvSpPr>
+        <p:spPr>
+          <a:xfrm>
+            <a:off x="919314" y="2584285"/>
+            <a:ext cx="10596715" cy="2316488"/>
+          </a:xfrm>
+          <a:solidFill>
+            <a:srgbClr val="FAF0E6"/>
+          </a:solidFill>
+        </p:spPr>
+        <p:txBody>
+          <a:bodyPr>
+            <a:normAutofit/>
+          </a:bodyPr>
+          <a:lstStyle/>
+          <a:p>
+            <a:pPr marL="0" indent="0">
+              <a:buNone/>
+            </a:pPr>
+            <a:r>
+              <a:rPr lang="en-GB" dirty="0"/>
+              <a:t>Using Cline to create a complete pipeline…in practice </a:t>
+            </a:r>
+            <a:r>
+              <a:rPr lang="en-GB" dirty="0" err="1"/>
+              <a:t>devs</a:t>
+            </a:r>
+            <a:r>
+              <a:rPr lang="en-GB" dirty="0"/>
+              <a:t> do it bit by bit.</a:t>
+            </a:r>
+          </a:p>
+          <a:p>
+            <a:pPr marL="0" indent="0">
+              <a:buNone/>
+            </a:pPr>
+            <a:r>
+              <a:rPr lang="en-GB" dirty="0"/>
+              <a:t>Let’s look at an example…</a:t>
+            </a:r>
+          </a:p>
+        </p:txBody>
+      </p:sp>
+    </p:spTree>
+    <p:extLst>
+      <p:ext uri="{BB962C8B-B14F-4D97-AF65-F5344CB8AC3E}">
+        <p14:creationId xmlns:p14="http://schemas.microsoft.com/office/powerpoint/2010/main" val="3901758580"/>
+      </p:ext>
+    </p:extLst>
+  </p:cSld>
+  <p:clrMapOvr>
+    <a:masterClrMapping/>
+  </p:clrMapOvr>
+</p:sld>
+</file>
+
+<file path=ppt/slides/slide21.xml><?xml version="1.0" encoding="utf-8"?>
+<p:sld xmlns:a="http://schemas.openxmlformats.org/drawingml/2006/main" xmlns:r="http://schemas.openxmlformats.org/officeDocument/2006/relationships" xmlns:p="http://schemas.openxmlformats.org/presentationml/2006/main">
+  <p:cSld>
+    <p:bg>
+      <p:bgPr>
+        <a:solidFill>
+          <a:srgbClr val="FAF0E6"/>
+        </a:solidFill>
+        <a:effectLst/>
+      </p:bgPr>
+    </p:bg>
+    <p:spTree>
+      <p:nvGrpSpPr>
+        <p:cNvPr id="1" name="">
+          <a:extLst>
+            <a:ext uri="{FF2B5EF4-FFF2-40B4-BE49-F238E27FC236}">
+              <a16:creationId xmlns:a16="http://schemas.microsoft.com/office/drawing/2014/main" id="{C7B79118-841B-F42B-B854-886D9D8F1A5A}"/>
+            </a:ext>
+          </a:extLst>
+        </p:cNvPr>
+        <p:cNvGrpSpPr/>
+        <p:nvPr/>
+      </p:nvGrpSpPr>
+      <p:grpSpPr>
+        <a:xfrm>
+          <a:off x="0" y="0"/>
+          <a:ext cx="0" cy="0"/>
+          <a:chOff x="0" y="0"/>
+          <a:chExt cx="0" cy="0"/>
+        </a:xfrm>
+      </p:grpSpPr>
+      <p:sp>
+        <p:nvSpPr>
+          <p:cNvPr id="2" name="Title 1">
+            <a:extLst>
+              <a:ext uri="{FF2B5EF4-FFF2-40B4-BE49-F238E27FC236}">
+                <a16:creationId xmlns:a16="http://schemas.microsoft.com/office/drawing/2014/main" id="{2450BE5E-7827-40D5-0232-6BCA156E0B21}"/>
+              </a:ext>
+            </a:extLst>
+          </p:cNvPr>
+          <p:cNvSpPr>
+            <a:spLocks noGrp="1"/>
+          </p:cNvSpPr>
+          <p:nvPr>
+            <p:ph type="title"/>
+          </p:nvPr>
+        </p:nvSpPr>
+        <p:spPr>
+          <a:xfrm>
+            <a:off x="919314" y="190464"/>
+            <a:ext cx="10515600" cy="1325563"/>
+          </a:xfrm>
+        </p:spPr>
+        <p:txBody>
+          <a:bodyPr/>
+          <a:lstStyle/>
+          <a:p>
+            <a:r>
+              <a:rPr lang="en-GB" dirty="0">
+                <a:solidFill>
+                  <a:srgbClr val="676767"/>
+                </a:solidFill>
+              </a:rPr>
+              <a:t>A complete demo (2)</a:t>
+            </a:r>
+          </a:p>
+        </p:txBody>
+      </p:sp>
+      <p:sp>
+        <p:nvSpPr>
+          <p:cNvPr id="3" name="Content Placeholder 2">
+            <a:extLst>
+              <a:ext uri="{FF2B5EF4-FFF2-40B4-BE49-F238E27FC236}">
+                <a16:creationId xmlns:a16="http://schemas.microsoft.com/office/drawing/2014/main" id="{A51F56F5-9707-600C-AB09-0FA01DFE213C}"/>
+              </a:ext>
+            </a:extLst>
+          </p:cNvPr>
+          <p:cNvSpPr>
+            <a:spLocks noGrp="1"/>
+          </p:cNvSpPr>
+          <p:nvPr>
+            <p:ph idx="1"/>
+          </p:nvPr>
+        </p:nvSpPr>
+        <p:spPr>
+          <a:xfrm>
+            <a:off x="1001507" y="1351387"/>
+            <a:ext cx="10596715" cy="2717179"/>
+          </a:xfrm>
+          <a:solidFill>
+            <a:srgbClr val="FAF0E6"/>
+          </a:solidFill>
+        </p:spPr>
+        <p:txBody>
+          <a:bodyPr>
+            <a:normAutofit fontScale="25000" lnSpcReduction="20000"/>
+          </a:bodyPr>
+          <a:lstStyle/>
+          <a:p>
+            <a:pPr marL="0" indent="0">
+              <a:buNone/>
+            </a:pPr>
+            <a:r>
+              <a:rPr lang="en-GB" sz="11200" b="1" dirty="0"/>
+              <a:t>CLAUDE</a:t>
+            </a:r>
+            <a:r>
+              <a:rPr lang="en-GB" sz="9600" b="1" dirty="0"/>
+              <a:t>: </a:t>
+            </a:r>
+          </a:p>
+          <a:p>
+            <a:pPr marL="0" indent="0">
+              <a:buNone/>
+            </a:pPr>
+            <a:r>
+              <a:rPr lang="en-GB" sz="7200" dirty="0"/>
+              <a:t>create a simple sales csv with just 5 rows</a:t>
+            </a:r>
+          </a:p>
+          <a:p>
+            <a:pPr marL="0" indent="0">
+              <a:buNone/>
+            </a:pPr>
+            <a:r>
+              <a:rPr lang="en-GB" sz="7200" dirty="0" err="1"/>
+              <a:t>sales_data</a:t>
+            </a:r>
+            <a:r>
+              <a:rPr lang="en-GB" sz="7200" dirty="0"/>
+              <a:t> = [</a:t>
+            </a:r>
+          </a:p>
+          <a:p>
+            <a:pPr marL="0" indent="0">
+              <a:buNone/>
+            </a:pPr>
+            <a:r>
+              <a:rPr lang="en-GB" sz="7200" dirty="0"/>
+              <a:t>    ['Date', 'Product', 'Quantity', '</a:t>
+            </a:r>
+            <a:r>
+              <a:rPr lang="en-GB" sz="7200" dirty="0" err="1"/>
+              <a:t>Unit_Price</a:t>
+            </a:r>
+            <a:r>
+              <a:rPr lang="en-GB" sz="7200" dirty="0"/>
+              <a:t>', 'Total'],</a:t>
+            </a:r>
+          </a:p>
+          <a:p>
+            <a:pPr marL="0" indent="0">
+              <a:buNone/>
+            </a:pPr>
+            <a:r>
+              <a:rPr lang="en-GB" sz="7200" dirty="0"/>
+              <a:t>    ['2024-01-15', 'Laptop', 2, 999.99, 1999.98],</a:t>
+            </a:r>
+          </a:p>
+          <a:p>
+            <a:pPr marL="0" indent="0">
+              <a:buNone/>
+            </a:pPr>
+            <a:r>
+              <a:rPr lang="en-GB" sz="7200" dirty="0"/>
+              <a:t>    ['2024-01-16', 'Mouse', 5, 29.99, 149.95],</a:t>
+            </a:r>
+          </a:p>
+          <a:p>
+            <a:pPr marL="0" indent="0">
+              <a:buNone/>
+            </a:pPr>
+            <a:r>
+              <a:rPr lang="en-GB" sz="7200" dirty="0"/>
+              <a:t>    ['2024-01-17', 'Keyboard', 3, 79.99, 239.97],</a:t>
+            </a:r>
+          </a:p>
+          <a:p>
+            <a:pPr marL="0" indent="0">
+              <a:buNone/>
+            </a:pPr>
+            <a:r>
+              <a:rPr lang="en-GB" sz="7200" dirty="0"/>
+              <a:t>    ['2024-01-18', 'Monitor', 1, 299.99, 299.99],</a:t>
+            </a:r>
+          </a:p>
+          <a:p>
+            <a:pPr marL="0" indent="0">
+              <a:buNone/>
+            </a:pPr>
+            <a:r>
+              <a:rPr lang="en-GB" sz="7200" dirty="0"/>
+              <a:t>    ['2024-01-19', 'Headphones', 4, 149.99, 599.96]</a:t>
+            </a:r>
+          </a:p>
+          <a:p>
+            <a:pPr marL="0" indent="0">
+              <a:buNone/>
+            </a:pPr>
+            <a:r>
+              <a:rPr lang="en-GB" dirty="0"/>
+              <a:t>]</a:t>
+            </a:r>
+            <a:endParaRPr lang="en-GB" sz="4400" dirty="0"/>
+          </a:p>
+          <a:p>
+            <a:pPr marL="0" indent="0">
+              <a:buNone/>
+            </a:pPr>
+            <a:r>
+              <a:rPr lang="en-GB" sz="11200" b="1" dirty="0"/>
+              <a:t>CLINE:</a:t>
+            </a:r>
+          </a:p>
+          <a:p>
+            <a:pPr marL="0" indent="0">
+              <a:buNone/>
+            </a:pPr>
+            <a:r>
+              <a:rPr lang="en-GB" sz="8000" dirty="0"/>
+              <a:t>“I have a CSV for some sales data. Make a simple ETL and data analysis programme for it to show plots and graphs.”</a:t>
+            </a:r>
+          </a:p>
+          <a:p>
+            <a:pPr marL="0" indent="0">
+              <a:buNone/>
+            </a:pPr>
+            <a:r>
+              <a:rPr lang="en-GB" sz="11200" b="1" dirty="0"/>
+              <a:t>IN DEMO:  </a:t>
+            </a:r>
+            <a:r>
+              <a:rPr lang="en-GB" sz="8000" dirty="0"/>
+              <a:t>I will add…</a:t>
+            </a:r>
+          </a:p>
+          <a:p>
+            <a:pPr marL="0" indent="0">
+              <a:buNone/>
+            </a:pPr>
+            <a:r>
+              <a:rPr lang="en-GB" sz="8000" dirty="0"/>
+              <a:t>[“There is a folder already called `</a:t>
+            </a:r>
+            <a:r>
+              <a:rPr lang="en-GB" sz="8000" dirty="0" err="1"/>
+              <a:t>sales_etl_analysis</a:t>
+            </a:r>
+            <a:r>
+              <a:rPr lang="en-GB" sz="8000" dirty="0"/>
+              <a:t>` - please ignore and start afresh”]</a:t>
+            </a:r>
+          </a:p>
+        </p:txBody>
+      </p:sp>
+    </p:spTree>
+    <p:extLst>
+      <p:ext uri="{BB962C8B-B14F-4D97-AF65-F5344CB8AC3E}">
+        <p14:creationId xmlns:p14="http://schemas.microsoft.com/office/powerpoint/2010/main" val="3282389886"/>
+      </p:ext>
+    </p:extLst>
+  </p:cSld>
+  <p:clrMapOvr>
+    <a:masterClrMapping/>
+  </p:clrMapOvr>
+</p:sld>
+</file>
+
+<file path=ppt/slides/slide22.xml><?xml version="1.0" encoding="utf-8"?>
 <p:sld xmlns:a="http://schemas.openxmlformats.org/drawingml/2006/main" xmlns:r="http://schemas.openxmlformats.org/officeDocument/2006/relationships" xmlns:p="http://schemas.openxmlformats.org/presentationml/2006/main">
   <p:cSld>
     <p:bg>

--- a/AI_Agents_in_the_Data_Pipeline.pptx
+++ b/AI_Agents_in_the_Data_Pipeline.pptx
@@ -7,26 +7,31 @@
   <p:sldIdLst>
     <p:sldId id="257" r:id="rId2"/>
     <p:sldId id="258" r:id="rId3"/>
-    <p:sldId id="261" r:id="rId4"/>
-    <p:sldId id="260" r:id="rId5"/>
-    <p:sldId id="262" r:id="rId6"/>
-    <p:sldId id="263" r:id="rId7"/>
-    <p:sldId id="264" r:id="rId8"/>
-    <p:sldId id="275" r:id="rId9"/>
-    <p:sldId id="273" r:id="rId10"/>
-    <p:sldId id="265" r:id="rId11"/>
-    <p:sldId id="276" r:id="rId12"/>
-    <p:sldId id="267" r:id="rId13"/>
-    <p:sldId id="279" r:id="rId14"/>
-    <p:sldId id="271" r:id="rId15"/>
-    <p:sldId id="272" r:id="rId16"/>
-    <p:sldId id="266" r:id="rId17"/>
-    <p:sldId id="277" r:id="rId18"/>
-    <p:sldId id="280" r:id="rId19"/>
-    <p:sldId id="281" r:id="rId20"/>
-    <p:sldId id="268" r:id="rId21"/>
-    <p:sldId id="278" r:id="rId22"/>
-    <p:sldId id="270" r:id="rId23"/>
+    <p:sldId id="275" r:id="rId4"/>
+    <p:sldId id="261" r:id="rId5"/>
+    <p:sldId id="260" r:id="rId6"/>
+    <p:sldId id="262" r:id="rId7"/>
+    <p:sldId id="263" r:id="rId8"/>
+    <p:sldId id="282" r:id="rId9"/>
+    <p:sldId id="283" r:id="rId10"/>
+    <p:sldId id="284" r:id="rId11"/>
+    <p:sldId id="285" r:id="rId12"/>
+    <p:sldId id="286" r:id="rId13"/>
+    <p:sldId id="287" r:id="rId14"/>
+    <p:sldId id="273" r:id="rId15"/>
+    <p:sldId id="265" r:id="rId16"/>
+    <p:sldId id="276" r:id="rId17"/>
+    <p:sldId id="267" r:id="rId18"/>
+    <p:sldId id="279" r:id="rId19"/>
+    <p:sldId id="271" r:id="rId20"/>
+    <p:sldId id="272" r:id="rId21"/>
+    <p:sldId id="266" r:id="rId22"/>
+    <p:sldId id="277" r:id="rId23"/>
+    <p:sldId id="280" r:id="rId24"/>
+    <p:sldId id="281" r:id="rId25"/>
+    <p:sldId id="268" r:id="rId26"/>
+    <p:sldId id="278" r:id="rId27"/>
+    <p:sldId id="270" r:id="rId28"/>
   </p:sldIdLst>
   <p:sldSz cx="12192000" cy="6858000"/>
   <p:notesSz cx="6858000" cy="9144000"/>
@@ -282,7 +287,7 @@
           <a:p>
             <a:fld id="{87B02A21-FE86-45F5-9B8B-75D343822DB2}" type="datetimeFigureOut">
               <a:rPr lang="en-GB" smtClean="0"/>
-              <a:t>13/08/2025</a:t>
+              <a:t>08/09/2025</a:t>
             </a:fld>
             <a:endParaRPr lang="en-GB"/>
           </a:p>
@@ -482,7 +487,7 @@
           <a:p>
             <a:fld id="{87B02A21-FE86-45F5-9B8B-75D343822DB2}" type="datetimeFigureOut">
               <a:rPr lang="en-GB" smtClean="0"/>
-              <a:t>13/08/2025</a:t>
+              <a:t>08/09/2025</a:t>
             </a:fld>
             <a:endParaRPr lang="en-GB"/>
           </a:p>
@@ -692,7 +697,7 @@
           <a:p>
             <a:fld id="{87B02A21-FE86-45F5-9B8B-75D343822DB2}" type="datetimeFigureOut">
               <a:rPr lang="en-GB" smtClean="0"/>
-              <a:t>13/08/2025</a:t>
+              <a:t>08/09/2025</a:t>
             </a:fld>
             <a:endParaRPr lang="en-GB"/>
           </a:p>
@@ -892,7 +897,7 @@
           <a:p>
             <a:fld id="{87B02A21-FE86-45F5-9B8B-75D343822DB2}" type="datetimeFigureOut">
               <a:rPr lang="en-GB" smtClean="0"/>
-              <a:t>13/08/2025</a:t>
+              <a:t>08/09/2025</a:t>
             </a:fld>
             <a:endParaRPr lang="en-GB"/>
           </a:p>
@@ -1168,7 +1173,7 @@
           <a:p>
             <a:fld id="{87B02A21-FE86-45F5-9B8B-75D343822DB2}" type="datetimeFigureOut">
               <a:rPr lang="en-GB" smtClean="0"/>
-              <a:t>13/08/2025</a:t>
+              <a:t>08/09/2025</a:t>
             </a:fld>
             <a:endParaRPr lang="en-GB"/>
           </a:p>
@@ -1436,7 +1441,7 @@
           <a:p>
             <a:fld id="{87B02A21-FE86-45F5-9B8B-75D343822DB2}" type="datetimeFigureOut">
               <a:rPr lang="en-GB" smtClean="0"/>
-              <a:t>13/08/2025</a:t>
+              <a:t>08/09/2025</a:t>
             </a:fld>
             <a:endParaRPr lang="en-GB"/>
           </a:p>
@@ -1851,7 +1856,7 @@
           <a:p>
             <a:fld id="{87B02A21-FE86-45F5-9B8B-75D343822DB2}" type="datetimeFigureOut">
               <a:rPr lang="en-GB" smtClean="0"/>
-              <a:t>13/08/2025</a:t>
+              <a:t>08/09/2025</a:t>
             </a:fld>
             <a:endParaRPr lang="en-GB"/>
           </a:p>
@@ -1993,7 +1998,7 @@
           <a:p>
             <a:fld id="{87B02A21-FE86-45F5-9B8B-75D343822DB2}" type="datetimeFigureOut">
               <a:rPr lang="en-GB" smtClean="0"/>
-              <a:t>13/08/2025</a:t>
+              <a:t>08/09/2025</a:t>
             </a:fld>
             <a:endParaRPr lang="en-GB"/>
           </a:p>
@@ -2106,7 +2111,7 @@
           <a:p>
             <a:fld id="{87B02A21-FE86-45F5-9B8B-75D343822DB2}" type="datetimeFigureOut">
               <a:rPr lang="en-GB" smtClean="0"/>
-              <a:t>13/08/2025</a:t>
+              <a:t>08/09/2025</a:t>
             </a:fld>
             <a:endParaRPr lang="en-GB"/>
           </a:p>
@@ -2419,7 +2424,7 @@
           <a:p>
             <a:fld id="{87B02A21-FE86-45F5-9B8B-75D343822DB2}" type="datetimeFigureOut">
               <a:rPr lang="en-GB" smtClean="0"/>
-              <a:t>13/08/2025</a:t>
+              <a:t>08/09/2025</a:t>
             </a:fld>
             <a:endParaRPr lang="en-GB"/>
           </a:p>
@@ -2708,7 +2713,7 @@
           <a:p>
             <a:fld id="{87B02A21-FE86-45F5-9B8B-75D343822DB2}" type="datetimeFigureOut">
               <a:rPr lang="en-GB" smtClean="0"/>
-              <a:t>13/08/2025</a:t>
+              <a:t>08/09/2025</a:t>
             </a:fld>
             <a:endParaRPr lang="en-GB"/>
           </a:p>
@@ -2951,7 +2956,7 @@
           <a:p>
             <a:fld id="{87B02A21-FE86-45F5-9B8B-75D343822DB2}" type="datetimeFigureOut">
               <a:rPr lang="en-GB" smtClean="0"/>
-              <a:t>13/08/2025</a:t>
+              <a:t>08/09/2025</a:t>
             </a:fld>
             <a:endParaRPr lang="en-GB"/>
           </a:p>
@@ -3661,6 +3666,843 @@
         <p:cNvPr id="1" name="">
           <a:extLst>
             <a:ext uri="{FF2B5EF4-FFF2-40B4-BE49-F238E27FC236}">
+              <a16:creationId xmlns:a16="http://schemas.microsoft.com/office/drawing/2014/main" id="{A6EE9F1D-F9B0-DA1A-78CD-C33DF147D62C}"/>
+            </a:ext>
+          </a:extLst>
+        </p:cNvPr>
+        <p:cNvGrpSpPr/>
+        <p:nvPr/>
+      </p:nvGrpSpPr>
+      <p:grpSpPr>
+        <a:xfrm>
+          <a:off x="0" y="0"/>
+          <a:ext cx="0" cy="0"/>
+          <a:chOff x="0" y="0"/>
+          <a:chExt cx="0" cy="0"/>
+        </a:xfrm>
+      </p:grpSpPr>
+      <p:sp>
+        <p:nvSpPr>
+          <p:cNvPr id="2" name="Title 1">
+            <a:extLst>
+              <a:ext uri="{FF2B5EF4-FFF2-40B4-BE49-F238E27FC236}">
+                <a16:creationId xmlns:a16="http://schemas.microsoft.com/office/drawing/2014/main" id="{353BFE2A-3DB5-5136-73B2-E1137CA0F532}"/>
+              </a:ext>
+            </a:extLst>
+          </p:cNvPr>
+          <p:cNvSpPr>
+            <a:spLocks noGrp="1"/>
+          </p:cNvSpPr>
+          <p:nvPr>
+            <p:ph type="title"/>
+          </p:nvPr>
+        </p:nvSpPr>
+        <p:spPr>
+          <a:xfrm>
+            <a:off x="919314" y="190464"/>
+            <a:ext cx="10515600" cy="1325563"/>
+          </a:xfrm>
+        </p:spPr>
+        <p:txBody>
+          <a:bodyPr/>
+          <a:lstStyle/>
+          <a:p>
+            <a:r>
+              <a:rPr lang="en-GB" dirty="0">
+                <a:solidFill>
+                  <a:srgbClr val="676767"/>
+                </a:solidFill>
+              </a:rPr>
+              <a:t>What is Agentic?</a:t>
+            </a:r>
+          </a:p>
+        </p:txBody>
+      </p:sp>
+      <p:sp>
+        <p:nvSpPr>
+          <p:cNvPr id="8" name="TextBox 7">
+            <a:extLst>
+              <a:ext uri="{FF2B5EF4-FFF2-40B4-BE49-F238E27FC236}">
+                <a16:creationId xmlns:a16="http://schemas.microsoft.com/office/drawing/2014/main" id="{C4ED288D-569F-D60C-8A43-685A113030E3}"/>
+              </a:ext>
+            </a:extLst>
+          </p:cNvPr>
+          <p:cNvSpPr txBox="1"/>
+          <p:nvPr/>
+        </p:nvSpPr>
+        <p:spPr>
+          <a:xfrm>
+            <a:off x="919314" y="1921267"/>
+            <a:ext cx="9961019" cy="2062103"/>
+          </a:xfrm>
+          <a:prstGeom prst="rect">
+            <a:avLst/>
+          </a:prstGeom>
+          <a:noFill/>
+        </p:spPr>
+        <p:txBody>
+          <a:bodyPr wrap="square" rtlCol="0">
+            <a:spAutoFit/>
+          </a:bodyPr>
+          <a:lstStyle/>
+          <a:p>
+            <a:r>
+              <a:rPr lang="en-GB" sz="3200" dirty="0"/>
+              <a:t>Tell me about Data Analytics and here is some data…</a:t>
+            </a:r>
+          </a:p>
+          <a:p>
+            <a:endParaRPr lang="en-GB" sz="3200" dirty="0"/>
+          </a:p>
+          <a:p>
+            <a:r>
+              <a:rPr lang="en-GB" sz="3200" dirty="0"/>
+              <a:t>This is context engineering where we supply appropriate context for the Agent.</a:t>
+            </a:r>
+          </a:p>
+        </p:txBody>
+      </p:sp>
+    </p:spTree>
+    <p:extLst>
+      <p:ext uri="{BB962C8B-B14F-4D97-AF65-F5344CB8AC3E}">
+        <p14:creationId xmlns:p14="http://schemas.microsoft.com/office/powerpoint/2010/main" val="2155851369"/>
+      </p:ext>
+    </p:extLst>
+  </p:cSld>
+  <p:clrMapOvr>
+    <a:masterClrMapping/>
+  </p:clrMapOvr>
+</p:sld>
+</file>
+
+<file path=ppt/slides/slide11.xml><?xml version="1.0" encoding="utf-8"?>
+<p:sld xmlns:a="http://schemas.openxmlformats.org/drawingml/2006/main" xmlns:r="http://schemas.openxmlformats.org/officeDocument/2006/relationships" xmlns:p="http://schemas.openxmlformats.org/presentationml/2006/main">
+  <p:cSld>
+    <p:bg>
+      <p:bgPr>
+        <a:solidFill>
+          <a:srgbClr val="FAF0E6"/>
+        </a:solidFill>
+        <a:effectLst/>
+      </p:bgPr>
+    </p:bg>
+    <p:spTree>
+      <p:nvGrpSpPr>
+        <p:cNvPr id="1" name="">
+          <a:extLst>
+            <a:ext uri="{FF2B5EF4-FFF2-40B4-BE49-F238E27FC236}">
+              <a16:creationId xmlns:a16="http://schemas.microsoft.com/office/drawing/2014/main" id="{AF0AF258-6642-08C5-D4DA-FA5BA3DEB67D}"/>
+            </a:ext>
+          </a:extLst>
+        </p:cNvPr>
+        <p:cNvGrpSpPr/>
+        <p:nvPr/>
+      </p:nvGrpSpPr>
+      <p:grpSpPr>
+        <a:xfrm>
+          <a:off x="0" y="0"/>
+          <a:ext cx="0" cy="0"/>
+          <a:chOff x="0" y="0"/>
+          <a:chExt cx="0" cy="0"/>
+        </a:xfrm>
+      </p:grpSpPr>
+      <p:sp>
+        <p:nvSpPr>
+          <p:cNvPr id="2" name="Title 1">
+            <a:extLst>
+              <a:ext uri="{FF2B5EF4-FFF2-40B4-BE49-F238E27FC236}">
+                <a16:creationId xmlns:a16="http://schemas.microsoft.com/office/drawing/2014/main" id="{A3683726-1E1A-3007-AD79-64578B8B1F16}"/>
+              </a:ext>
+            </a:extLst>
+          </p:cNvPr>
+          <p:cNvSpPr>
+            <a:spLocks noGrp="1"/>
+          </p:cNvSpPr>
+          <p:nvPr>
+            <p:ph type="title"/>
+          </p:nvPr>
+        </p:nvSpPr>
+        <p:spPr>
+          <a:xfrm>
+            <a:off x="919314" y="190464"/>
+            <a:ext cx="10515600" cy="1325563"/>
+          </a:xfrm>
+        </p:spPr>
+        <p:txBody>
+          <a:bodyPr/>
+          <a:lstStyle/>
+          <a:p>
+            <a:r>
+              <a:rPr lang="en-GB" dirty="0">
+                <a:solidFill>
+                  <a:srgbClr val="676767"/>
+                </a:solidFill>
+              </a:rPr>
+              <a:t>What is Agentic?</a:t>
+            </a:r>
+          </a:p>
+        </p:txBody>
+      </p:sp>
+      <p:sp>
+        <p:nvSpPr>
+          <p:cNvPr id="8" name="TextBox 7">
+            <a:extLst>
+              <a:ext uri="{FF2B5EF4-FFF2-40B4-BE49-F238E27FC236}">
+                <a16:creationId xmlns:a16="http://schemas.microsoft.com/office/drawing/2014/main" id="{2681BDFC-E84D-DF43-6FE4-0563152F41EC}"/>
+              </a:ext>
+            </a:extLst>
+          </p:cNvPr>
+          <p:cNvSpPr txBox="1"/>
+          <p:nvPr/>
+        </p:nvSpPr>
+        <p:spPr>
+          <a:xfrm>
+            <a:off x="919314" y="1320818"/>
+            <a:ext cx="9961019" cy="5016758"/>
+          </a:xfrm>
+          <a:prstGeom prst="rect">
+            <a:avLst/>
+          </a:prstGeom>
+          <a:noFill/>
+        </p:spPr>
+        <p:txBody>
+          <a:bodyPr wrap="square" rtlCol="0">
+            <a:spAutoFit/>
+          </a:bodyPr>
+          <a:lstStyle/>
+          <a:p>
+            <a:endParaRPr lang="en-GB" sz="3200" dirty="0"/>
+          </a:p>
+          <a:p>
+            <a:r>
+              <a:rPr lang="en-GB" sz="3200" dirty="0"/>
+              <a:t>Tell me about Data Analytics and here is some data…</a:t>
+            </a:r>
+          </a:p>
+          <a:p>
+            <a:endParaRPr lang="en-GB" sz="3200" dirty="0"/>
+          </a:p>
+          <a:p>
+            <a:r>
+              <a:rPr lang="en-GB" sz="3200" dirty="0"/>
+              <a:t>Also compare our share price with {company X}…</a:t>
+            </a:r>
+          </a:p>
+          <a:p>
+            <a:endParaRPr lang="en-GB" sz="3200" dirty="0"/>
+          </a:p>
+          <a:p>
+            <a:r>
+              <a:rPr lang="en-GB" sz="3200" dirty="0"/>
+              <a:t>We don’t know this information at time of request as it will vary with each query.</a:t>
+            </a:r>
+          </a:p>
+          <a:p>
+            <a:endParaRPr lang="en-GB" sz="3200" dirty="0"/>
+          </a:p>
+          <a:p>
+            <a:r>
+              <a:rPr lang="en-GB" sz="3200" dirty="0"/>
+              <a:t>We need a tool/function the Agent can use to get the share price… “tool/function calling”</a:t>
+            </a:r>
+          </a:p>
+        </p:txBody>
+      </p:sp>
+      <p:sp>
+        <p:nvSpPr>
+          <p:cNvPr id="3" name="TextBox 2">
+            <a:extLst>
+              <a:ext uri="{FF2B5EF4-FFF2-40B4-BE49-F238E27FC236}">
+                <a16:creationId xmlns:a16="http://schemas.microsoft.com/office/drawing/2014/main" id="{9A992F7E-D232-E7FC-2BFF-DF740EBA7039}"/>
+              </a:ext>
+            </a:extLst>
+          </p:cNvPr>
+          <p:cNvSpPr txBox="1"/>
+          <p:nvPr/>
+        </p:nvSpPr>
+        <p:spPr>
+          <a:xfrm>
+            <a:off x="919314" y="1223639"/>
+            <a:ext cx="9961019" cy="584775"/>
+          </a:xfrm>
+          <a:prstGeom prst="rect">
+            <a:avLst/>
+          </a:prstGeom>
+          <a:noFill/>
+        </p:spPr>
+        <p:txBody>
+          <a:bodyPr wrap="square" rtlCol="0">
+            <a:spAutoFit/>
+          </a:bodyPr>
+          <a:lstStyle/>
+          <a:p>
+            <a:pPr algn="ctr"/>
+            <a:r>
+              <a:rPr lang="en-GB" sz="3200" b="1" dirty="0"/>
+              <a:t>Tool/Function Calling – adding more context/info</a:t>
+            </a:r>
+            <a:endParaRPr lang="en-GB" sz="4400" b="1" dirty="0"/>
+          </a:p>
+        </p:txBody>
+      </p:sp>
+    </p:spTree>
+    <p:extLst>
+      <p:ext uri="{BB962C8B-B14F-4D97-AF65-F5344CB8AC3E}">
+        <p14:creationId xmlns:p14="http://schemas.microsoft.com/office/powerpoint/2010/main" val="711814381"/>
+      </p:ext>
+    </p:extLst>
+  </p:cSld>
+  <p:clrMapOvr>
+    <a:masterClrMapping/>
+  </p:clrMapOvr>
+</p:sld>
+</file>
+
+<file path=ppt/slides/slide12.xml><?xml version="1.0" encoding="utf-8"?>
+<p:sld xmlns:a="http://schemas.openxmlformats.org/drawingml/2006/main" xmlns:r="http://schemas.openxmlformats.org/officeDocument/2006/relationships" xmlns:p="http://schemas.openxmlformats.org/presentationml/2006/main">
+  <p:cSld>
+    <p:bg>
+      <p:bgPr>
+        <a:solidFill>
+          <a:srgbClr val="FAF0E6"/>
+        </a:solidFill>
+        <a:effectLst/>
+      </p:bgPr>
+    </p:bg>
+    <p:spTree>
+      <p:nvGrpSpPr>
+        <p:cNvPr id="1" name="">
+          <a:extLst>
+            <a:ext uri="{FF2B5EF4-FFF2-40B4-BE49-F238E27FC236}">
+              <a16:creationId xmlns:a16="http://schemas.microsoft.com/office/drawing/2014/main" id="{B4384A62-67FE-9EB2-E26F-C3F062E395CC}"/>
+            </a:ext>
+          </a:extLst>
+        </p:cNvPr>
+        <p:cNvGrpSpPr/>
+        <p:nvPr/>
+      </p:nvGrpSpPr>
+      <p:grpSpPr>
+        <a:xfrm>
+          <a:off x="0" y="0"/>
+          <a:ext cx="0" cy="0"/>
+          <a:chOff x="0" y="0"/>
+          <a:chExt cx="0" cy="0"/>
+        </a:xfrm>
+      </p:grpSpPr>
+      <p:sp>
+        <p:nvSpPr>
+          <p:cNvPr id="2" name="Title 1">
+            <a:extLst>
+              <a:ext uri="{FF2B5EF4-FFF2-40B4-BE49-F238E27FC236}">
+                <a16:creationId xmlns:a16="http://schemas.microsoft.com/office/drawing/2014/main" id="{41CFDCC1-2ADB-45D2-586E-6E02F676A3F8}"/>
+              </a:ext>
+            </a:extLst>
+          </p:cNvPr>
+          <p:cNvSpPr>
+            <a:spLocks noGrp="1"/>
+          </p:cNvSpPr>
+          <p:nvPr>
+            <p:ph type="title"/>
+          </p:nvPr>
+        </p:nvSpPr>
+        <p:spPr>
+          <a:xfrm>
+            <a:off x="919314" y="190464"/>
+            <a:ext cx="10515600" cy="1325563"/>
+          </a:xfrm>
+        </p:spPr>
+        <p:txBody>
+          <a:bodyPr/>
+          <a:lstStyle/>
+          <a:p>
+            <a:r>
+              <a:rPr lang="en-GB" dirty="0">
+                <a:solidFill>
+                  <a:srgbClr val="676767"/>
+                </a:solidFill>
+              </a:rPr>
+              <a:t>What is Agentic?</a:t>
+            </a:r>
+          </a:p>
+        </p:txBody>
+      </p:sp>
+      <p:sp>
+        <p:nvSpPr>
+          <p:cNvPr id="8" name="TextBox 7">
+            <a:extLst>
+              <a:ext uri="{FF2B5EF4-FFF2-40B4-BE49-F238E27FC236}">
+                <a16:creationId xmlns:a16="http://schemas.microsoft.com/office/drawing/2014/main" id="{732B9044-5042-2D2F-859F-428D20CBC310}"/>
+              </a:ext>
+            </a:extLst>
+          </p:cNvPr>
+          <p:cNvSpPr txBox="1"/>
+          <p:nvPr/>
+        </p:nvSpPr>
+        <p:spPr>
+          <a:xfrm>
+            <a:off x="919314" y="1516027"/>
+            <a:ext cx="9961019" cy="4493538"/>
+          </a:xfrm>
+          <a:prstGeom prst="rect">
+            <a:avLst/>
+          </a:prstGeom>
+          <a:noFill/>
+        </p:spPr>
+        <p:txBody>
+          <a:bodyPr wrap="square" rtlCol="0">
+            <a:spAutoFit/>
+          </a:bodyPr>
+          <a:lstStyle/>
+          <a:p>
+            <a:r>
+              <a:rPr lang="en-GB" sz="3200" b="1" dirty="0"/>
+              <a:t>INITIAL PROMPT: </a:t>
+            </a:r>
+            <a:r>
+              <a:rPr lang="en-GB" sz="3200" dirty="0"/>
+              <a:t>Tell me about Data Analytics and here is some data…Also compare our share price with {company X}…</a:t>
+            </a:r>
+          </a:p>
+          <a:p>
+            <a:endParaRPr lang="en-GB" sz="1200" dirty="0"/>
+          </a:p>
+          <a:p>
+            <a:r>
+              <a:rPr lang="en-GB" sz="3200" dirty="0"/>
+              <a:t>Here is a tool you might need </a:t>
+            </a:r>
+            <a:r>
+              <a:rPr lang="en-GB" sz="2000" b="1" dirty="0">
+                <a:latin typeface="Consolas" panose="020B0609020204030204" pitchFamily="49" charset="0"/>
+              </a:rPr>
+              <a:t>“get_share_price”</a:t>
+            </a:r>
+          </a:p>
+          <a:p>
+            <a:endParaRPr lang="en-GB" sz="1000" dirty="0"/>
+          </a:p>
+          <a:p>
+            <a:r>
+              <a:rPr lang="en-GB" sz="3200" dirty="0"/>
+              <a:t>If you need it, return: </a:t>
+            </a:r>
+            <a:r>
+              <a:rPr lang="en-GB" sz="2000" b="1" dirty="0">
+                <a:latin typeface="Consolas" panose="020B0609020204030204" pitchFamily="49" charset="0"/>
+              </a:rPr>
+              <a:t>{“tool”:“get_share_price”, “args”: “X”}</a:t>
+            </a:r>
+          </a:p>
+          <a:p>
+            <a:endParaRPr lang="en-GB" sz="2000" b="1" dirty="0"/>
+          </a:p>
+          <a:p>
+            <a:r>
+              <a:rPr lang="en-GB" sz="2400" i="1" dirty="0"/>
+              <a:t>I will then run this function and give you the value…</a:t>
+            </a:r>
+          </a:p>
+          <a:p>
+            <a:endParaRPr lang="en-GB" sz="1600" dirty="0"/>
+          </a:p>
+          <a:p>
+            <a:r>
+              <a:rPr lang="en-GB" sz="2400" i="1" dirty="0"/>
+              <a:t>Whole thread is sent…as if for the first time…like an email thread.</a:t>
+            </a:r>
+          </a:p>
+          <a:p>
+            <a:endParaRPr lang="en-GB" sz="2000" dirty="0"/>
+          </a:p>
+        </p:txBody>
+      </p:sp>
+      <p:pic>
+        <p:nvPicPr>
+          <p:cNvPr id="9" name="Graphic 8" descr="Add with solid fill">
+            <a:extLst>
+              <a:ext uri="{FF2B5EF4-FFF2-40B4-BE49-F238E27FC236}">
+                <a16:creationId xmlns:a16="http://schemas.microsoft.com/office/drawing/2014/main" id="{8113DFED-DF89-CD79-6F96-17E332E4C4C4}"/>
+              </a:ext>
+            </a:extLst>
+          </p:cNvPr>
+          <p:cNvPicPr>
+            <a:picLocks noChangeAspect="1"/>
+          </p:cNvPicPr>
+          <p:nvPr/>
+        </p:nvPicPr>
+        <p:blipFill>
+          <a:blip r:embed="rId2">
+            <a:extLst>
+              <a:ext uri="{96DAC541-7B7A-43D3-8B79-37D633B846F1}">
+                <asvg:svgBlip xmlns:asvg="http://schemas.microsoft.com/office/drawing/2016/SVG/main" r:embed="rId3"/>
+              </a:ext>
+            </a:extLst>
+          </a:blip>
+          <a:stretch>
+            <a:fillRect/>
+          </a:stretch>
+        </p:blipFill>
+        <p:spPr>
+          <a:xfrm>
+            <a:off x="4037744" y="2440897"/>
+            <a:ext cx="801385" cy="801385"/>
+          </a:xfrm>
+          <a:prstGeom prst="rect">
+            <a:avLst/>
+          </a:prstGeom>
+        </p:spPr>
+      </p:pic>
+    </p:spTree>
+    <p:extLst>
+      <p:ext uri="{BB962C8B-B14F-4D97-AF65-F5344CB8AC3E}">
+        <p14:creationId xmlns:p14="http://schemas.microsoft.com/office/powerpoint/2010/main" val="2448079346"/>
+      </p:ext>
+    </p:extLst>
+  </p:cSld>
+  <p:clrMapOvr>
+    <a:masterClrMapping/>
+  </p:clrMapOvr>
+</p:sld>
+</file>
+
+<file path=ppt/slides/slide13.xml><?xml version="1.0" encoding="utf-8"?>
+<p:sld xmlns:a="http://schemas.openxmlformats.org/drawingml/2006/main" xmlns:r="http://schemas.openxmlformats.org/officeDocument/2006/relationships" xmlns:p="http://schemas.openxmlformats.org/presentationml/2006/main">
+  <p:cSld>
+    <p:bg>
+      <p:bgPr>
+        <a:solidFill>
+          <a:srgbClr val="FAF0E6"/>
+        </a:solidFill>
+        <a:effectLst/>
+      </p:bgPr>
+    </p:bg>
+    <p:spTree>
+      <p:nvGrpSpPr>
+        <p:cNvPr id="1" name="">
+          <a:extLst>
+            <a:ext uri="{FF2B5EF4-FFF2-40B4-BE49-F238E27FC236}">
+              <a16:creationId xmlns:a16="http://schemas.microsoft.com/office/drawing/2014/main" id="{85D8DA7F-B1D8-D9A8-D01C-792B793264AE}"/>
+            </a:ext>
+          </a:extLst>
+        </p:cNvPr>
+        <p:cNvGrpSpPr/>
+        <p:nvPr/>
+      </p:nvGrpSpPr>
+      <p:grpSpPr>
+        <a:xfrm>
+          <a:off x="0" y="0"/>
+          <a:ext cx="0" cy="0"/>
+          <a:chOff x="0" y="0"/>
+          <a:chExt cx="0" cy="0"/>
+        </a:xfrm>
+      </p:grpSpPr>
+      <p:sp>
+        <p:nvSpPr>
+          <p:cNvPr id="2" name="Title 1">
+            <a:extLst>
+              <a:ext uri="{FF2B5EF4-FFF2-40B4-BE49-F238E27FC236}">
+                <a16:creationId xmlns:a16="http://schemas.microsoft.com/office/drawing/2014/main" id="{9D8CC8CA-586F-74A1-8AC1-C7EAB2F20EC2}"/>
+              </a:ext>
+            </a:extLst>
+          </p:cNvPr>
+          <p:cNvSpPr>
+            <a:spLocks noGrp="1"/>
+          </p:cNvSpPr>
+          <p:nvPr>
+            <p:ph type="title"/>
+          </p:nvPr>
+        </p:nvSpPr>
+        <p:spPr>
+          <a:xfrm>
+            <a:off x="919314" y="190464"/>
+            <a:ext cx="10515600" cy="1325563"/>
+          </a:xfrm>
+        </p:spPr>
+        <p:txBody>
+          <a:bodyPr/>
+          <a:lstStyle/>
+          <a:p>
+            <a:r>
+              <a:rPr lang="en-GB" dirty="0">
+                <a:solidFill>
+                  <a:srgbClr val="676767"/>
+                </a:solidFill>
+              </a:rPr>
+              <a:t>What is Agentic?</a:t>
+            </a:r>
+          </a:p>
+        </p:txBody>
+      </p:sp>
+      <p:sp>
+        <p:nvSpPr>
+          <p:cNvPr id="8" name="TextBox 7">
+            <a:extLst>
+              <a:ext uri="{FF2B5EF4-FFF2-40B4-BE49-F238E27FC236}">
+                <a16:creationId xmlns:a16="http://schemas.microsoft.com/office/drawing/2014/main" id="{818A3652-C2C0-3005-99B5-9EB77719DC89}"/>
+              </a:ext>
+            </a:extLst>
+          </p:cNvPr>
+          <p:cNvSpPr txBox="1"/>
+          <p:nvPr/>
+        </p:nvSpPr>
+        <p:spPr>
+          <a:xfrm>
+            <a:off x="919314" y="848537"/>
+            <a:ext cx="9961019" cy="892552"/>
+          </a:xfrm>
+          <a:prstGeom prst="rect">
+            <a:avLst/>
+          </a:prstGeom>
+          <a:noFill/>
+        </p:spPr>
+        <p:txBody>
+          <a:bodyPr wrap="square" rtlCol="0">
+            <a:spAutoFit/>
+          </a:bodyPr>
+          <a:lstStyle/>
+          <a:p>
+            <a:endParaRPr lang="en-GB" sz="2000" dirty="0"/>
+          </a:p>
+          <a:p>
+            <a:pPr algn="ctr"/>
+            <a:r>
+              <a:rPr lang="en-GB" sz="3200" dirty="0"/>
+              <a:t>This is the REFLECTION pattern (looping): </a:t>
+            </a:r>
+            <a:endParaRPr lang="en-GB" sz="4400" dirty="0"/>
+          </a:p>
+        </p:txBody>
+      </p:sp>
+      <p:pic>
+        <p:nvPicPr>
+          <p:cNvPr id="6" name="Picture 5" descr="A diagram of a reflection process&#10;&#10;AI-generated content may be incorrect.">
+            <a:extLst>
+              <a:ext uri="{FF2B5EF4-FFF2-40B4-BE49-F238E27FC236}">
+                <a16:creationId xmlns:a16="http://schemas.microsoft.com/office/drawing/2014/main" id="{21DC5963-DA47-441B-EF1E-4528AC981E9A}"/>
+              </a:ext>
+            </a:extLst>
+          </p:cNvPr>
+          <p:cNvPicPr>
+            <a:picLocks noChangeAspect="1"/>
+          </p:cNvPicPr>
+          <p:nvPr/>
+        </p:nvPicPr>
+        <p:blipFill>
+          <a:blip r:embed="rId2">
+            <a:extLst>
+              <a:ext uri="{28A0092B-C50C-407E-A947-70E740481C1C}">
+                <a14:useLocalDpi xmlns:a14="http://schemas.microsoft.com/office/drawing/2010/main" val="0"/>
+              </a:ext>
+            </a:extLst>
+          </a:blip>
+          <a:stretch>
+            <a:fillRect/>
+          </a:stretch>
+        </p:blipFill>
+        <p:spPr>
+          <a:xfrm>
+            <a:off x="1774749" y="1741089"/>
+            <a:ext cx="8250148" cy="4640709"/>
+          </a:xfrm>
+          <a:prstGeom prst="rect">
+            <a:avLst/>
+          </a:prstGeom>
+        </p:spPr>
+      </p:pic>
+    </p:spTree>
+    <p:extLst>
+      <p:ext uri="{BB962C8B-B14F-4D97-AF65-F5344CB8AC3E}">
+        <p14:creationId xmlns:p14="http://schemas.microsoft.com/office/powerpoint/2010/main" val="2798437050"/>
+      </p:ext>
+    </p:extLst>
+  </p:cSld>
+  <p:clrMapOvr>
+    <a:masterClrMapping/>
+  </p:clrMapOvr>
+</p:sld>
+</file>
+
+<file path=ppt/slides/slide14.xml><?xml version="1.0" encoding="utf-8"?>
+<p:sld xmlns:a="http://schemas.openxmlformats.org/drawingml/2006/main" xmlns:r="http://schemas.openxmlformats.org/officeDocument/2006/relationships" xmlns:p="http://schemas.openxmlformats.org/presentationml/2006/main">
+  <p:cSld>
+    <p:bg>
+      <p:bgPr>
+        <a:solidFill>
+          <a:srgbClr val="FAF0E6"/>
+        </a:solidFill>
+        <a:effectLst/>
+      </p:bgPr>
+    </p:bg>
+    <p:spTree>
+      <p:nvGrpSpPr>
+        <p:cNvPr id="1" name="">
+          <a:extLst>
+            <a:ext uri="{FF2B5EF4-FFF2-40B4-BE49-F238E27FC236}">
+              <a16:creationId xmlns:a16="http://schemas.microsoft.com/office/drawing/2014/main" id="{1EABF0B7-F482-2446-C127-C90E4C449EEB}"/>
+            </a:ext>
+          </a:extLst>
+        </p:cNvPr>
+        <p:cNvGrpSpPr/>
+        <p:nvPr/>
+      </p:nvGrpSpPr>
+      <p:grpSpPr>
+        <a:xfrm>
+          <a:off x="0" y="0"/>
+          <a:ext cx="0" cy="0"/>
+          <a:chOff x="0" y="0"/>
+          <a:chExt cx="0" cy="0"/>
+        </a:xfrm>
+      </p:grpSpPr>
+      <p:sp>
+        <p:nvSpPr>
+          <p:cNvPr id="2" name="Title 1">
+            <a:extLst>
+              <a:ext uri="{FF2B5EF4-FFF2-40B4-BE49-F238E27FC236}">
+                <a16:creationId xmlns:a16="http://schemas.microsoft.com/office/drawing/2014/main" id="{49B83DC5-BF67-7FA4-0059-A3065D06F6AE}"/>
+              </a:ext>
+            </a:extLst>
+          </p:cNvPr>
+          <p:cNvSpPr>
+            <a:spLocks noGrp="1"/>
+          </p:cNvSpPr>
+          <p:nvPr>
+            <p:ph type="title"/>
+          </p:nvPr>
+        </p:nvSpPr>
+        <p:spPr>
+          <a:xfrm>
+            <a:off x="919314" y="190464"/>
+            <a:ext cx="10515600" cy="1325563"/>
+          </a:xfrm>
+        </p:spPr>
+        <p:txBody>
+          <a:bodyPr/>
+          <a:lstStyle/>
+          <a:p>
+            <a:r>
+              <a:rPr lang="en-GB" dirty="0">
+                <a:solidFill>
+                  <a:srgbClr val="676767"/>
+                </a:solidFill>
+              </a:rPr>
+              <a:t>Raw code implementation of an Agent</a:t>
+            </a:r>
+          </a:p>
+        </p:txBody>
+      </p:sp>
+      <p:sp>
+        <p:nvSpPr>
+          <p:cNvPr id="4" name="Content Placeholder 3">
+            <a:extLst>
+              <a:ext uri="{FF2B5EF4-FFF2-40B4-BE49-F238E27FC236}">
+                <a16:creationId xmlns:a16="http://schemas.microsoft.com/office/drawing/2014/main" id="{DF30FB64-851F-A3BD-15E6-081CA2032010}"/>
+              </a:ext>
+            </a:extLst>
+          </p:cNvPr>
+          <p:cNvSpPr>
+            <a:spLocks noGrp="1"/>
+          </p:cNvSpPr>
+          <p:nvPr>
+            <p:ph idx="1"/>
+          </p:nvPr>
+        </p:nvSpPr>
+        <p:spPr>
+          <a:xfrm>
+            <a:off x="919314" y="1599593"/>
+            <a:ext cx="10515600" cy="4351338"/>
+          </a:xfrm>
+        </p:spPr>
+        <p:txBody>
+          <a:bodyPr>
+            <a:normAutofit/>
+          </a:bodyPr>
+          <a:lstStyle/>
+          <a:p>
+            <a:r>
+              <a:rPr lang="en-GB" dirty="0"/>
+              <a:t>Post a set of instructions and additional information (context) to an API</a:t>
+            </a:r>
+          </a:p>
+          <a:p>
+            <a:r>
+              <a:rPr lang="en-GB" dirty="0"/>
+              <a:t>Single API</a:t>
+            </a:r>
+          </a:p>
+          <a:p>
+            <a:r>
+              <a:rPr lang="en-GB" dirty="0"/>
+              <a:t>We send instructions in Natural Language</a:t>
+            </a:r>
+          </a:p>
+          <a:p>
+            <a:r>
+              <a:rPr lang="en-GB" dirty="0"/>
+              <a:t>There is not official way to write instructions but clear, complete and with examples are key as we would give to an ‘intern’</a:t>
+            </a:r>
+          </a:p>
+          <a:p>
+            <a:r>
+              <a:rPr lang="en-GB" dirty="0"/>
+              <a:t>Pro-tip: save understanding to offline</a:t>
+            </a:r>
+          </a:p>
+          <a:p>
+            <a:r>
+              <a:rPr lang="en-GB" sz="3800" dirty="0"/>
+              <a:t>Let’s look at </a:t>
+            </a:r>
+            <a:r>
+              <a:rPr lang="en-GB" sz="3800" dirty="0">
+                <a:highlight>
+                  <a:srgbClr val="C0C0C0"/>
+                </a:highlight>
+                <a:latin typeface="Consolas" panose="020B0609020204030204" pitchFamily="49" charset="0"/>
+              </a:rPr>
+              <a:t>01_demo_api.ipynb</a:t>
+            </a:r>
+            <a:r>
+              <a:rPr lang="en-GB" sz="3800" dirty="0"/>
+              <a:t> in the repo…</a:t>
+            </a:r>
+          </a:p>
+          <a:p>
+            <a:endParaRPr lang="en-GB" dirty="0"/>
+          </a:p>
+          <a:p>
+            <a:endParaRPr lang="en-GB" dirty="0"/>
+          </a:p>
+        </p:txBody>
+      </p:sp>
+    </p:spTree>
+    <p:extLst>
+      <p:ext uri="{BB962C8B-B14F-4D97-AF65-F5344CB8AC3E}">
+        <p14:creationId xmlns:p14="http://schemas.microsoft.com/office/powerpoint/2010/main" val="3845626983"/>
+      </p:ext>
+    </p:extLst>
+  </p:cSld>
+  <p:clrMapOvr>
+    <a:masterClrMapping/>
+  </p:clrMapOvr>
+</p:sld>
+</file>
+
+<file path=ppt/slides/slide15.xml><?xml version="1.0" encoding="utf-8"?>
+<p:sld xmlns:a="http://schemas.openxmlformats.org/drawingml/2006/main" xmlns:r="http://schemas.openxmlformats.org/officeDocument/2006/relationships" xmlns:p="http://schemas.openxmlformats.org/presentationml/2006/main">
+  <p:cSld>
+    <p:bg>
+      <p:bgPr>
+        <a:solidFill>
+          <a:srgbClr val="FAF0E6"/>
+        </a:solidFill>
+        <a:effectLst/>
+      </p:bgPr>
+    </p:bg>
+    <p:spTree>
+      <p:nvGrpSpPr>
+        <p:cNvPr id="1" name="">
+          <a:extLst>
+            <a:ext uri="{FF2B5EF4-FFF2-40B4-BE49-F238E27FC236}">
               <a16:creationId xmlns:a16="http://schemas.microsoft.com/office/drawing/2014/main" id="{521A3AD7-012D-83EA-2CB2-072646D14143}"/>
             </a:ext>
           </a:extLst>
@@ -3823,7 +4665,7 @@
 </p:sld>
 </file>
 
-<file path=ppt/slides/slide11.xml><?xml version="1.0" encoding="utf-8"?>
+<file path=ppt/slides/slide16.xml><?xml version="1.0" encoding="utf-8"?>
 <p:sld xmlns:a="http://schemas.openxmlformats.org/drawingml/2006/main" xmlns:r="http://schemas.openxmlformats.org/officeDocument/2006/relationships" xmlns:p="http://schemas.openxmlformats.org/presentationml/2006/main">
   <p:cSld>
     <p:bg>
@@ -3942,7 +4784,7 @@
 </p:sld>
 </file>
 
-<file path=ppt/slides/slide12.xml><?xml version="1.0" encoding="utf-8"?>
+<file path=ppt/slides/slide17.xml><?xml version="1.0" encoding="utf-8"?>
 <p:sld xmlns:a="http://schemas.openxmlformats.org/drawingml/2006/main" xmlns:r="http://schemas.openxmlformats.org/officeDocument/2006/relationships" xmlns:p="http://schemas.openxmlformats.org/presentationml/2006/main">
   <p:cSld>
     <p:bg>
@@ -4117,7 +4959,7 @@
 </p:sld>
 </file>
 
-<file path=ppt/slides/slide13.xml><?xml version="1.0" encoding="utf-8"?>
+<file path=ppt/slides/slide18.xml><?xml version="1.0" encoding="utf-8"?>
 <p:sld xmlns:a="http://schemas.openxmlformats.org/drawingml/2006/main" xmlns:r="http://schemas.openxmlformats.org/officeDocument/2006/relationships" xmlns:p="http://schemas.openxmlformats.org/presentationml/2006/main">
   <p:cSld>
     <p:bg>
@@ -4278,7 +5120,7 @@
 </p:sld>
 </file>
 
-<file path=ppt/slides/slide14.xml><?xml version="1.0" encoding="utf-8"?>
+<file path=ppt/slides/slide19.xml><?xml version="1.0" encoding="utf-8"?>
 <p:sld xmlns:a="http://schemas.openxmlformats.org/drawingml/2006/main" xmlns:r="http://schemas.openxmlformats.org/officeDocument/2006/relationships" xmlns:p="http://schemas.openxmlformats.org/presentationml/2006/main">
   <p:cSld>
     <p:bg>
@@ -4427,793 +5269,6 @@
     <p:extLst>
       <p:ext uri="{BB962C8B-B14F-4D97-AF65-F5344CB8AC3E}">
         <p14:creationId xmlns:p14="http://schemas.microsoft.com/office/powerpoint/2010/main" val="3658313044"/>
-      </p:ext>
-    </p:extLst>
-  </p:cSld>
-  <p:clrMapOvr>
-    <a:masterClrMapping/>
-  </p:clrMapOvr>
-</p:sld>
-</file>
-
-<file path=ppt/slides/slide15.xml><?xml version="1.0" encoding="utf-8"?>
-<p:sld xmlns:a="http://schemas.openxmlformats.org/drawingml/2006/main" xmlns:r="http://schemas.openxmlformats.org/officeDocument/2006/relationships" xmlns:p="http://schemas.openxmlformats.org/presentationml/2006/main">
-  <p:cSld>
-    <p:bg>
-      <p:bgPr>
-        <a:solidFill>
-          <a:srgbClr val="FAF0E6"/>
-        </a:solidFill>
-        <a:effectLst/>
-      </p:bgPr>
-    </p:bg>
-    <p:spTree>
-      <p:nvGrpSpPr>
-        <p:cNvPr id="1" name="">
-          <a:extLst>
-            <a:ext uri="{FF2B5EF4-FFF2-40B4-BE49-F238E27FC236}">
-              <a16:creationId xmlns:a16="http://schemas.microsoft.com/office/drawing/2014/main" id="{A9BC89B4-C6A1-AA4A-4E2A-549D68FAF01B}"/>
-            </a:ext>
-          </a:extLst>
-        </p:cNvPr>
-        <p:cNvGrpSpPr/>
-        <p:nvPr/>
-      </p:nvGrpSpPr>
-      <p:grpSpPr>
-        <a:xfrm>
-          <a:off x="0" y="0"/>
-          <a:ext cx="0" cy="0"/>
-          <a:chOff x="0" y="0"/>
-          <a:chExt cx="0" cy="0"/>
-        </a:xfrm>
-      </p:grpSpPr>
-      <p:sp>
-        <p:nvSpPr>
-          <p:cNvPr id="2" name="Title 1">
-            <a:extLst>
-              <a:ext uri="{FF2B5EF4-FFF2-40B4-BE49-F238E27FC236}">
-                <a16:creationId xmlns:a16="http://schemas.microsoft.com/office/drawing/2014/main" id="{8E2A0115-D35C-4044-C78F-3FECEDE45104}"/>
-              </a:ext>
-            </a:extLst>
-          </p:cNvPr>
-          <p:cNvSpPr>
-            <a:spLocks noGrp="1"/>
-          </p:cNvSpPr>
-          <p:nvPr>
-            <p:ph type="title"/>
-          </p:nvPr>
-        </p:nvSpPr>
-        <p:spPr>
-          <a:xfrm>
-            <a:off x="919314" y="190464"/>
-            <a:ext cx="10515600" cy="1325563"/>
-          </a:xfrm>
-        </p:spPr>
-        <p:txBody>
-          <a:bodyPr/>
-          <a:lstStyle/>
-          <a:p>
-            <a:r>
-              <a:rPr lang="en-GB" dirty="0">
-                <a:solidFill>
-                  <a:srgbClr val="676767"/>
-                </a:solidFill>
-              </a:rPr>
-              <a:t>Agentic Patterns (2)</a:t>
-            </a:r>
-          </a:p>
-        </p:txBody>
-      </p:sp>
-      <p:pic>
-        <p:nvPicPr>
-          <p:cNvPr id="6" name="Content Placeholder 5" descr="A diagram of a call center&#10;&#10;AI-generated content may be incorrect.">
-            <a:extLst>
-              <a:ext uri="{FF2B5EF4-FFF2-40B4-BE49-F238E27FC236}">
-                <a16:creationId xmlns:a16="http://schemas.microsoft.com/office/drawing/2014/main" id="{40876E72-6B84-D798-A97E-43514414F6A1}"/>
-              </a:ext>
-            </a:extLst>
-          </p:cNvPr>
-          <p:cNvPicPr>
-            <a:picLocks noGrp="1" noChangeAspect="1"/>
-          </p:cNvPicPr>
-          <p:nvPr>
-            <p:ph idx="1"/>
-          </p:nvPr>
-        </p:nvPicPr>
-        <p:blipFill>
-          <a:blip r:embed="rId2">
-            <a:extLst>
-              <a:ext uri="{28A0092B-C50C-407E-A947-70E740481C1C}">
-                <a14:useLocalDpi xmlns:a14="http://schemas.microsoft.com/office/drawing/2010/main" val="0"/>
-              </a:ext>
-            </a:extLst>
-          </a:blip>
-          <a:stretch>
-            <a:fillRect/>
-          </a:stretch>
-        </p:blipFill>
-        <p:spPr>
-          <a:xfrm>
-            <a:off x="6657654" y="2040763"/>
-            <a:ext cx="5106033" cy="2573088"/>
-          </a:xfrm>
-        </p:spPr>
-      </p:pic>
-      <p:pic>
-        <p:nvPicPr>
-          <p:cNvPr id="9" name="Picture 8" descr="A diagram of a flowchart&#10;&#10;AI-generated content may be incorrect.">
-            <a:extLst>
-              <a:ext uri="{FF2B5EF4-FFF2-40B4-BE49-F238E27FC236}">
-                <a16:creationId xmlns:a16="http://schemas.microsoft.com/office/drawing/2014/main" id="{5F084771-CD9C-05A7-DA66-86BFA2BF9B96}"/>
-              </a:ext>
-            </a:extLst>
-          </p:cNvPr>
-          <p:cNvPicPr>
-            <a:picLocks noChangeAspect="1"/>
-          </p:cNvPicPr>
-          <p:nvPr/>
-        </p:nvPicPr>
-        <p:blipFill>
-          <a:blip r:embed="rId3">
-            <a:extLst>
-              <a:ext uri="{28A0092B-C50C-407E-A947-70E740481C1C}">
-                <a14:useLocalDpi xmlns:a14="http://schemas.microsoft.com/office/drawing/2010/main" val="0"/>
-              </a:ext>
-            </a:extLst>
-          </a:blip>
-          <a:stretch>
-            <a:fillRect/>
-          </a:stretch>
-        </p:blipFill>
-        <p:spPr>
-          <a:xfrm>
-            <a:off x="328773" y="2040763"/>
-            <a:ext cx="6174769" cy="2571749"/>
-          </a:xfrm>
-          <a:prstGeom prst="rect">
-            <a:avLst/>
-          </a:prstGeom>
-        </p:spPr>
-      </p:pic>
-      <p:sp>
-        <p:nvSpPr>
-          <p:cNvPr id="10" name="TextBox 9">
-            <a:extLst>
-              <a:ext uri="{FF2B5EF4-FFF2-40B4-BE49-F238E27FC236}">
-                <a16:creationId xmlns:a16="http://schemas.microsoft.com/office/drawing/2014/main" id="{59A98EEC-4177-D5BB-1978-219FCEA5B31F}"/>
-              </a:ext>
-            </a:extLst>
-          </p:cNvPr>
-          <p:cNvSpPr txBox="1"/>
-          <p:nvPr/>
-        </p:nvSpPr>
-        <p:spPr>
-          <a:xfrm>
-            <a:off x="3277456" y="4767916"/>
-            <a:ext cx="6760396" cy="369332"/>
-          </a:xfrm>
-          <a:prstGeom prst="rect">
-            <a:avLst/>
-          </a:prstGeom>
-          <a:noFill/>
-        </p:spPr>
-        <p:txBody>
-          <a:bodyPr wrap="square" rtlCol="0">
-            <a:spAutoFit/>
-          </a:bodyPr>
-          <a:lstStyle/>
-          <a:p>
-            <a:r>
-              <a:rPr lang="en-GB" dirty="0"/>
-              <a:t>https://www.anthropic.com/engineering/building-effective-agents</a:t>
-            </a:r>
-          </a:p>
-        </p:txBody>
-      </p:sp>
-    </p:spTree>
-    <p:extLst>
-      <p:ext uri="{BB962C8B-B14F-4D97-AF65-F5344CB8AC3E}">
-        <p14:creationId xmlns:p14="http://schemas.microsoft.com/office/powerpoint/2010/main" val="1212136247"/>
-      </p:ext>
-    </p:extLst>
-  </p:cSld>
-  <p:clrMapOvr>
-    <a:masterClrMapping/>
-  </p:clrMapOvr>
-</p:sld>
-</file>
-
-<file path=ppt/slides/slide16.xml><?xml version="1.0" encoding="utf-8"?>
-<p:sld xmlns:a="http://schemas.openxmlformats.org/drawingml/2006/main" xmlns:r="http://schemas.openxmlformats.org/officeDocument/2006/relationships" xmlns:p="http://schemas.openxmlformats.org/presentationml/2006/main">
-  <p:cSld>
-    <p:bg>
-      <p:bgPr>
-        <a:solidFill>
-          <a:srgbClr val="FAF0E6"/>
-        </a:solidFill>
-        <a:effectLst/>
-      </p:bgPr>
-    </p:bg>
-    <p:spTree>
-      <p:nvGrpSpPr>
-        <p:cNvPr id="1" name="">
-          <a:extLst>
-            <a:ext uri="{FF2B5EF4-FFF2-40B4-BE49-F238E27FC236}">
-              <a16:creationId xmlns:a16="http://schemas.microsoft.com/office/drawing/2014/main" id="{4F03791B-8DEA-52AA-EE90-B39E7103FB3B}"/>
-            </a:ext>
-          </a:extLst>
-        </p:cNvPr>
-        <p:cNvGrpSpPr/>
-        <p:nvPr/>
-      </p:nvGrpSpPr>
-      <p:grpSpPr>
-        <a:xfrm>
-          <a:off x="0" y="0"/>
-          <a:ext cx="0" cy="0"/>
-          <a:chOff x="0" y="0"/>
-          <a:chExt cx="0" cy="0"/>
-        </a:xfrm>
-      </p:grpSpPr>
-      <p:sp>
-        <p:nvSpPr>
-          <p:cNvPr id="2" name="Title 1">
-            <a:extLst>
-              <a:ext uri="{FF2B5EF4-FFF2-40B4-BE49-F238E27FC236}">
-                <a16:creationId xmlns:a16="http://schemas.microsoft.com/office/drawing/2014/main" id="{0E3F80D4-47D2-5718-8DC0-05BF3D23C0CA}"/>
-              </a:ext>
-            </a:extLst>
-          </p:cNvPr>
-          <p:cNvSpPr>
-            <a:spLocks noGrp="1"/>
-          </p:cNvSpPr>
-          <p:nvPr>
-            <p:ph type="title"/>
-          </p:nvPr>
-        </p:nvSpPr>
-        <p:spPr>
-          <a:xfrm>
-            <a:off x="919314" y="190464"/>
-            <a:ext cx="10515600" cy="1325563"/>
-          </a:xfrm>
-        </p:spPr>
-        <p:txBody>
-          <a:bodyPr/>
-          <a:lstStyle/>
-          <a:p>
-            <a:r>
-              <a:rPr lang="en-GB" dirty="0">
-                <a:solidFill>
-                  <a:srgbClr val="676767"/>
-                </a:solidFill>
-              </a:rPr>
-              <a:t>Model costs</a:t>
-            </a:r>
-          </a:p>
-        </p:txBody>
-      </p:sp>
-      <p:pic>
-        <p:nvPicPr>
-          <p:cNvPr id="4" name="Content Placeholder 3" descr="A graph with colored lines and numbers&#10;&#10;AI-generated content may be incorrect.">
-            <a:extLst>
-              <a:ext uri="{FF2B5EF4-FFF2-40B4-BE49-F238E27FC236}">
-                <a16:creationId xmlns:a16="http://schemas.microsoft.com/office/drawing/2014/main" id="{C05A1683-F503-D79D-B919-D7BBD1D74C83}"/>
-              </a:ext>
-            </a:extLst>
-          </p:cNvPr>
-          <p:cNvPicPr>
-            <a:picLocks noGrp="1" noChangeAspect="1"/>
-          </p:cNvPicPr>
-          <p:nvPr>
-            <p:ph idx="1"/>
-          </p:nvPr>
-        </p:nvPicPr>
-        <p:blipFill>
-          <a:blip r:embed="rId2">
-            <a:extLst>
-              <a:ext uri="{28A0092B-C50C-407E-A947-70E740481C1C}">
-                <a14:useLocalDpi xmlns:a14="http://schemas.microsoft.com/office/drawing/2010/main" val="0"/>
-              </a:ext>
-            </a:extLst>
-          </a:blip>
-          <a:stretch>
-            <a:fillRect/>
-          </a:stretch>
-        </p:blipFill>
-        <p:spPr>
-          <a:xfrm>
-            <a:off x="1818280" y="1314038"/>
-            <a:ext cx="8717668" cy="5106918"/>
-          </a:xfrm>
-          <a:prstGeom prst="rect">
-            <a:avLst/>
-          </a:prstGeom>
-        </p:spPr>
-      </p:pic>
-    </p:spTree>
-    <p:extLst>
-      <p:ext uri="{BB962C8B-B14F-4D97-AF65-F5344CB8AC3E}">
-        <p14:creationId xmlns:p14="http://schemas.microsoft.com/office/powerpoint/2010/main" val="988705094"/>
-      </p:ext>
-    </p:extLst>
-  </p:cSld>
-  <p:clrMapOvr>
-    <a:masterClrMapping/>
-  </p:clrMapOvr>
-</p:sld>
-</file>
-
-<file path=ppt/slides/slide17.xml><?xml version="1.0" encoding="utf-8"?>
-<p:sld xmlns:a="http://schemas.openxmlformats.org/drawingml/2006/main" xmlns:r="http://schemas.openxmlformats.org/officeDocument/2006/relationships" xmlns:p="http://schemas.openxmlformats.org/presentationml/2006/main">
-  <p:cSld>
-    <p:bg>
-      <p:bgPr>
-        <a:solidFill>
-          <a:srgbClr val="FAF0E6"/>
-        </a:solidFill>
-        <a:effectLst/>
-      </p:bgPr>
-    </p:bg>
-    <p:spTree>
-      <p:nvGrpSpPr>
-        <p:cNvPr id="1" name="">
-          <a:extLst>
-            <a:ext uri="{FF2B5EF4-FFF2-40B4-BE49-F238E27FC236}">
-              <a16:creationId xmlns:a16="http://schemas.microsoft.com/office/drawing/2014/main" id="{D134FBD2-643E-E5A9-8BF2-FB3612599A1F}"/>
-            </a:ext>
-          </a:extLst>
-        </p:cNvPr>
-        <p:cNvGrpSpPr/>
-        <p:nvPr/>
-      </p:nvGrpSpPr>
-      <p:grpSpPr>
-        <a:xfrm>
-          <a:off x="0" y="0"/>
-          <a:ext cx="0" cy="0"/>
-          <a:chOff x="0" y="0"/>
-          <a:chExt cx="0" cy="0"/>
-        </a:xfrm>
-      </p:grpSpPr>
-      <p:sp>
-        <p:nvSpPr>
-          <p:cNvPr id="2" name="Title 1">
-            <a:extLst>
-              <a:ext uri="{FF2B5EF4-FFF2-40B4-BE49-F238E27FC236}">
-                <a16:creationId xmlns:a16="http://schemas.microsoft.com/office/drawing/2014/main" id="{A0934512-7B25-E453-E16C-FF65441E2C81}"/>
-              </a:ext>
-            </a:extLst>
-          </p:cNvPr>
-          <p:cNvSpPr>
-            <a:spLocks noGrp="1"/>
-          </p:cNvSpPr>
-          <p:nvPr>
-            <p:ph type="title"/>
-          </p:nvPr>
-        </p:nvSpPr>
-        <p:spPr>
-          <a:xfrm>
-            <a:off x="919314" y="190464"/>
-            <a:ext cx="10515600" cy="1325563"/>
-          </a:xfrm>
-        </p:spPr>
-        <p:txBody>
-          <a:bodyPr/>
-          <a:lstStyle/>
-          <a:p>
-            <a:r>
-              <a:rPr lang="en-GB" dirty="0">
-                <a:solidFill>
-                  <a:srgbClr val="676767"/>
-                </a:solidFill>
-              </a:rPr>
-              <a:t>What is the Agent2Agent Protocol (A2A)?</a:t>
-            </a:r>
-          </a:p>
-        </p:txBody>
-      </p:sp>
-      <p:sp>
-        <p:nvSpPr>
-          <p:cNvPr id="3" name="Content Placeholder 2">
-            <a:extLst>
-              <a:ext uri="{FF2B5EF4-FFF2-40B4-BE49-F238E27FC236}">
-                <a16:creationId xmlns:a16="http://schemas.microsoft.com/office/drawing/2014/main" id="{32B5311C-1016-A0EE-6E12-DD296E243500}"/>
-              </a:ext>
-            </a:extLst>
-          </p:cNvPr>
-          <p:cNvSpPr>
-            <a:spLocks noGrp="1"/>
-          </p:cNvSpPr>
-          <p:nvPr>
-            <p:ph idx="1"/>
-          </p:nvPr>
-        </p:nvSpPr>
-        <p:spPr>
-          <a:xfrm>
-            <a:off x="838199" y="1413031"/>
-            <a:ext cx="10596715" cy="4906652"/>
-          </a:xfrm>
-          <a:solidFill>
-            <a:srgbClr val="FAF0E6"/>
-          </a:solidFill>
-        </p:spPr>
-        <p:txBody>
-          <a:bodyPr>
-            <a:normAutofit/>
-          </a:bodyPr>
-          <a:lstStyle/>
-          <a:p>
-            <a:pPr marL="0" indent="0">
-              <a:buNone/>
-            </a:pPr>
-            <a:r>
-              <a:rPr lang="en-GB" dirty="0"/>
-              <a:t>A complimentary protocol to allow one Agent to discover and understand what another Agent does.</a:t>
-            </a:r>
-          </a:p>
-          <a:p>
-            <a:pPr marL="0" indent="0">
-              <a:buNone/>
-            </a:pPr>
-            <a:r>
-              <a:rPr lang="en-GB" dirty="0"/>
-              <a:t>It can then hand off work to the other Agent to get a desired response.</a:t>
-            </a:r>
-          </a:p>
-          <a:p>
-            <a:pPr marL="0" indent="0">
-              <a:buNone/>
-            </a:pPr>
-            <a:r>
-              <a:rPr lang="en-GB" dirty="0"/>
-              <a:t>It might seem that tools, MCP, A2A are all similar!</a:t>
-            </a:r>
-          </a:p>
-          <a:p>
-            <a:pPr marL="0" indent="0">
-              <a:buNone/>
-            </a:pPr>
-            <a:r>
-              <a:rPr lang="en-GB" dirty="0"/>
-              <a:t>At the end of the day Python is variables and code…all objects and essentially variations on functions.</a:t>
-            </a:r>
-          </a:p>
-          <a:p>
-            <a:pPr marL="0" indent="0">
-              <a:buNone/>
-            </a:pPr>
-            <a:r>
-              <a:rPr lang="en-GB" dirty="0"/>
-              <a:t>Protocols, like HTTP for example, are implementations to enable communication between bits of code.</a:t>
-            </a:r>
-          </a:p>
-          <a:p>
-            <a:pPr marL="0" indent="0">
-              <a:buNone/>
-            </a:pPr>
-            <a:r>
-              <a:rPr lang="en-GB" i="1" dirty="0"/>
-              <a:t>Next…an example from Google…</a:t>
-            </a:r>
-          </a:p>
-        </p:txBody>
-      </p:sp>
-    </p:spTree>
-    <p:extLst>
-      <p:ext uri="{BB962C8B-B14F-4D97-AF65-F5344CB8AC3E}">
-        <p14:creationId xmlns:p14="http://schemas.microsoft.com/office/powerpoint/2010/main" val="2253881597"/>
-      </p:ext>
-    </p:extLst>
-  </p:cSld>
-  <p:clrMapOvr>
-    <a:masterClrMapping/>
-  </p:clrMapOvr>
-</p:sld>
-</file>
-
-<file path=ppt/slides/slide18.xml><?xml version="1.0" encoding="utf-8"?>
-<p:sld xmlns:a="http://schemas.openxmlformats.org/drawingml/2006/main" xmlns:r="http://schemas.openxmlformats.org/officeDocument/2006/relationships" xmlns:p="http://schemas.openxmlformats.org/presentationml/2006/main">
-  <p:cSld>
-    <p:bg>
-      <p:bgPr>
-        <a:solidFill>
-          <a:srgbClr val="FAF0E6"/>
-        </a:solidFill>
-        <a:effectLst/>
-      </p:bgPr>
-    </p:bg>
-    <p:spTree>
-      <p:nvGrpSpPr>
-        <p:cNvPr id="1" name="">
-          <a:extLst>
-            <a:ext uri="{FF2B5EF4-FFF2-40B4-BE49-F238E27FC236}">
-              <a16:creationId xmlns:a16="http://schemas.microsoft.com/office/drawing/2014/main" id="{1AA440AF-DD92-7905-6BC8-EE77381BAEAB}"/>
-            </a:ext>
-          </a:extLst>
-        </p:cNvPr>
-        <p:cNvGrpSpPr/>
-        <p:nvPr/>
-      </p:nvGrpSpPr>
-      <p:grpSpPr>
-        <a:xfrm>
-          <a:off x="0" y="0"/>
-          <a:ext cx="0" cy="0"/>
-          <a:chOff x="0" y="0"/>
-          <a:chExt cx="0" cy="0"/>
-        </a:xfrm>
-      </p:grpSpPr>
-      <p:sp>
-        <p:nvSpPr>
-          <p:cNvPr id="2" name="Title 1">
-            <a:extLst>
-              <a:ext uri="{FF2B5EF4-FFF2-40B4-BE49-F238E27FC236}">
-                <a16:creationId xmlns:a16="http://schemas.microsoft.com/office/drawing/2014/main" id="{1A15E1A2-83B2-14F0-BFEA-861422733F26}"/>
-              </a:ext>
-            </a:extLst>
-          </p:cNvPr>
-          <p:cNvSpPr>
-            <a:spLocks noGrp="1"/>
-          </p:cNvSpPr>
-          <p:nvPr>
-            <p:ph type="title"/>
-          </p:nvPr>
-        </p:nvSpPr>
-        <p:spPr>
-          <a:xfrm>
-            <a:off x="919314" y="190464"/>
-            <a:ext cx="10515600" cy="1325563"/>
-          </a:xfrm>
-        </p:spPr>
-        <p:txBody>
-          <a:bodyPr/>
-          <a:lstStyle/>
-          <a:p>
-            <a:r>
-              <a:rPr lang="en-GB" dirty="0">
-                <a:solidFill>
-                  <a:srgbClr val="676767"/>
-                </a:solidFill>
-              </a:rPr>
-              <a:t>Google CRM Agent (1)</a:t>
-            </a:r>
-          </a:p>
-        </p:txBody>
-      </p:sp>
-      <p:pic>
-        <p:nvPicPr>
-          <p:cNvPr id="5" name="Content Placeholder 4" descr="A diagram of a business&#10;&#10;AI-generated content may be incorrect.">
-            <a:extLst>
-              <a:ext uri="{FF2B5EF4-FFF2-40B4-BE49-F238E27FC236}">
-                <a16:creationId xmlns:a16="http://schemas.microsoft.com/office/drawing/2014/main" id="{35C7062D-4D91-6909-2AFE-1BD94FA2B192}"/>
-              </a:ext>
-            </a:extLst>
-          </p:cNvPr>
-          <p:cNvPicPr>
-            <a:picLocks noGrp="1" noChangeAspect="1"/>
-          </p:cNvPicPr>
-          <p:nvPr>
-            <p:ph idx="1"/>
-          </p:nvPr>
-        </p:nvPicPr>
-        <p:blipFill>
-          <a:blip r:embed="rId2">
-            <a:extLst>
-              <a:ext uri="{28A0092B-C50C-407E-A947-70E740481C1C}">
-                <a14:useLocalDpi xmlns:a14="http://schemas.microsoft.com/office/drawing/2010/main" val="0"/>
-              </a:ext>
-            </a:extLst>
-          </a:blip>
-          <a:stretch>
-            <a:fillRect/>
-          </a:stretch>
-        </p:blipFill>
-        <p:spPr>
-          <a:xfrm>
-            <a:off x="878832" y="1421289"/>
-            <a:ext cx="10596563" cy="4870469"/>
-          </a:xfrm>
-          <a:solidFill>
-            <a:srgbClr val="FAF0E6"/>
-          </a:solidFill>
-        </p:spPr>
-      </p:pic>
-    </p:spTree>
-    <p:extLst>
-      <p:ext uri="{BB962C8B-B14F-4D97-AF65-F5344CB8AC3E}">
-        <p14:creationId xmlns:p14="http://schemas.microsoft.com/office/powerpoint/2010/main" val="3279871281"/>
-      </p:ext>
-    </p:extLst>
-  </p:cSld>
-  <p:clrMapOvr>
-    <a:masterClrMapping/>
-  </p:clrMapOvr>
-</p:sld>
-</file>
-
-<file path=ppt/slides/slide19.xml><?xml version="1.0" encoding="utf-8"?>
-<p:sld xmlns:a="http://schemas.openxmlformats.org/drawingml/2006/main" xmlns:r="http://schemas.openxmlformats.org/officeDocument/2006/relationships" xmlns:p="http://schemas.openxmlformats.org/presentationml/2006/main">
-  <p:cSld>
-    <p:bg>
-      <p:bgPr>
-        <a:solidFill>
-          <a:srgbClr val="FAF0E6"/>
-        </a:solidFill>
-        <a:effectLst/>
-      </p:bgPr>
-    </p:bg>
-    <p:spTree>
-      <p:nvGrpSpPr>
-        <p:cNvPr id="1" name="">
-          <a:extLst>
-            <a:ext uri="{FF2B5EF4-FFF2-40B4-BE49-F238E27FC236}">
-              <a16:creationId xmlns:a16="http://schemas.microsoft.com/office/drawing/2014/main" id="{CB0030CE-F294-86B3-6F10-3AB61987FE26}"/>
-            </a:ext>
-          </a:extLst>
-        </p:cNvPr>
-        <p:cNvGrpSpPr/>
-        <p:nvPr/>
-      </p:nvGrpSpPr>
-      <p:grpSpPr>
-        <a:xfrm>
-          <a:off x="0" y="0"/>
-          <a:ext cx="0" cy="0"/>
-          <a:chOff x="0" y="0"/>
-          <a:chExt cx="0" cy="0"/>
-        </a:xfrm>
-      </p:grpSpPr>
-      <p:pic>
-        <p:nvPicPr>
-          <p:cNvPr id="7" name="Picture 6" descr="A screenshot of a computer&#10;&#10;AI-generated content may be incorrect.">
-            <a:extLst>
-              <a:ext uri="{FF2B5EF4-FFF2-40B4-BE49-F238E27FC236}">
-                <a16:creationId xmlns:a16="http://schemas.microsoft.com/office/drawing/2014/main" id="{EF3853CA-F183-DF85-201B-ED2AB55C4669}"/>
-              </a:ext>
-            </a:extLst>
-          </p:cNvPr>
-          <p:cNvPicPr>
-            <a:picLocks noChangeAspect="1"/>
-          </p:cNvPicPr>
-          <p:nvPr/>
-        </p:nvPicPr>
-        <p:blipFill>
-          <a:blip r:embed="rId2">
-            <a:extLst>
-              <a:ext uri="{28A0092B-C50C-407E-A947-70E740481C1C}">
-                <a14:useLocalDpi xmlns:a14="http://schemas.microsoft.com/office/drawing/2010/main" val="0"/>
-              </a:ext>
-            </a:extLst>
-          </a:blip>
-          <a:stretch>
-            <a:fillRect/>
-          </a:stretch>
-        </p:blipFill>
-        <p:spPr>
-          <a:xfrm>
-            <a:off x="6782929" y="1969851"/>
-            <a:ext cx="4972442" cy="4165477"/>
-          </a:xfrm>
-          <a:prstGeom prst="rect">
-            <a:avLst/>
-          </a:prstGeom>
-        </p:spPr>
-      </p:pic>
-      <p:sp>
-        <p:nvSpPr>
-          <p:cNvPr id="2" name="Title 1">
-            <a:extLst>
-              <a:ext uri="{FF2B5EF4-FFF2-40B4-BE49-F238E27FC236}">
-                <a16:creationId xmlns:a16="http://schemas.microsoft.com/office/drawing/2014/main" id="{60345D98-D59A-10E5-7C50-C924EE888534}"/>
-              </a:ext>
-            </a:extLst>
-          </p:cNvPr>
-          <p:cNvSpPr>
-            <a:spLocks noGrp="1"/>
-          </p:cNvSpPr>
-          <p:nvPr>
-            <p:ph type="title"/>
-          </p:nvPr>
-        </p:nvSpPr>
-        <p:spPr>
-          <a:xfrm>
-            <a:off x="919314" y="190464"/>
-            <a:ext cx="10515600" cy="1325563"/>
-          </a:xfrm>
-        </p:spPr>
-        <p:txBody>
-          <a:bodyPr/>
-          <a:lstStyle/>
-          <a:p>
-            <a:r>
-              <a:rPr lang="en-GB" dirty="0">
-                <a:solidFill>
-                  <a:srgbClr val="676767"/>
-                </a:solidFill>
-              </a:rPr>
-              <a:t>Google CRM Agent (2)</a:t>
-            </a:r>
-          </a:p>
-        </p:txBody>
-      </p:sp>
-      <p:sp>
-        <p:nvSpPr>
-          <p:cNvPr id="4" name="Content Placeholder 3">
-            <a:extLst>
-              <a:ext uri="{FF2B5EF4-FFF2-40B4-BE49-F238E27FC236}">
-                <a16:creationId xmlns:a16="http://schemas.microsoft.com/office/drawing/2014/main" id="{92A58150-C7BB-C968-2A62-2A3812D748E7}"/>
-              </a:ext>
-            </a:extLst>
-          </p:cNvPr>
-          <p:cNvSpPr>
-            <a:spLocks noGrp="1"/>
-          </p:cNvSpPr>
-          <p:nvPr>
-            <p:ph idx="1"/>
-          </p:nvPr>
-        </p:nvSpPr>
-        <p:spPr>
-          <a:xfrm>
-            <a:off x="919314" y="1516027"/>
-            <a:ext cx="10515600" cy="4351338"/>
-          </a:xfrm>
-        </p:spPr>
-        <p:txBody>
-          <a:bodyPr/>
-          <a:lstStyle/>
-          <a:p>
-            <a:r>
-              <a:rPr lang="en-GB" sz="1600" dirty="0">
-                <a:hlinkClick r:id="rId3"/>
-              </a:rPr>
-              <a:t>https://github.com/vladkol/crm-data-agent/blob/main/src/agents/data_agent/prompts/crm_business_analyst.py</a:t>
-            </a:r>
-            <a:endParaRPr lang="en-GB" sz="1600" dirty="0"/>
-          </a:p>
-          <a:p>
-            <a:r>
-              <a:rPr lang="en-GB" dirty="0"/>
-              <a:t>06_demo_prompt_google_crm.md</a:t>
-            </a:r>
-          </a:p>
-          <a:p>
-            <a:pPr marL="0" indent="0">
-              <a:buNone/>
-            </a:pPr>
-            <a:endParaRPr lang="en-GB" dirty="0"/>
-          </a:p>
-          <a:p>
-            <a:pPr marL="0" indent="0">
-              <a:buNone/>
-            </a:pPr>
-            <a:r>
-              <a:rPr lang="en-GB" dirty="0"/>
-              <a:t>We can learn a lot about best</a:t>
-            </a:r>
-          </a:p>
-          <a:p>
-            <a:pPr marL="0" indent="0">
-              <a:buNone/>
-            </a:pPr>
-            <a:r>
-              <a:rPr lang="en-GB" dirty="0"/>
-              <a:t>practices for Context Engineering by </a:t>
-            </a:r>
-          </a:p>
-          <a:p>
-            <a:pPr marL="0" indent="0">
-              <a:buNone/>
-            </a:pPr>
-            <a:r>
-              <a:rPr lang="en-GB" dirty="0"/>
-              <a:t>looking at big tech repos.</a:t>
-            </a:r>
-          </a:p>
-          <a:p>
-            <a:endParaRPr lang="en-GB" dirty="0"/>
-          </a:p>
-        </p:txBody>
-      </p:sp>
-    </p:spTree>
-    <p:extLst>
-      <p:ext uri="{BB962C8B-B14F-4D97-AF65-F5344CB8AC3E}">
-        <p14:creationId xmlns:p14="http://schemas.microsoft.com/office/powerpoint/2010/main" val="3831430507"/>
       </p:ext>
     </p:extLst>
   </p:cSld>
@@ -5417,6 +5472,793 @@
         <p:cNvPr id="1" name="">
           <a:extLst>
             <a:ext uri="{FF2B5EF4-FFF2-40B4-BE49-F238E27FC236}">
+              <a16:creationId xmlns:a16="http://schemas.microsoft.com/office/drawing/2014/main" id="{A9BC89B4-C6A1-AA4A-4E2A-549D68FAF01B}"/>
+            </a:ext>
+          </a:extLst>
+        </p:cNvPr>
+        <p:cNvGrpSpPr/>
+        <p:nvPr/>
+      </p:nvGrpSpPr>
+      <p:grpSpPr>
+        <a:xfrm>
+          <a:off x="0" y="0"/>
+          <a:ext cx="0" cy="0"/>
+          <a:chOff x="0" y="0"/>
+          <a:chExt cx="0" cy="0"/>
+        </a:xfrm>
+      </p:grpSpPr>
+      <p:sp>
+        <p:nvSpPr>
+          <p:cNvPr id="2" name="Title 1">
+            <a:extLst>
+              <a:ext uri="{FF2B5EF4-FFF2-40B4-BE49-F238E27FC236}">
+                <a16:creationId xmlns:a16="http://schemas.microsoft.com/office/drawing/2014/main" id="{8E2A0115-D35C-4044-C78F-3FECEDE45104}"/>
+              </a:ext>
+            </a:extLst>
+          </p:cNvPr>
+          <p:cNvSpPr>
+            <a:spLocks noGrp="1"/>
+          </p:cNvSpPr>
+          <p:nvPr>
+            <p:ph type="title"/>
+          </p:nvPr>
+        </p:nvSpPr>
+        <p:spPr>
+          <a:xfrm>
+            <a:off x="919314" y="190464"/>
+            <a:ext cx="10515600" cy="1325563"/>
+          </a:xfrm>
+        </p:spPr>
+        <p:txBody>
+          <a:bodyPr/>
+          <a:lstStyle/>
+          <a:p>
+            <a:r>
+              <a:rPr lang="en-GB" dirty="0">
+                <a:solidFill>
+                  <a:srgbClr val="676767"/>
+                </a:solidFill>
+              </a:rPr>
+              <a:t>Agentic Patterns (2)</a:t>
+            </a:r>
+          </a:p>
+        </p:txBody>
+      </p:sp>
+      <p:pic>
+        <p:nvPicPr>
+          <p:cNvPr id="6" name="Content Placeholder 5" descr="A diagram of a call center&#10;&#10;AI-generated content may be incorrect.">
+            <a:extLst>
+              <a:ext uri="{FF2B5EF4-FFF2-40B4-BE49-F238E27FC236}">
+                <a16:creationId xmlns:a16="http://schemas.microsoft.com/office/drawing/2014/main" id="{40876E72-6B84-D798-A97E-43514414F6A1}"/>
+              </a:ext>
+            </a:extLst>
+          </p:cNvPr>
+          <p:cNvPicPr>
+            <a:picLocks noGrp="1" noChangeAspect="1"/>
+          </p:cNvPicPr>
+          <p:nvPr>
+            <p:ph idx="1"/>
+          </p:nvPr>
+        </p:nvPicPr>
+        <p:blipFill>
+          <a:blip r:embed="rId2">
+            <a:extLst>
+              <a:ext uri="{28A0092B-C50C-407E-A947-70E740481C1C}">
+                <a14:useLocalDpi xmlns:a14="http://schemas.microsoft.com/office/drawing/2010/main" val="0"/>
+              </a:ext>
+            </a:extLst>
+          </a:blip>
+          <a:stretch>
+            <a:fillRect/>
+          </a:stretch>
+        </p:blipFill>
+        <p:spPr>
+          <a:xfrm>
+            <a:off x="6657654" y="2040763"/>
+            <a:ext cx="5106033" cy="2573088"/>
+          </a:xfrm>
+        </p:spPr>
+      </p:pic>
+      <p:pic>
+        <p:nvPicPr>
+          <p:cNvPr id="9" name="Picture 8" descr="A diagram of a flowchart&#10;&#10;AI-generated content may be incorrect.">
+            <a:extLst>
+              <a:ext uri="{FF2B5EF4-FFF2-40B4-BE49-F238E27FC236}">
+                <a16:creationId xmlns:a16="http://schemas.microsoft.com/office/drawing/2014/main" id="{5F084771-CD9C-05A7-DA66-86BFA2BF9B96}"/>
+              </a:ext>
+            </a:extLst>
+          </p:cNvPr>
+          <p:cNvPicPr>
+            <a:picLocks noChangeAspect="1"/>
+          </p:cNvPicPr>
+          <p:nvPr/>
+        </p:nvPicPr>
+        <p:blipFill>
+          <a:blip r:embed="rId3">
+            <a:extLst>
+              <a:ext uri="{28A0092B-C50C-407E-A947-70E740481C1C}">
+                <a14:useLocalDpi xmlns:a14="http://schemas.microsoft.com/office/drawing/2010/main" val="0"/>
+              </a:ext>
+            </a:extLst>
+          </a:blip>
+          <a:stretch>
+            <a:fillRect/>
+          </a:stretch>
+        </p:blipFill>
+        <p:spPr>
+          <a:xfrm>
+            <a:off x="328773" y="2040763"/>
+            <a:ext cx="6174769" cy="2571749"/>
+          </a:xfrm>
+          <a:prstGeom prst="rect">
+            <a:avLst/>
+          </a:prstGeom>
+        </p:spPr>
+      </p:pic>
+      <p:sp>
+        <p:nvSpPr>
+          <p:cNvPr id="10" name="TextBox 9">
+            <a:extLst>
+              <a:ext uri="{FF2B5EF4-FFF2-40B4-BE49-F238E27FC236}">
+                <a16:creationId xmlns:a16="http://schemas.microsoft.com/office/drawing/2014/main" id="{59A98EEC-4177-D5BB-1978-219FCEA5B31F}"/>
+              </a:ext>
+            </a:extLst>
+          </p:cNvPr>
+          <p:cNvSpPr txBox="1"/>
+          <p:nvPr/>
+        </p:nvSpPr>
+        <p:spPr>
+          <a:xfrm>
+            <a:off x="3277456" y="4767916"/>
+            <a:ext cx="6760396" cy="369332"/>
+          </a:xfrm>
+          <a:prstGeom prst="rect">
+            <a:avLst/>
+          </a:prstGeom>
+          <a:noFill/>
+        </p:spPr>
+        <p:txBody>
+          <a:bodyPr wrap="square" rtlCol="0">
+            <a:spAutoFit/>
+          </a:bodyPr>
+          <a:lstStyle/>
+          <a:p>
+            <a:r>
+              <a:rPr lang="en-GB" dirty="0"/>
+              <a:t>https://www.anthropic.com/engineering/building-effective-agents</a:t>
+            </a:r>
+          </a:p>
+        </p:txBody>
+      </p:sp>
+    </p:spTree>
+    <p:extLst>
+      <p:ext uri="{BB962C8B-B14F-4D97-AF65-F5344CB8AC3E}">
+        <p14:creationId xmlns:p14="http://schemas.microsoft.com/office/powerpoint/2010/main" val="1212136247"/>
+      </p:ext>
+    </p:extLst>
+  </p:cSld>
+  <p:clrMapOvr>
+    <a:masterClrMapping/>
+  </p:clrMapOvr>
+</p:sld>
+</file>
+
+<file path=ppt/slides/slide21.xml><?xml version="1.0" encoding="utf-8"?>
+<p:sld xmlns:a="http://schemas.openxmlformats.org/drawingml/2006/main" xmlns:r="http://schemas.openxmlformats.org/officeDocument/2006/relationships" xmlns:p="http://schemas.openxmlformats.org/presentationml/2006/main">
+  <p:cSld>
+    <p:bg>
+      <p:bgPr>
+        <a:solidFill>
+          <a:srgbClr val="FAF0E6"/>
+        </a:solidFill>
+        <a:effectLst/>
+      </p:bgPr>
+    </p:bg>
+    <p:spTree>
+      <p:nvGrpSpPr>
+        <p:cNvPr id="1" name="">
+          <a:extLst>
+            <a:ext uri="{FF2B5EF4-FFF2-40B4-BE49-F238E27FC236}">
+              <a16:creationId xmlns:a16="http://schemas.microsoft.com/office/drawing/2014/main" id="{4F03791B-8DEA-52AA-EE90-B39E7103FB3B}"/>
+            </a:ext>
+          </a:extLst>
+        </p:cNvPr>
+        <p:cNvGrpSpPr/>
+        <p:nvPr/>
+      </p:nvGrpSpPr>
+      <p:grpSpPr>
+        <a:xfrm>
+          <a:off x="0" y="0"/>
+          <a:ext cx="0" cy="0"/>
+          <a:chOff x="0" y="0"/>
+          <a:chExt cx="0" cy="0"/>
+        </a:xfrm>
+      </p:grpSpPr>
+      <p:sp>
+        <p:nvSpPr>
+          <p:cNvPr id="2" name="Title 1">
+            <a:extLst>
+              <a:ext uri="{FF2B5EF4-FFF2-40B4-BE49-F238E27FC236}">
+                <a16:creationId xmlns:a16="http://schemas.microsoft.com/office/drawing/2014/main" id="{0E3F80D4-47D2-5718-8DC0-05BF3D23C0CA}"/>
+              </a:ext>
+            </a:extLst>
+          </p:cNvPr>
+          <p:cNvSpPr>
+            <a:spLocks noGrp="1"/>
+          </p:cNvSpPr>
+          <p:nvPr>
+            <p:ph type="title"/>
+          </p:nvPr>
+        </p:nvSpPr>
+        <p:spPr>
+          <a:xfrm>
+            <a:off x="919314" y="190464"/>
+            <a:ext cx="10515600" cy="1325563"/>
+          </a:xfrm>
+        </p:spPr>
+        <p:txBody>
+          <a:bodyPr/>
+          <a:lstStyle/>
+          <a:p>
+            <a:r>
+              <a:rPr lang="en-GB" dirty="0">
+                <a:solidFill>
+                  <a:srgbClr val="676767"/>
+                </a:solidFill>
+              </a:rPr>
+              <a:t>Model costs</a:t>
+            </a:r>
+          </a:p>
+        </p:txBody>
+      </p:sp>
+      <p:pic>
+        <p:nvPicPr>
+          <p:cNvPr id="4" name="Content Placeholder 3" descr="A graph with colored lines and numbers&#10;&#10;AI-generated content may be incorrect.">
+            <a:extLst>
+              <a:ext uri="{FF2B5EF4-FFF2-40B4-BE49-F238E27FC236}">
+                <a16:creationId xmlns:a16="http://schemas.microsoft.com/office/drawing/2014/main" id="{C05A1683-F503-D79D-B919-D7BBD1D74C83}"/>
+              </a:ext>
+            </a:extLst>
+          </p:cNvPr>
+          <p:cNvPicPr>
+            <a:picLocks noGrp="1" noChangeAspect="1"/>
+          </p:cNvPicPr>
+          <p:nvPr>
+            <p:ph idx="1"/>
+          </p:nvPr>
+        </p:nvPicPr>
+        <p:blipFill>
+          <a:blip r:embed="rId2">
+            <a:extLst>
+              <a:ext uri="{28A0092B-C50C-407E-A947-70E740481C1C}">
+                <a14:useLocalDpi xmlns:a14="http://schemas.microsoft.com/office/drawing/2010/main" val="0"/>
+              </a:ext>
+            </a:extLst>
+          </a:blip>
+          <a:stretch>
+            <a:fillRect/>
+          </a:stretch>
+        </p:blipFill>
+        <p:spPr>
+          <a:xfrm>
+            <a:off x="1818280" y="1314038"/>
+            <a:ext cx="8717668" cy="5106918"/>
+          </a:xfrm>
+          <a:prstGeom prst="rect">
+            <a:avLst/>
+          </a:prstGeom>
+        </p:spPr>
+      </p:pic>
+    </p:spTree>
+    <p:extLst>
+      <p:ext uri="{BB962C8B-B14F-4D97-AF65-F5344CB8AC3E}">
+        <p14:creationId xmlns:p14="http://schemas.microsoft.com/office/powerpoint/2010/main" val="988705094"/>
+      </p:ext>
+    </p:extLst>
+  </p:cSld>
+  <p:clrMapOvr>
+    <a:masterClrMapping/>
+  </p:clrMapOvr>
+</p:sld>
+</file>
+
+<file path=ppt/slides/slide22.xml><?xml version="1.0" encoding="utf-8"?>
+<p:sld xmlns:a="http://schemas.openxmlformats.org/drawingml/2006/main" xmlns:r="http://schemas.openxmlformats.org/officeDocument/2006/relationships" xmlns:p="http://schemas.openxmlformats.org/presentationml/2006/main">
+  <p:cSld>
+    <p:bg>
+      <p:bgPr>
+        <a:solidFill>
+          <a:srgbClr val="FAF0E6"/>
+        </a:solidFill>
+        <a:effectLst/>
+      </p:bgPr>
+    </p:bg>
+    <p:spTree>
+      <p:nvGrpSpPr>
+        <p:cNvPr id="1" name="">
+          <a:extLst>
+            <a:ext uri="{FF2B5EF4-FFF2-40B4-BE49-F238E27FC236}">
+              <a16:creationId xmlns:a16="http://schemas.microsoft.com/office/drawing/2014/main" id="{D134FBD2-643E-E5A9-8BF2-FB3612599A1F}"/>
+            </a:ext>
+          </a:extLst>
+        </p:cNvPr>
+        <p:cNvGrpSpPr/>
+        <p:nvPr/>
+      </p:nvGrpSpPr>
+      <p:grpSpPr>
+        <a:xfrm>
+          <a:off x="0" y="0"/>
+          <a:ext cx="0" cy="0"/>
+          <a:chOff x="0" y="0"/>
+          <a:chExt cx="0" cy="0"/>
+        </a:xfrm>
+      </p:grpSpPr>
+      <p:sp>
+        <p:nvSpPr>
+          <p:cNvPr id="2" name="Title 1">
+            <a:extLst>
+              <a:ext uri="{FF2B5EF4-FFF2-40B4-BE49-F238E27FC236}">
+                <a16:creationId xmlns:a16="http://schemas.microsoft.com/office/drawing/2014/main" id="{A0934512-7B25-E453-E16C-FF65441E2C81}"/>
+              </a:ext>
+            </a:extLst>
+          </p:cNvPr>
+          <p:cNvSpPr>
+            <a:spLocks noGrp="1"/>
+          </p:cNvSpPr>
+          <p:nvPr>
+            <p:ph type="title"/>
+          </p:nvPr>
+        </p:nvSpPr>
+        <p:spPr>
+          <a:xfrm>
+            <a:off x="919314" y="190464"/>
+            <a:ext cx="10515600" cy="1325563"/>
+          </a:xfrm>
+        </p:spPr>
+        <p:txBody>
+          <a:bodyPr/>
+          <a:lstStyle/>
+          <a:p>
+            <a:r>
+              <a:rPr lang="en-GB" dirty="0">
+                <a:solidFill>
+                  <a:srgbClr val="676767"/>
+                </a:solidFill>
+              </a:rPr>
+              <a:t>What is the Agent2Agent Protocol (A2A)?</a:t>
+            </a:r>
+          </a:p>
+        </p:txBody>
+      </p:sp>
+      <p:sp>
+        <p:nvSpPr>
+          <p:cNvPr id="3" name="Content Placeholder 2">
+            <a:extLst>
+              <a:ext uri="{FF2B5EF4-FFF2-40B4-BE49-F238E27FC236}">
+                <a16:creationId xmlns:a16="http://schemas.microsoft.com/office/drawing/2014/main" id="{32B5311C-1016-A0EE-6E12-DD296E243500}"/>
+              </a:ext>
+            </a:extLst>
+          </p:cNvPr>
+          <p:cNvSpPr>
+            <a:spLocks noGrp="1"/>
+          </p:cNvSpPr>
+          <p:nvPr>
+            <p:ph idx="1"/>
+          </p:nvPr>
+        </p:nvSpPr>
+        <p:spPr>
+          <a:xfrm>
+            <a:off x="838199" y="1413031"/>
+            <a:ext cx="10596715" cy="4906652"/>
+          </a:xfrm>
+          <a:solidFill>
+            <a:srgbClr val="FAF0E6"/>
+          </a:solidFill>
+        </p:spPr>
+        <p:txBody>
+          <a:bodyPr>
+            <a:normAutofit/>
+          </a:bodyPr>
+          <a:lstStyle/>
+          <a:p>
+            <a:pPr marL="0" indent="0">
+              <a:buNone/>
+            </a:pPr>
+            <a:r>
+              <a:rPr lang="en-GB" dirty="0"/>
+              <a:t>A complimentary protocol to allow one Agent to discover and understand what another Agent does.</a:t>
+            </a:r>
+          </a:p>
+          <a:p>
+            <a:pPr marL="0" indent="0">
+              <a:buNone/>
+            </a:pPr>
+            <a:r>
+              <a:rPr lang="en-GB" dirty="0"/>
+              <a:t>It can then hand off work to the other Agent to get a desired response.</a:t>
+            </a:r>
+          </a:p>
+          <a:p>
+            <a:pPr marL="0" indent="0">
+              <a:buNone/>
+            </a:pPr>
+            <a:r>
+              <a:rPr lang="en-GB" dirty="0"/>
+              <a:t>It might seem that tools, MCP, A2A are all similar!</a:t>
+            </a:r>
+          </a:p>
+          <a:p>
+            <a:pPr marL="0" indent="0">
+              <a:buNone/>
+            </a:pPr>
+            <a:r>
+              <a:rPr lang="en-GB" dirty="0"/>
+              <a:t>At the end of the day Python is variables and code…all objects and essentially variations on functions.</a:t>
+            </a:r>
+          </a:p>
+          <a:p>
+            <a:pPr marL="0" indent="0">
+              <a:buNone/>
+            </a:pPr>
+            <a:r>
+              <a:rPr lang="en-GB" dirty="0"/>
+              <a:t>Protocols, like HTTP for example, are implementations to enable communication between bits of code.</a:t>
+            </a:r>
+          </a:p>
+          <a:p>
+            <a:pPr marL="0" indent="0">
+              <a:buNone/>
+            </a:pPr>
+            <a:r>
+              <a:rPr lang="en-GB" i="1" dirty="0"/>
+              <a:t>Next…an example from Google…</a:t>
+            </a:r>
+          </a:p>
+        </p:txBody>
+      </p:sp>
+    </p:spTree>
+    <p:extLst>
+      <p:ext uri="{BB962C8B-B14F-4D97-AF65-F5344CB8AC3E}">
+        <p14:creationId xmlns:p14="http://schemas.microsoft.com/office/powerpoint/2010/main" val="2253881597"/>
+      </p:ext>
+    </p:extLst>
+  </p:cSld>
+  <p:clrMapOvr>
+    <a:masterClrMapping/>
+  </p:clrMapOvr>
+</p:sld>
+</file>
+
+<file path=ppt/slides/slide23.xml><?xml version="1.0" encoding="utf-8"?>
+<p:sld xmlns:a="http://schemas.openxmlformats.org/drawingml/2006/main" xmlns:r="http://schemas.openxmlformats.org/officeDocument/2006/relationships" xmlns:p="http://schemas.openxmlformats.org/presentationml/2006/main">
+  <p:cSld>
+    <p:bg>
+      <p:bgPr>
+        <a:solidFill>
+          <a:srgbClr val="FAF0E6"/>
+        </a:solidFill>
+        <a:effectLst/>
+      </p:bgPr>
+    </p:bg>
+    <p:spTree>
+      <p:nvGrpSpPr>
+        <p:cNvPr id="1" name="">
+          <a:extLst>
+            <a:ext uri="{FF2B5EF4-FFF2-40B4-BE49-F238E27FC236}">
+              <a16:creationId xmlns:a16="http://schemas.microsoft.com/office/drawing/2014/main" id="{1AA440AF-DD92-7905-6BC8-EE77381BAEAB}"/>
+            </a:ext>
+          </a:extLst>
+        </p:cNvPr>
+        <p:cNvGrpSpPr/>
+        <p:nvPr/>
+      </p:nvGrpSpPr>
+      <p:grpSpPr>
+        <a:xfrm>
+          <a:off x="0" y="0"/>
+          <a:ext cx="0" cy="0"/>
+          <a:chOff x="0" y="0"/>
+          <a:chExt cx="0" cy="0"/>
+        </a:xfrm>
+      </p:grpSpPr>
+      <p:sp>
+        <p:nvSpPr>
+          <p:cNvPr id="2" name="Title 1">
+            <a:extLst>
+              <a:ext uri="{FF2B5EF4-FFF2-40B4-BE49-F238E27FC236}">
+                <a16:creationId xmlns:a16="http://schemas.microsoft.com/office/drawing/2014/main" id="{1A15E1A2-83B2-14F0-BFEA-861422733F26}"/>
+              </a:ext>
+            </a:extLst>
+          </p:cNvPr>
+          <p:cNvSpPr>
+            <a:spLocks noGrp="1"/>
+          </p:cNvSpPr>
+          <p:nvPr>
+            <p:ph type="title"/>
+          </p:nvPr>
+        </p:nvSpPr>
+        <p:spPr>
+          <a:xfrm>
+            <a:off x="919314" y="190464"/>
+            <a:ext cx="10515600" cy="1325563"/>
+          </a:xfrm>
+        </p:spPr>
+        <p:txBody>
+          <a:bodyPr/>
+          <a:lstStyle/>
+          <a:p>
+            <a:r>
+              <a:rPr lang="en-GB" dirty="0">
+                <a:solidFill>
+                  <a:srgbClr val="676767"/>
+                </a:solidFill>
+              </a:rPr>
+              <a:t>Google CRM Agent (1)</a:t>
+            </a:r>
+          </a:p>
+        </p:txBody>
+      </p:sp>
+      <p:pic>
+        <p:nvPicPr>
+          <p:cNvPr id="5" name="Content Placeholder 4" descr="A diagram of a business&#10;&#10;AI-generated content may be incorrect.">
+            <a:extLst>
+              <a:ext uri="{FF2B5EF4-FFF2-40B4-BE49-F238E27FC236}">
+                <a16:creationId xmlns:a16="http://schemas.microsoft.com/office/drawing/2014/main" id="{35C7062D-4D91-6909-2AFE-1BD94FA2B192}"/>
+              </a:ext>
+            </a:extLst>
+          </p:cNvPr>
+          <p:cNvPicPr>
+            <a:picLocks noGrp="1" noChangeAspect="1"/>
+          </p:cNvPicPr>
+          <p:nvPr>
+            <p:ph idx="1"/>
+          </p:nvPr>
+        </p:nvPicPr>
+        <p:blipFill>
+          <a:blip r:embed="rId2">
+            <a:extLst>
+              <a:ext uri="{28A0092B-C50C-407E-A947-70E740481C1C}">
+                <a14:useLocalDpi xmlns:a14="http://schemas.microsoft.com/office/drawing/2010/main" val="0"/>
+              </a:ext>
+            </a:extLst>
+          </a:blip>
+          <a:stretch>
+            <a:fillRect/>
+          </a:stretch>
+        </p:blipFill>
+        <p:spPr>
+          <a:xfrm>
+            <a:off x="878832" y="1421289"/>
+            <a:ext cx="10596563" cy="4870469"/>
+          </a:xfrm>
+          <a:solidFill>
+            <a:srgbClr val="FAF0E6"/>
+          </a:solidFill>
+        </p:spPr>
+      </p:pic>
+    </p:spTree>
+    <p:extLst>
+      <p:ext uri="{BB962C8B-B14F-4D97-AF65-F5344CB8AC3E}">
+        <p14:creationId xmlns:p14="http://schemas.microsoft.com/office/powerpoint/2010/main" val="3279871281"/>
+      </p:ext>
+    </p:extLst>
+  </p:cSld>
+  <p:clrMapOvr>
+    <a:masterClrMapping/>
+  </p:clrMapOvr>
+</p:sld>
+</file>
+
+<file path=ppt/slides/slide24.xml><?xml version="1.0" encoding="utf-8"?>
+<p:sld xmlns:a="http://schemas.openxmlformats.org/drawingml/2006/main" xmlns:r="http://schemas.openxmlformats.org/officeDocument/2006/relationships" xmlns:p="http://schemas.openxmlformats.org/presentationml/2006/main">
+  <p:cSld>
+    <p:bg>
+      <p:bgPr>
+        <a:solidFill>
+          <a:srgbClr val="FAF0E6"/>
+        </a:solidFill>
+        <a:effectLst/>
+      </p:bgPr>
+    </p:bg>
+    <p:spTree>
+      <p:nvGrpSpPr>
+        <p:cNvPr id="1" name="">
+          <a:extLst>
+            <a:ext uri="{FF2B5EF4-FFF2-40B4-BE49-F238E27FC236}">
+              <a16:creationId xmlns:a16="http://schemas.microsoft.com/office/drawing/2014/main" id="{CB0030CE-F294-86B3-6F10-3AB61987FE26}"/>
+            </a:ext>
+          </a:extLst>
+        </p:cNvPr>
+        <p:cNvGrpSpPr/>
+        <p:nvPr/>
+      </p:nvGrpSpPr>
+      <p:grpSpPr>
+        <a:xfrm>
+          <a:off x="0" y="0"/>
+          <a:ext cx="0" cy="0"/>
+          <a:chOff x="0" y="0"/>
+          <a:chExt cx="0" cy="0"/>
+        </a:xfrm>
+      </p:grpSpPr>
+      <p:pic>
+        <p:nvPicPr>
+          <p:cNvPr id="7" name="Picture 6" descr="A screenshot of a computer&#10;&#10;AI-generated content may be incorrect.">
+            <a:extLst>
+              <a:ext uri="{FF2B5EF4-FFF2-40B4-BE49-F238E27FC236}">
+                <a16:creationId xmlns:a16="http://schemas.microsoft.com/office/drawing/2014/main" id="{EF3853CA-F183-DF85-201B-ED2AB55C4669}"/>
+              </a:ext>
+            </a:extLst>
+          </p:cNvPr>
+          <p:cNvPicPr>
+            <a:picLocks noChangeAspect="1"/>
+          </p:cNvPicPr>
+          <p:nvPr/>
+        </p:nvPicPr>
+        <p:blipFill>
+          <a:blip r:embed="rId2">
+            <a:extLst>
+              <a:ext uri="{28A0092B-C50C-407E-A947-70E740481C1C}">
+                <a14:useLocalDpi xmlns:a14="http://schemas.microsoft.com/office/drawing/2010/main" val="0"/>
+              </a:ext>
+            </a:extLst>
+          </a:blip>
+          <a:stretch>
+            <a:fillRect/>
+          </a:stretch>
+        </p:blipFill>
+        <p:spPr>
+          <a:xfrm>
+            <a:off x="6782929" y="1969851"/>
+            <a:ext cx="4972442" cy="4165477"/>
+          </a:xfrm>
+          <a:prstGeom prst="rect">
+            <a:avLst/>
+          </a:prstGeom>
+        </p:spPr>
+      </p:pic>
+      <p:sp>
+        <p:nvSpPr>
+          <p:cNvPr id="2" name="Title 1">
+            <a:extLst>
+              <a:ext uri="{FF2B5EF4-FFF2-40B4-BE49-F238E27FC236}">
+                <a16:creationId xmlns:a16="http://schemas.microsoft.com/office/drawing/2014/main" id="{60345D98-D59A-10E5-7C50-C924EE888534}"/>
+              </a:ext>
+            </a:extLst>
+          </p:cNvPr>
+          <p:cNvSpPr>
+            <a:spLocks noGrp="1"/>
+          </p:cNvSpPr>
+          <p:nvPr>
+            <p:ph type="title"/>
+          </p:nvPr>
+        </p:nvSpPr>
+        <p:spPr>
+          <a:xfrm>
+            <a:off x="919314" y="190464"/>
+            <a:ext cx="10515600" cy="1325563"/>
+          </a:xfrm>
+        </p:spPr>
+        <p:txBody>
+          <a:bodyPr/>
+          <a:lstStyle/>
+          <a:p>
+            <a:r>
+              <a:rPr lang="en-GB" dirty="0">
+                <a:solidFill>
+                  <a:srgbClr val="676767"/>
+                </a:solidFill>
+              </a:rPr>
+              <a:t>Google CRM Agent (2)</a:t>
+            </a:r>
+          </a:p>
+        </p:txBody>
+      </p:sp>
+      <p:sp>
+        <p:nvSpPr>
+          <p:cNvPr id="4" name="Content Placeholder 3">
+            <a:extLst>
+              <a:ext uri="{FF2B5EF4-FFF2-40B4-BE49-F238E27FC236}">
+                <a16:creationId xmlns:a16="http://schemas.microsoft.com/office/drawing/2014/main" id="{92A58150-C7BB-C968-2A62-2A3812D748E7}"/>
+              </a:ext>
+            </a:extLst>
+          </p:cNvPr>
+          <p:cNvSpPr>
+            <a:spLocks noGrp="1"/>
+          </p:cNvSpPr>
+          <p:nvPr>
+            <p:ph idx="1"/>
+          </p:nvPr>
+        </p:nvSpPr>
+        <p:spPr>
+          <a:xfrm>
+            <a:off x="919314" y="1516027"/>
+            <a:ext cx="10515600" cy="4351338"/>
+          </a:xfrm>
+        </p:spPr>
+        <p:txBody>
+          <a:bodyPr/>
+          <a:lstStyle/>
+          <a:p>
+            <a:r>
+              <a:rPr lang="en-GB" sz="1600" dirty="0">
+                <a:hlinkClick r:id="rId3"/>
+              </a:rPr>
+              <a:t>https://github.com/vladkol/crm-data-agent/blob/main/src/agents/data_agent/prompts/crm_business_analyst.py</a:t>
+            </a:r>
+            <a:endParaRPr lang="en-GB" sz="1600" dirty="0"/>
+          </a:p>
+          <a:p>
+            <a:r>
+              <a:rPr lang="en-GB" dirty="0"/>
+              <a:t>06_demo_prompt_google_crm.md</a:t>
+            </a:r>
+          </a:p>
+          <a:p>
+            <a:pPr marL="0" indent="0">
+              <a:buNone/>
+            </a:pPr>
+            <a:endParaRPr lang="en-GB" dirty="0"/>
+          </a:p>
+          <a:p>
+            <a:pPr marL="0" indent="0">
+              <a:buNone/>
+            </a:pPr>
+            <a:r>
+              <a:rPr lang="en-GB" dirty="0"/>
+              <a:t>We can learn a lot about best</a:t>
+            </a:r>
+          </a:p>
+          <a:p>
+            <a:pPr marL="0" indent="0">
+              <a:buNone/>
+            </a:pPr>
+            <a:r>
+              <a:rPr lang="en-GB" dirty="0"/>
+              <a:t>practices for Context Engineering by </a:t>
+            </a:r>
+          </a:p>
+          <a:p>
+            <a:pPr marL="0" indent="0">
+              <a:buNone/>
+            </a:pPr>
+            <a:r>
+              <a:rPr lang="en-GB" dirty="0"/>
+              <a:t>looking at big tech repos.</a:t>
+            </a:r>
+          </a:p>
+          <a:p>
+            <a:endParaRPr lang="en-GB" dirty="0"/>
+          </a:p>
+        </p:txBody>
+      </p:sp>
+    </p:spTree>
+    <p:extLst>
+      <p:ext uri="{BB962C8B-B14F-4D97-AF65-F5344CB8AC3E}">
+        <p14:creationId xmlns:p14="http://schemas.microsoft.com/office/powerpoint/2010/main" val="3831430507"/>
+      </p:ext>
+    </p:extLst>
+  </p:cSld>
+  <p:clrMapOvr>
+    <a:masterClrMapping/>
+  </p:clrMapOvr>
+</p:sld>
+</file>
+
+<file path=ppt/slides/slide25.xml><?xml version="1.0" encoding="utf-8"?>
+<p:sld xmlns:a="http://schemas.openxmlformats.org/drawingml/2006/main" xmlns:r="http://schemas.openxmlformats.org/officeDocument/2006/relationships" xmlns:p="http://schemas.openxmlformats.org/presentationml/2006/main">
+  <p:cSld>
+    <p:bg>
+      <p:bgPr>
+        <a:solidFill>
+          <a:srgbClr val="FAF0E6"/>
+        </a:solidFill>
+        <a:effectLst/>
+      </p:bgPr>
+    </p:bg>
+    <p:spTree>
+      <p:nvGrpSpPr>
+        <p:cNvPr id="1" name="">
+          <a:extLst>
+            <a:ext uri="{FF2B5EF4-FFF2-40B4-BE49-F238E27FC236}">
               <a16:creationId xmlns:a16="http://schemas.microsoft.com/office/drawing/2014/main" id="{586C0DD9-54D0-8094-782E-FC61A05AFDE9}"/>
             </a:ext>
           </a:extLst>
@@ -5540,7 +6382,7 @@
 </p:sld>
 </file>
 
-<file path=ppt/slides/slide21.xml><?xml version="1.0" encoding="utf-8"?>
+<file path=ppt/slides/slide26.xml><?xml version="1.0" encoding="utf-8"?>
 <p:sld xmlns:a="http://schemas.openxmlformats.org/drawingml/2006/main" xmlns:r="http://schemas.openxmlformats.org/officeDocument/2006/relationships" xmlns:p="http://schemas.openxmlformats.org/presentationml/2006/main">
   <p:cSld>
     <p:bg>
@@ -5808,7 +6650,7 @@
 </p:sld>
 </file>
 
-<file path=ppt/slides/slide22.xml><?xml version="1.0" encoding="utf-8"?>
+<file path=ppt/slides/slide27.xml><?xml version="1.0" encoding="utf-8"?>
 <p:sld xmlns:a="http://schemas.openxmlformats.org/drawingml/2006/main" xmlns:r="http://schemas.openxmlformats.org/officeDocument/2006/relationships" xmlns:p="http://schemas.openxmlformats.org/presentationml/2006/main">
   <p:cSld>
     <p:bg>
@@ -6072,6 +6914,285 @@
         <p:cNvPr id="1" name="">
           <a:extLst>
             <a:ext uri="{FF2B5EF4-FFF2-40B4-BE49-F238E27FC236}">
+              <a16:creationId xmlns:a16="http://schemas.microsoft.com/office/drawing/2014/main" id="{DB223AA4-507E-D8B3-7DEB-D9083974AB61}"/>
+            </a:ext>
+          </a:extLst>
+        </p:cNvPr>
+        <p:cNvGrpSpPr/>
+        <p:nvPr/>
+      </p:nvGrpSpPr>
+      <p:grpSpPr>
+        <a:xfrm>
+          <a:off x="0" y="0"/>
+          <a:ext cx="0" cy="0"/>
+          <a:chOff x="0" y="0"/>
+          <a:chExt cx="0" cy="0"/>
+        </a:xfrm>
+      </p:grpSpPr>
+      <p:sp>
+        <p:nvSpPr>
+          <p:cNvPr id="2" name="Title 1">
+            <a:extLst>
+              <a:ext uri="{FF2B5EF4-FFF2-40B4-BE49-F238E27FC236}">
+                <a16:creationId xmlns:a16="http://schemas.microsoft.com/office/drawing/2014/main" id="{CA99CC66-10D3-E183-1C5E-7DBAE8756398}"/>
+              </a:ext>
+            </a:extLst>
+          </p:cNvPr>
+          <p:cNvSpPr>
+            <a:spLocks noGrp="1"/>
+          </p:cNvSpPr>
+          <p:nvPr>
+            <p:ph type="title"/>
+          </p:nvPr>
+        </p:nvSpPr>
+        <p:spPr>
+          <a:xfrm>
+            <a:off x="919314" y="190464"/>
+            <a:ext cx="10515600" cy="1325563"/>
+          </a:xfrm>
+        </p:spPr>
+        <p:txBody>
+          <a:bodyPr/>
+          <a:lstStyle/>
+          <a:p>
+            <a:r>
+              <a:rPr lang="en-GB" dirty="0">
+                <a:solidFill>
+                  <a:srgbClr val="676767"/>
+                </a:solidFill>
+              </a:rPr>
+              <a:t>Raw code implementation of an Agent</a:t>
+            </a:r>
+          </a:p>
+        </p:txBody>
+      </p:sp>
+      <p:pic>
+        <p:nvPicPr>
+          <p:cNvPr id="5" name="Picture 4" descr="A black computer mouse on a white background&#10;&#10;AI-generated content may be incorrect.">
+            <a:extLst>
+              <a:ext uri="{FF2B5EF4-FFF2-40B4-BE49-F238E27FC236}">
+                <a16:creationId xmlns:a16="http://schemas.microsoft.com/office/drawing/2014/main" id="{4C2BFCCB-3F23-3098-3C1E-2D76213CD97C}"/>
+              </a:ext>
+            </a:extLst>
+          </p:cNvPr>
+          <p:cNvPicPr>
+            <a:picLocks noChangeAspect="1"/>
+          </p:cNvPicPr>
+          <p:nvPr/>
+        </p:nvPicPr>
+        <p:blipFill>
+          <a:blip r:embed="rId2">
+            <a:extLst>
+              <a:ext uri="{28A0092B-C50C-407E-A947-70E740481C1C}">
+                <a14:useLocalDpi xmlns:a14="http://schemas.microsoft.com/office/drawing/2010/main" val="0"/>
+              </a:ext>
+            </a:extLst>
+          </a:blip>
+          <a:stretch>
+            <a:fillRect/>
+          </a:stretch>
+        </p:blipFill>
+        <p:spPr>
+          <a:xfrm rot="10800000">
+            <a:off x="8057775" y="1847529"/>
+            <a:ext cx="2466975" cy="1847850"/>
+          </a:xfrm>
+          <a:prstGeom prst="rect">
+            <a:avLst/>
+          </a:prstGeom>
+        </p:spPr>
+      </p:pic>
+      <p:pic>
+        <p:nvPicPr>
+          <p:cNvPr id="7" name="Picture 6" descr="A black computer mouse on a white background&#10;&#10;AI-generated content may be incorrect.">
+            <a:extLst>
+              <a:ext uri="{FF2B5EF4-FFF2-40B4-BE49-F238E27FC236}">
+                <a16:creationId xmlns:a16="http://schemas.microsoft.com/office/drawing/2014/main" id="{BDAFD253-325D-AA4F-E8B1-F2175AD4ED24}"/>
+              </a:ext>
+            </a:extLst>
+          </p:cNvPr>
+          <p:cNvPicPr>
+            <a:picLocks noChangeAspect="1"/>
+          </p:cNvPicPr>
+          <p:nvPr/>
+        </p:nvPicPr>
+        <p:blipFill>
+          <a:blip r:embed="rId3">
+            <a:extLst>
+              <a:ext uri="{28A0092B-C50C-407E-A947-70E740481C1C}">
+                <a14:useLocalDpi xmlns:a14="http://schemas.microsoft.com/office/drawing/2010/main" val="0"/>
+              </a:ext>
+            </a:extLst>
+          </a:blip>
+          <a:stretch>
+            <a:fillRect/>
+          </a:stretch>
+        </p:blipFill>
+        <p:spPr>
+          <a:xfrm>
+            <a:off x="1108332" y="1847530"/>
+            <a:ext cx="2466975" cy="1847850"/>
+          </a:xfrm>
+          <a:prstGeom prst="rect">
+            <a:avLst/>
+          </a:prstGeom>
+        </p:spPr>
+      </p:pic>
+      <p:sp>
+        <p:nvSpPr>
+          <p:cNvPr id="8" name="TextBox 7">
+            <a:extLst>
+              <a:ext uri="{FF2B5EF4-FFF2-40B4-BE49-F238E27FC236}">
+                <a16:creationId xmlns:a16="http://schemas.microsoft.com/office/drawing/2014/main" id="{C85A72E3-B4A4-739E-FAF5-D9B5DFCEC120}"/>
+              </a:ext>
+            </a:extLst>
+          </p:cNvPr>
+          <p:cNvSpPr txBox="1"/>
+          <p:nvPr/>
+        </p:nvSpPr>
+        <p:spPr>
+          <a:xfrm>
+            <a:off x="750014" y="4099388"/>
+            <a:ext cx="11065267" cy="523220"/>
+          </a:xfrm>
+          <a:prstGeom prst="rect">
+            <a:avLst/>
+          </a:prstGeom>
+          <a:noFill/>
+        </p:spPr>
+        <p:txBody>
+          <a:bodyPr wrap="square" rtlCol="0">
+            <a:spAutoFit/>
+          </a:bodyPr>
+          <a:lstStyle/>
+          <a:p>
+            <a:r>
+              <a:rPr lang="en-GB" sz="2800" dirty="0"/>
+              <a:t>No more difficult than what we do currently – just 180 degrees different</a:t>
+            </a:r>
+          </a:p>
+        </p:txBody>
+      </p:sp>
+      <p:sp>
+        <p:nvSpPr>
+          <p:cNvPr id="9" name="Arrow: Curved Down 8">
+            <a:extLst>
+              <a:ext uri="{FF2B5EF4-FFF2-40B4-BE49-F238E27FC236}">
+                <a16:creationId xmlns:a16="http://schemas.microsoft.com/office/drawing/2014/main" id="{53323BF1-393A-213D-B6C3-D6FAA296990D}"/>
+              </a:ext>
+            </a:extLst>
+          </p:cNvPr>
+          <p:cNvSpPr/>
+          <p:nvPr/>
+        </p:nvSpPr>
+        <p:spPr>
+          <a:xfrm>
+            <a:off x="4224046" y="1899809"/>
+            <a:ext cx="3184989" cy="1743290"/>
+          </a:xfrm>
+          <a:prstGeom prst="curvedDownArrow">
+            <a:avLst/>
+          </a:prstGeom>
+          <a:solidFill>
+            <a:schemeClr val="accent2">
+              <a:lumMod val="75000"/>
+            </a:schemeClr>
+          </a:solidFill>
+        </p:spPr>
+        <p:style>
+          <a:lnRef idx="2">
+            <a:schemeClr val="accent1">
+              <a:shade val="15000"/>
+            </a:schemeClr>
+          </a:lnRef>
+          <a:fillRef idx="1">
+            <a:schemeClr val="accent1"/>
+          </a:fillRef>
+          <a:effectRef idx="0">
+            <a:schemeClr val="accent1"/>
+          </a:effectRef>
+          <a:fontRef idx="minor">
+            <a:schemeClr val="lt1"/>
+          </a:fontRef>
+        </p:style>
+        <p:txBody>
+          <a:bodyPr rtlCol="0" anchor="ctr"/>
+          <a:lstStyle/>
+          <a:p>
+            <a:pPr algn="ctr"/>
+            <a:endParaRPr lang="en-GB">
+              <a:solidFill>
+                <a:schemeClr val="tx1"/>
+              </a:solidFill>
+            </a:endParaRPr>
+          </a:p>
+        </p:txBody>
+      </p:sp>
+      <p:sp>
+        <p:nvSpPr>
+          <p:cNvPr id="10" name="TextBox 9">
+            <a:extLst>
+              <a:ext uri="{FF2B5EF4-FFF2-40B4-BE49-F238E27FC236}">
+                <a16:creationId xmlns:a16="http://schemas.microsoft.com/office/drawing/2014/main" id="{A85AE486-5F44-81B6-3E5C-D762ABEA4AC2}"/>
+              </a:ext>
+            </a:extLst>
+          </p:cNvPr>
+          <p:cNvSpPr txBox="1"/>
+          <p:nvPr/>
+        </p:nvSpPr>
+        <p:spPr>
+          <a:xfrm>
+            <a:off x="750014" y="5078897"/>
+            <a:ext cx="11065267" cy="523220"/>
+          </a:xfrm>
+          <a:prstGeom prst="rect">
+            <a:avLst/>
+          </a:prstGeom>
+          <a:noFill/>
+        </p:spPr>
+        <p:txBody>
+          <a:bodyPr wrap="square" rtlCol="0">
+            <a:spAutoFit/>
+          </a:bodyPr>
+          <a:lstStyle/>
+          <a:p>
+            <a:pPr algn="ctr"/>
+            <a:r>
+              <a:rPr lang="en-GB" sz="2800" dirty="0"/>
+              <a:t>“It doesn’t get any easier – just different” - Anon </a:t>
+            </a:r>
+          </a:p>
+        </p:txBody>
+      </p:sp>
+    </p:spTree>
+    <p:extLst>
+      <p:ext uri="{BB962C8B-B14F-4D97-AF65-F5344CB8AC3E}">
+        <p14:creationId xmlns:p14="http://schemas.microsoft.com/office/powerpoint/2010/main" val="3122446014"/>
+      </p:ext>
+    </p:extLst>
+  </p:cSld>
+  <p:clrMapOvr>
+    <a:masterClrMapping/>
+  </p:clrMapOvr>
+</p:sld>
+</file>
+
+<file path=ppt/slides/slide4.xml><?xml version="1.0" encoding="utf-8"?>
+<p:sld xmlns:a="http://schemas.openxmlformats.org/drawingml/2006/main" xmlns:r="http://schemas.openxmlformats.org/officeDocument/2006/relationships" xmlns:p="http://schemas.openxmlformats.org/presentationml/2006/main">
+  <p:cSld>
+    <p:bg>
+      <p:bgPr>
+        <a:solidFill>
+          <a:srgbClr val="FAF0E6"/>
+        </a:solidFill>
+        <a:effectLst/>
+      </p:bgPr>
+    </p:bg>
+    <p:spTree>
+      <p:nvGrpSpPr>
+        <p:cNvPr id="1" name="">
+          <a:extLst>
+            <a:ext uri="{FF2B5EF4-FFF2-40B4-BE49-F238E27FC236}">
               <a16:creationId xmlns:a16="http://schemas.microsoft.com/office/drawing/2014/main" id="{56D404B2-BE35-5A3B-426A-8BDDD656B62E}"/>
             </a:ext>
           </a:extLst>
@@ -6229,13 +7350,18 @@
               </a:lnSpc>
             </a:pPr>
             <a:r>
-              <a:rPr lang="en-GB" sz="3200" dirty="0">
+              <a:rPr lang="en-GB" sz="3200">
                 <a:solidFill>
                   <a:srgbClr val="3A3A3A"/>
                 </a:solidFill>
               </a:rPr>
-              <a:t>Text2SQL</a:t>
-            </a:r>
+              <a:t>Demos</a:t>
+            </a:r>
+            <a:endParaRPr lang="en-GB" sz="3200" dirty="0">
+              <a:solidFill>
+                <a:srgbClr val="3A3A3A"/>
+              </a:solidFill>
+            </a:endParaRPr>
           </a:p>
           <a:p>
             <a:pPr lvl="1">
@@ -6282,7 +7408,7 @@
 </p:sld>
 </file>
 
-<file path=ppt/slides/slide4.xml><?xml version="1.0" encoding="utf-8"?>
+<file path=ppt/slides/slide5.xml><?xml version="1.0" encoding="utf-8"?>
 <p:sld xmlns:a="http://schemas.openxmlformats.org/drawingml/2006/main" xmlns:r="http://schemas.openxmlformats.org/officeDocument/2006/relationships" xmlns:p="http://schemas.openxmlformats.org/presentationml/2006/main">
   <p:cSld>
     <p:bg>
@@ -6499,7 +7625,7 @@
 </p:sld>
 </file>
 
-<file path=ppt/slides/slide5.xml><?xml version="1.0" encoding="utf-8"?>
+<file path=ppt/slides/slide6.xml><?xml version="1.0" encoding="utf-8"?>
 <p:sld xmlns:a="http://schemas.openxmlformats.org/drawingml/2006/main" xmlns:r="http://schemas.openxmlformats.org/officeDocument/2006/relationships" xmlns:p="http://schemas.openxmlformats.org/presentationml/2006/main">
   <p:cSld>
     <p:bg>
@@ -6855,7 +7981,7 @@
 </p:sld>
 </file>
 
-<file path=ppt/slides/slide6.xml><?xml version="1.0" encoding="utf-8"?>
+<file path=ppt/slides/slide7.xml><?xml version="1.0" encoding="utf-8"?>
 <p:sld xmlns:a="http://schemas.openxmlformats.org/drawingml/2006/main" xmlns:r="http://schemas.openxmlformats.org/officeDocument/2006/relationships" xmlns:p="http://schemas.openxmlformats.org/presentationml/2006/main">
   <p:cSld>
     <p:bg>
@@ -7044,168 +8170,6 @@
 </p:sld>
 </file>
 
-<file path=ppt/slides/slide7.xml><?xml version="1.0" encoding="utf-8"?>
-<p:sld xmlns:a="http://schemas.openxmlformats.org/drawingml/2006/main" xmlns:r="http://schemas.openxmlformats.org/officeDocument/2006/relationships" xmlns:p="http://schemas.openxmlformats.org/presentationml/2006/main">
-  <p:cSld>
-    <p:bg>
-      <p:bgPr>
-        <a:solidFill>
-          <a:srgbClr val="FAF0E6"/>
-        </a:solidFill>
-        <a:effectLst/>
-      </p:bgPr>
-    </p:bg>
-    <p:spTree>
-      <p:nvGrpSpPr>
-        <p:cNvPr id="1" name="">
-          <a:extLst>
-            <a:ext uri="{FF2B5EF4-FFF2-40B4-BE49-F238E27FC236}">
-              <a16:creationId xmlns:a16="http://schemas.microsoft.com/office/drawing/2014/main" id="{4B0CA5E2-0CDB-C361-B62D-BAE7C3C30437}"/>
-            </a:ext>
-          </a:extLst>
-        </p:cNvPr>
-        <p:cNvGrpSpPr/>
-        <p:nvPr/>
-      </p:nvGrpSpPr>
-      <p:grpSpPr>
-        <a:xfrm>
-          <a:off x="0" y="0"/>
-          <a:ext cx="0" cy="0"/>
-          <a:chOff x="0" y="0"/>
-          <a:chExt cx="0" cy="0"/>
-        </a:xfrm>
-      </p:grpSpPr>
-      <p:sp>
-        <p:nvSpPr>
-          <p:cNvPr id="2" name="Title 1">
-            <a:extLst>
-              <a:ext uri="{FF2B5EF4-FFF2-40B4-BE49-F238E27FC236}">
-                <a16:creationId xmlns:a16="http://schemas.microsoft.com/office/drawing/2014/main" id="{7910003C-6A5E-9972-FCE5-6D8AFA785058}"/>
-              </a:ext>
-            </a:extLst>
-          </p:cNvPr>
-          <p:cNvSpPr>
-            <a:spLocks noGrp="1"/>
-          </p:cNvSpPr>
-          <p:nvPr>
-            <p:ph type="title"/>
-          </p:nvPr>
-        </p:nvSpPr>
-        <p:spPr>
-          <a:xfrm>
-            <a:off x="919314" y="190464"/>
-            <a:ext cx="10515600" cy="1325563"/>
-          </a:xfrm>
-        </p:spPr>
-        <p:txBody>
-          <a:bodyPr/>
-          <a:lstStyle/>
-          <a:p>
-            <a:r>
-              <a:rPr lang="en-GB" dirty="0">
-                <a:solidFill>
-                  <a:srgbClr val="676767"/>
-                </a:solidFill>
-              </a:rPr>
-              <a:t>What is Prompt/Context Engineering?</a:t>
-            </a:r>
-          </a:p>
-        </p:txBody>
-      </p:sp>
-      <p:sp>
-        <p:nvSpPr>
-          <p:cNvPr id="3" name="Content Placeholder 2">
-            <a:extLst>
-              <a:ext uri="{FF2B5EF4-FFF2-40B4-BE49-F238E27FC236}">
-                <a16:creationId xmlns:a16="http://schemas.microsoft.com/office/drawing/2014/main" id="{8ED8F4FE-0FC2-94FC-9560-4EB76E38ACCF}"/>
-              </a:ext>
-            </a:extLst>
-          </p:cNvPr>
-          <p:cNvSpPr>
-            <a:spLocks noGrp="1"/>
-          </p:cNvSpPr>
-          <p:nvPr>
-            <p:ph idx="1"/>
-          </p:nvPr>
-        </p:nvSpPr>
-        <p:spPr>
-          <a:xfrm>
-            <a:off x="919314" y="1413031"/>
-            <a:ext cx="10596715" cy="4906652"/>
-          </a:xfrm>
-          <a:solidFill>
-            <a:srgbClr val="FAF0E6"/>
-          </a:solidFill>
-        </p:spPr>
-        <p:txBody>
-          <a:bodyPr>
-            <a:normAutofit/>
-          </a:bodyPr>
-          <a:lstStyle/>
-          <a:p>
-            <a:pPr>
-              <a:lnSpc>
-                <a:spcPts val="4500"/>
-              </a:lnSpc>
-            </a:pPr>
-            <a:r>
-              <a:rPr lang="en-GB" dirty="0"/>
-              <a:t>Prompt Engineering is going out of fashion and people opt for </a:t>
-            </a:r>
-            <a:r>
-              <a:rPr lang="en-GB" i="1" dirty="0"/>
-              <a:t>Context Engineering </a:t>
-            </a:r>
-            <a:r>
-              <a:rPr lang="en-GB" dirty="0"/>
-              <a:t>and </a:t>
-            </a:r>
-            <a:r>
-              <a:rPr lang="en-GB" i="1" dirty="0"/>
-              <a:t>In Context Learning</a:t>
-            </a:r>
-            <a:r>
-              <a:rPr lang="en-GB" dirty="0"/>
-              <a:t>.</a:t>
-            </a:r>
-          </a:p>
-          <a:p>
-            <a:pPr>
-              <a:lnSpc>
-                <a:spcPts val="4500"/>
-              </a:lnSpc>
-            </a:pPr>
-            <a:r>
-              <a:rPr lang="en-GB" dirty="0"/>
-              <a:t>We create a set of instructions and add additional information to a request we send to the LLM.</a:t>
-            </a:r>
-          </a:p>
-          <a:p>
-            <a:pPr>
-              <a:lnSpc>
-                <a:spcPts val="4500"/>
-              </a:lnSpc>
-            </a:pPr>
-            <a:r>
-              <a:rPr lang="en-GB" dirty="0"/>
-              <a:t>Just one API – our programming code is on our side and in Natural Language.</a:t>
-            </a:r>
-          </a:p>
-        </p:txBody>
-      </p:sp>
-    </p:spTree>
-    <p:extLst>
-      <p:ext uri="{BB962C8B-B14F-4D97-AF65-F5344CB8AC3E}">
-        <p14:creationId xmlns:p14="http://schemas.microsoft.com/office/powerpoint/2010/main" val="269013049"/>
-      </p:ext>
-    </p:extLst>
-  </p:cSld>
-  <p:clrMapOvr>
-    <a:masterClrMapping/>
-  </p:clrMapOvr>
-</p:sld>
-</file>
-
 <file path=ppt/slides/slide8.xml><?xml version="1.0" encoding="utf-8"?>
 <p:sld xmlns:a="http://schemas.openxmlformats.org/drawingml/2006/main" xmlns:r="http://schemas.openxmlformats.org/officeDocument/2006/relationships" xmlns:p="http://schemas.openxmlformats.org/presentationml/2006/main">
   <p:cSld>
@@ -7222,7 +8186,7 @@
         <p:cNvPr id="1" name="">
           <a:extLst>
             <a:ext uri="{FF2B5EF4-FFF2-40B4-BE49-F238E27FC236}">
-              <a16:creationId xmlns:a16="http://schemas.microsoft.com/office/drawing/2014/main" id="{DB223AA4-507E-D8B3-7DEB-D9083974AB61}"/>
+              <a16:creationId xmlns:a16="http://schemas.microsoft.com/office/drawing/2014/main" id="{7729EC48-3CA3-2F82-140E-A68CF605C18E}"/>
             </a:ext>
           </a:extLst>
         </p:cNvPr>
@@ -7242,7 +8206,7 @@
           <p:cNvPr id="2" name="Title 1">
             <a:extLst>
               <a:ext uri="{FF2B5EF4-FFF2-40B4-BE49-F238E27FC236}">
-                <a16:creationId xmlns:a16="http://schemas.microsoft.com/office/drawing/2014/main" id="{CA99CC66-10D3-E183-1C5E-7DBAE8756398}"/>
+                <a16:creationId xmlns:a16="http://schemas.microsoft.com/office/drawing/2014/main" id="{FA831C23-0F5B-6002-821F-7DF71C36349C}"/>
               </a:ext>
             </a:extLst>
           </p:cNvPr>
@@ -7269,89 +8233,17 @@
                   <a:srgbClr val="676767"/>
                 </a:solidFill>
               </a:rPr>
-              <a:t>Raw code implementation of an Agent</a:t>
-            </a:r>
-          </a:p>
-        </p:txBody>
-      </p:sp>
-      <p:pic>
-        <p:nvPicPr>
-          <p:cNvPr id="5" name="Picture 4" descr="A black computer mouse on a white background&#10;&#10;AI-generated content may be incorrect.">
-            <a:extLst>
-              <a:ext uri="{FF2B5EF4-FFF2-40B4-BE49-F238E27FC236}">
-                <a16:creationId xmlns:a16="http://schemas.microsoft.com/office/drawing/2014/main" id="{4C2BFCCB-3F23-3098-3C1E-2D76213CD97C}"/>
-              </a:ext>
-            </a:extLst>
-          </p:cNvPr>
-          <p:cNvPicPr>
-            <a:picLocks noChangeAspect="1"/>
-          </p:cNvPicPr>
-          <p:nvPr/>
-        </p:nvPicPr>
-        <p:blipFill>
-          <a:blip r:embed="rId2">
-            <a:extLst>
-              <a:ext uri="{28A0092B-C50C-407E-A947-70E740481C1C}">
-                <a14:useLocalDpi xmlns:a14="http://schemas.microsoft.com/office/drawing/2010/main" val="0"/>
-              </a:ext>
-            </a:extLst>
-          </a:blip>
-          <a:stretch>
-            <a:fillRect/>
-          </a:stretch>
-        </p:blipFill>
-        <p:spPr>
-          <a:xfrm rot="10800000">
-            <a:off x="8057775" y="1847529"/>
-            <a:ext cx="2466975" cy="1847850"/>
-          </a:xfrm>
-          <a:prstGeom prst="rect">
-            <a:avLst/>
-          </a:prstGeom>
-        </p:spPr>
-      </p:pic>
-      <p:pic>
-        <p:nvPicPr>
-          <p:cNvPr id="7" name="Picture 6" descr="A black computer mouse on a white background&#10;&#10;AI-generated content may be incorrect.">
-            <a:extLst>
-              <a:ext uri="{FF2B5EF4-FFF2-40B4-BE49-F238E27FC236}">
-                <a16:creationId xmlns:a16="http://schemas.microsoft.com/office/drawing/2014/main" id="{BDAFD253-325D-AA4F-E8B1-F2175AD4ED24}"/>
-              </a:ext>
-            </a:extLst>
-          </p:cNvPr>
-          <p:cNvPicPr>
-            <a:picLocks noChangeAspect="1"/>
-          </p:cNvPicPr>
-          <p:nvPr/>
-        </p:nvPicPr>
-        <p:blipFill>
-          <a:blip r:embed="rId3">
-            <a:extLst>
-              <a:ext uri="{28A0092B-C50C-407E-A947-70E740481C1C}">
-                <a14:useLocalDpi xmlns:a14="http://schemas.microsoft.com/office/drawing/2010/main" val="0"/>
-              </a:ext>
-            </a:extLst>
-          </a:blip>
-          <a:stretch>
-            <a:fillRect/>
-          </a:stretch>
-        </p:blipFill>
-        <p:spPr>
-          <a:xfrm>
-            <a:off x="1108332" y="1847530"/>
-            <a:ext cx="2466975" cy="1847850"/>
-          </a:xfrm>
-          <a:prstGeom prst="rect">
-            <a:avLst/>
-          </a:prstGeom>
-        </p:spPr>
-      </p:pic>
+              <a:t>What is a Agentic?</a:t>
+            </a:r>
+          </a:p>
+        </p:txBody>
+      </p:sp>
       <p:sp>
         <p:nvSpPr>
           <p:cNvPr id="8" name="TextBox 7">
             <a:extLst>
               <a:ext uri="{FF2B5EF4-FFF2-40B4-BE49-F238E27FC236}">
-                <a16:creationId xmlns:a16="http://schemas.microsoft.com/office/drawing/2014/main" id="{C85A72E3-B4A4-739E-FAF5-D9B5DFCEC120}"/>
+                <a16:creationId xmlns:a16="http://schemas.microsoft.com/office/drawing/2014/main" id="{C36402C1-B29A-A4FD-F444-AF3C8F2B09D3}"/>
               </a:ext>
             </a:extLst>
           </p:cNvPr>
@@ -7360,8 +8252,8 @@
         </p:nvSpPr>
         <p:spPr>
           <a:xfrm>
-            <a:off x="750014" y="4099388"/>
-            <a:ext cx="11065267" cy="523220"/>
+            <a:off x="919314" y="1921267"/>
+            <a:ext cx="9961019" cy="2554545"/>
           </a:xfrm>
           <a:prstGeom prst="rect">
             <a:avLst/>
@@ -7375,99 +8267,26 @@
           <a:lstStyle/>
           <a:p>
             <a:r>
-              <a:rPr lang="en-GB" sz="2800" dirty="0"/>
-              <a:t>No more difficult than what we do currently – just 180 degrees different</a:t>
-            </a:r>
-          </a:p>
-        </p:txBody>
-      </p:sp>
-      <p:sp>
-        <p:nvSpPr>
-          <p:cNvPr id="9" name="Arrow: Curved Down 8">
-            <a:extLst>
-              <a:ext uri="{FF2B5EF4-FFF2-40B4-BE49-F238E27FC236}">
-                <a16:creationId xmlns:a16="http://schemas.microsoft.com/office/drawing/2014/main" id="{53323BF1-393A-213D-B6C3-D6FAA296990D}"/>
-              </a:ext>
-            </a:extLst>
-          </p:cNvPr>
-          <p:cNvSpPr/>
-          <p:nvPr/>
-        </p:nvSpPr>
-        <p:spPr>
-          <a:xfrm>
-            <a:off x="4224046" y="1899809"/>
-            <a:ext cx="3184989" cy="1743290"/>
-          </a:xfrm>
-          <a:prstGeom prst="curvedDownArrow">
-            <a:avLst/>
-          </a:prstGeom>
-          <a:solidFill>
-            <a:schemeClr val="accent2">
-              <a:lumMod val="75000"/>
-            </a:schemeClr>
-          </a:solidFill>
-        </p:spPr>
-        <p:style>
-          <a:lnRef idx="2">
-            <a:schemeClr val="accent1">
-              <a:shade val="15000"/>
-            </a:schemeClr>
-          </a:lnRef>
-          <a:fillRef idx="1">
-            <a:schemeClr val="accent1"/>
-          </a:fillRef>
-          <a:effectRef idx="0">
-            <a:schemeClr val="accent1"/>
-          </a:effectRef>
-          <a:fontRef idx="minor">
-            <a:schemeClr val="lt1"/>
-          </a:fontRef>
-        </p:style>
-        <p:txBody>
-          <a:bodyPr rtlCol="0" anchor="ctr"/>
-          <a:lstStyle/>
-          <a:p>
-            <a:pPr algn="ctr"/>
-            <a:endParaRPr lang="en-GB">
-              <a:solidFill>
-                <a:schemeClr val="tx1"/>
-              </a:solidFill>
-            </a:endParaRPr>
-          </a:p>
-        </p:txBody>
-      </p:sp>
-      <p:sp>
-        <p:nvSpPr>
-          <p:cNvPr id="10" name="TextBox 9">
-            <a:extLst>
-              <a:ext uri="{FF2B5EF4-FFF2-40B4-BE49-F238E27FC236}">
-                <a16:creationId xmlns:a16="http://schemas.microsoft.com/office/drawing/2014/main" id="{A85AE486-5F44-81B6-3E5C-D762ABEA4AC2}"/>
-              </a:ext>
-            </a:extLst>
-          </p:cNvPr>
-          <p:cNvSpPr txBox="1"/>
-          <p:nvPr/>
-        </p:nvSpPr>
-        <p:spPr>
-          <a:xfrm>
-            <a:off x="750014" y="5078897"/>
-            <a:ext cx="11065267" cy="523220"/>
-          </a:xfrm>
-          <a:prstGeom prst="rect">
-            <a:avLst/>
-          </a:prstGeom>
-          <a:noFill/>
-        </p:spPr>
-        <p:txBody>
-          <a:bodyPr wrap="square" rtlCol="0">
-            <a:spAutoFit/>
-          </a:bodyPr>
-          <a:lstStyle/>
-          <a:p>
-            <a:pPr algn="ctr"/>
-            <a:r>
-              <a:rPr lang="en-GB" sz="2800" dirty="0"/>
-              <a:t>“It doesn’t get any easier – just different” - Anon </a:t>
+              <a:rPr lang="en-GB" sz="3200" dirty="0"/>
+              <a:t>It is like…an email</a:t>
+            </a:r>
+          </a:p>
+          <a:p>
+            <a:endParaRPr lang="en-GB" sz="3200" dirty="0"/>
+          </a:p>
+          <a:p>
+            <a:r>
+              <a:rPr lang="en-GB" sz="3200" dirty="0"/>
+              <a:t>One endpoint</a:t>
+            </a:r>
+          </a:p>
+          <a:p>
+            <a:endParaRPr lang="en-GB" sz="3200" dirty="0"/>
+          </a:p>
+          <a:p>
+            <a:r>
+              <a:rPr lang="en-GB" sz="3200" dirty="0"/>
+              <a:t>Payload of instructions and context (info)</a:t>
             </a:r>
           </a:p>
         </p:txBody>
@@ -7475,7 +8294,7 @@
     </p:spTree>
     <p:extLst>
       <p:ext uri="{BB962C8B-B14F-4D97-AF65-F5344CB8AC3E}">
-        <p14:creationId xmlns:p14="http://schemas.microsoft.com/office/powerpoint/2010/main" val="3122446014"/>
+        <p14:creationId xmlns:p14="http://schemas.microsoft.com/office/powerpoint/2010/main" val="1250786056"/>
       </p:ext>
     </p:extLst>
   </p:cSld>
@@ -7501,7 +8320,7 @@
         <p:cNvPr id="1" name="">
           <a:extLst>
             <a:ext uri="{FF2B5EF4-FFF2-40B4-BE49-F238E27FC236}">
-              <a16:creationId xmlns:a16="http://schemas.microsoft.com/office/drawing/2014/main" id="{1EABF0B7-F482-2446-C127-C90E4C449EEB}"/>
+              <a16:creationId xmlns:a16="http://schemas.microsoft.com/office/drawing/2014/main" id="{68651D2A-02B5-5CCA-C9C5-B941C73F481F}"/>
             </a:ext>
           </a:extLst>
         </p:cNvPr>
@@ -7521,7 +8340,7 @@
           <p:cNvPr id="2" name="Title 1">
             <a:extLst>
               <a:ext uri="{FF2B5EF4-FFF2-40B4-BE49-F238E27FC236}">
-                <a16:creationId xmlns:a16="http://schemas.microsoft.com/office/drawing/2014/main" id="{49B83DC5-BF67-7FA4-0059-A3065D06F6AE}"/>
+                <a16:creationId xmlns:a16="http://schemas.microsoft.com/office/drawing/2014/main" id="{037B1661-39EF-3100-35DE-A22E3B187462}"/>
               </a:ext>
             </a:extLst>
           </p:cNvPr>
@@ -7548,99 +8367,68 @@
                   <a:srgbClr val="676767"/>
                 </a:solidFill>
               </a:rPr>
-              <a:t>Raw code implementation of an Agent</a:t>
-            </a:r>
-          </a:p>
-        </p:txBody>
-      </p:sp>
-      <p:sp>
-        <p:nvSpPr>
-          <p:cNvPr id="4" name="Content Placeholder 3">
-            <a:extLst>
-              <a:ext uri="{FF2B5EF4-FFF2-40B4-BE49-F238E27FC236}">
-                <a16:creationId xmlns:a16="http://schemas.microsoft.com/office/drawing/2014/main" id="{DF30FB64-851F-A3BD-15E6-081CA2032010}"/>
-              </a:ext>
-            </a:extLst>
-          </p:cNvPr>
-          <p:cNvSpPr>
-            <a:spLocks noGrp="1"/>
-          </p:cNvSpPr>
-          <p:nvPr>
-            <p:ph idx="1"/>
-          </p:nvPr>
-        </p:nvSpPr>
-        <p:spPr>
-          <a:xfrm>
-            <a:off x="919314" y="1599593"/>
-            <a:ext cx="10515600" cy="4351338"/>
-          </a:xfrm>
-        </p:spPr>
-        <p:txBody>
-          <a:bodyPr>
-            <a:normAutofit/>
+              <a:t>What is Agentic?</a:t>
+            </a:r>
+          </a:p>
+        </p:txBody>
+      </p:sp>
+      <p:sp>
+        <p:nvSpPr>
+          <p:cNvPr id="8" name="TextBox 7">
+            <a:extLst>
+              <a:ext uri="{FF2B5EF4-FFF2-40B4-BE49-F238E27FC236}">
+                <a16:creationId xmlns:a16="http://schemas.microsoft.com/office/drawing/2014/main" id="{91939117-0E78-393C-CF46-ABB7F6331B86}"/>
+              </a:ext>
+            </a:extLst>
+          </p:cNvPr>
+          <p:cNvSpPr txBox="1"/>
+          <p:nvPr/>
+        </p:nvSpPr>
+        <p:spPr>
+          <a:xfrm>
+            <a:off x="919314" y="1921267"/>
+            <a:ext cx="9961019" cy="3046988"/>
+          </a:xfrm>
+          <a:prstGeom prst="rect">
+            <a:avLst/>
+          </a:prstGeom>
+          <a:noFill/>
+        </p:spPr>
+        <p:txBody>
+          <a:bodyPr wrap="square" rtlCol="0">
+            <a:spAutoFit/>
           </a:bodyPr>
           <a:lstStyle/>
           <a:p>
             <a:r>
-              <a:rPr lang="en-GB" dirty="0"/>
-              <a:t>Post a set of instructions and additional information (context) to an API</a:t>
-            </a:r>
-          </a:p>
-          <a:p>
-            <a:r>
-              <a:rPr lang="en-GB" dirty="0"/>
-              <a:t>Single API</a:t>
-            </a:r>
-          </a:p>
-          <a:p>
-            <a:r>
-              <a:rPr lang="en-GB" dirty="0"/>
-              <a:t>We send instructions in Natural Language</a:t>
-            </a:r>
-          </a:p>
-          <a:p>
-            <a:r>
-              <a:rPr lang="en-GB" dirty="0"/>
-              <a:t>There is not official way to write instructions but clear, complete and with examples are key as we would give to an ‘intern’</a:t>
-            </a:r>
-          </a:p>
-          <a:p>
-            <a:r>
-              <a:rPr lang="en-GB" dirty="0"/>
-              <a:t>Pro-tip: save understanding to offline</a:t>
-            </a:r>
-          </a:p>
-          <a:p>
-            <a:r>
-              <a:rPr lang="en-GB" sz="3800" dirty="0"/>
-              <a:t>Let’s look at </a:t>
-            </a:r>
-            <a:r>
-              <a:rPr lang="en-GB" sz="3800" dirty="0">
-                <a:highlight>
-                  <a:srgbClr val="C0C0C0"/>
-                </a:highlight>
-                <a:latin typeface="Consolas" panose="020B0609020204030204" pitchFamily="49" charset="0"/>
-              </a:rPr>
-              <a:t>01_demo_api.ipynb</a:t>
-            </a:r>
-            <a:r>
-              <a:rPr lang="en-GB" sz="3800" dirty="0"/>
-              <a:t> in the repo…</a:t>
-            </a:r>
-          </a:p>
-          <a:p>
-            <a:endParaRPr lang="en-GB" dirty="0"/>
-          </a:p>
-          <a:p>
-            <a:endParaRPr lang="en-GB" dirty="0"/>
+              <a:rPr lang="en-GB" sz="3200" dirty="0"/>
+              <a:t>Tell me about Data Analytics…</a:t>
+            </a:r>
+          </a:p>
+          <a:p>
+            <a:endParaRPr lang="en-GB" sz="3200" dirty="0"/>
+          </a:p>
+          <a:p>
+            <a:r>
+              <a:rPr lang="en-GB" sz="3200" dirty="0"/>
+              <a:t>Tell me about Data Analytics and how it can help me with sales analysis for the last quarter…</a:t>
+            </a:r>
+          </a:p>
+          <a:p>
+            <a:endParaRPr lang="en-GB" sz="3200" dirty="0"/>
+          </a:p>
+          <a:p>
+            <a:r>
+              <a:rPr lang="en-GB" sz="3200" dirty="0"/>
+              <a:t>“I need more info…”</a:t>
+            </a:r>
           </a:p>
         </p:txBody>
       </p:sp>
     </p:spTree>
     <p:extLst>
       <p:ext uri="{BB962C8B-B14F-4D97-AF65-F5344CB8AC3E}">
-        <p14:creationId xmlns:p14="http://schemas.microsoft.com/office/powerpoint/2010/main" val="3845626983"/>
+        <p14:creationId xmlns:p14="http://schemas.microsoft.com/office/powerpoint/2010/main" val="509993075"/>
       </p:ext>
     </p:extLst>
   </p:cSld>
